--- a/api-days-australia-2024/img/platform-engineering.pptx
+++ b/api-days-australia-2024/img/platform-engineering.pptx
@@ -5,7 +5,11 @@
     <p:sldMasterId id="2147483648" r:id="rId1"/>
   </p:sldMasterIdLst>
   <p:sldIdLst>
-    <p:sldId id="259" r:id="rId2"/>
+    <p:sldId id="262" r:id="rId2"/>
+    <p:sldId id="261" r:id="rId3"/>
+    <p:sldId id="260" r:id="rId4"/>
+    <p:sldId id="259" r:id="rId5"/>
+    <p:sldId id="263" r:id="rId6"/>
   </p:sldIdLst>
   <p:sldSz cx="12192000" cy="6858000"/>
   <p:notesSz cx="6858000" cy="9144000"/>
@@ -104,6 +108,11 @@
       </a:defRPr>
     </a:lvl9pPr>
   </p:defaultTextStyle>
+  <p:extLst>
+    <p:ext uri="{EFAFB233-063F-42B5-8137-9DF3F51BA10A}">
+      <p15:sldGuideLst xmlns:p15="http://schemas.microsoft.com/office/powerpoint/2012/main"/>
+    </p:ext>
+  </p:extLst>
 </p:presentation>
 </file>
 
@@ -256,7 +265,7 @@
           <a:p>
             <a:fld id="{D256F4D8-ABCF-4D43-98D5-A7F42FF447A9}" type="datetimeFigureOut">
               <a:rPr lang="en-CH" smtClean="0"/>
-              <a:t>10.10.2024</a:t>
+              <a:t>13.10.2024</a:t>
             </a:fld>
             <a:endParaRPr lang="en-CH"/>
           </a:p>
@@ -456,7 +465,7 @@
           <a:p>
             <a:fld id="{D256F4D8-ABCF-4D43-98D5-A7F42FF447A9}" type="datetimeFigureOut">
               <a:rPr lang="en-CH" smtClean="0"/>
-              <a:t>10.10.2024</a:t>
+              <a:t>13.10.2024</a:t>
             </a:fld>
             <a:endParaRPr lang="en-CH"/>
           </a:p>
@@ -666,7 +675,7 @@
           <a:p>
             <a:fld id="{D256F4D8-ABCF-4D43-98D5-A7F42FF447A9}" type="datetimeFigureOut">
               <a:rPr lang="en-CH" smtClean="0"/>
-              <a:t>10.10.2024</a:t>
+              <a:t>13.10.2024</a:t>
             </a:fld>
             <a:endParaRPr lang="en-CH"/>
           </a:p>
@@ -866,7 +875,7 @@
           <a:p>
             <a:fld id="{D256F4D8-ABCF-4D43-98D5-A7F42FF447A9}" type="datetimeFigureOut">
               <a:rPr lang="en-CH" smtClean="0"/>
-              <a:t>10.10.2024</a:t>
+              <a:t>13.10.2024</a:t>
             </a:fld>
             <a:endParaRPr lang="en-CH"/>
           </a:p>
@@ -1142,7 +1151,7 @@
           <a:p>
             <a:fld id="{D256F4D8-ABCF-4D43-98D5-A7F42FF447A9}" type="datetimeFigureOut">
               <a:rPr lang="en-CH" smtClean="0"/>
-              <a:t>10.10.2024</a:t>
+              <a:t>13.10.2024</a:t>
             </a:fld>
             <a:endParaRPr lang="en-CH"/>
           </a:p>
@@ -1410,7 +1419,7 @@
           <a:p>
             <a:fld id="{D256F4D8-ABCF-4D43-98D5-A7F42FF447A9}" type="datetimeFigureOut">
               <a:rPr lang="en-CH" smtClean="0"/>
-              <a:t>10.10.2024</a:t>
+              <a:t>13.10.2024</a:t>
             </a:fld>
             <a:endParaRPr lang="en-CH"/>
           </a:p>
@@ -1825,7 +1834,7 @@
           <a:p>
             <a:fld id="{D256F4D8-ABCF-4D43-98D5-A7F42FF447A9}" type="datetimeFigureOut">
               <a:rPr lang="en-CH" smtClean="0"/>
-              <a:t>10.10.2024</a:t>
+              <a:t>13.10.2024</a:t>
             </a:fld>
             <a:endParaRPr lang="en-CH"/>
           </a:p>
@@ -1967,7 +1976,7 @@
           <a:p>
             <a:fld id="{D256F4D8-ABCF-4D43-98D5-A7F42FF447A9}" type="datetimeFigureOut">
               <a:rPr lang="en-CH" smtClean="0"/>
-              <a:t>10.10.2024</a:t>
+              <a:t>13.10.2024</a:t>
             </a:fld>
             <a:endParaRPr lang="en-CH"/>
           </a:p>
@@ -2080,7 +2089,7 @@
           <a:p>
             <a:fld id="{D256F4D8-ABCF-4D43-98D5-A7F42FF447A9}" type="datetimeFigureOut">
               <a:rPr lang="en-CH" smtClean="0"/>
-              <a:t>10.10.2024</a:t>
+              <a:t>13.10.2024</a:t>
             </a:fld>
             <a:endParaRPr lang="en-CH"/>
           </a:p>
@@ -2393,7 +2402,7 @@
           <a:p>
             <a:fld id="{D256F4D8-ABCF-4D43-98D5-A7F42FF447A9}" type="datetimeFigureOut">
               <a:rPr lang="en-CH" smtClean="0"/>
-              <a:t>10.10.2024</a:t>
+              <a:t>13.10.2024</a:t>
             </a:fld>
             <a:endParaRPr lang="en-CH"/>
           </a:p>
@@ -2682,7 +2691,7 @@
           <a:p>
             <a:fld id="{D256F4D8-ABCF-4D43-98D5-A7F42FF447A9}" type="datetimeFigureOut">
               <a:rPr lang="en-CH" smtClean="0"/>
-              <a:t>10.10.2024</a:t>
+              <a:t>13.10.2024</a:t>
             </a:fld>
             <a:endParaRPr lang="en-CH"/>
           </a:p>
@@ -2925,7 +2934,7 @@
           <a:p>
             <a:fld id="{D256F4D8-ABCF-4D43-98D5-A7F42FF447A9}" type="datetimeFigureOut">
               <a:rPr lang="en-CH" smtClean="0"/>
-              <a:t>10.10.2024</a:t>
+              <a:t>13.10.2024</a:t>
             </a:fld>
             <a:endParaRPr lang="en-CH"/>
           </a:p>
@@ -3356,7 +3365,7 @@
         </p:nvSpPr>
         <p:spPr>
           <a:xfrm>
-            <a:off x="3957575" y="4287577"/>
+            <a:off x="3957574" y="4194880"/>
             <a:ext cx="5150453" cy="635297"/>
           </a:xfrm>
           <a:prstGeom prst="rect">
@@ -3396,7 +3405,6 @@
           <a:bodyPr rtlCol="0" anchor="ctr"/>
           <a:lstStyle/>
           <a:p>
-            <a:pPr algn="ctr"/>
             <a:r>
               <a:rPr lang="en-CH" sz="1600" dirty="0">
                 <a:solidFill>
@@ -3406,7 +3414,1267 @@
                 </a:solidFill>
                 <a:latin typeface="Ford Antenna Medium" panose="02000505000000020004" pitchFamily="2" charset="0"/>
               </a:rPr>
-              <a:t>Infrastructure Platform</a:t>
+              <a:t>                 Infrastructure</a:t>
+            </a:r>
+          </a:p>
+        </p:txBody>
+      </p:sp>
+      <p:pic>
+        <p:nvPicPr>
+          <p:cNvPr id="8" name="Graphic 7" descr="Computer with solid fill">
+            <a:extLst>
+              <a:ext uri="{FF2B5EF4-FFF2-40B4-BE49-F238E27FC236}">
+                <a16:creationId xmlns:a16="http://schemas.microsoft.com/office/drawing/2014/main" id="{DCAAF2D1-3742-BC64-BCB6-60C5EC0C4118}"/>
+              </a:ext>
+            </a:extLst>
+          </p:cNvPr>
+          <p:cNvPicPr>
+            <a:picLocks noChangeAspect="1"/>
+          </p:cNvPicPr>
+          <p:nvPr/>
+        </p:nvPicPr>
+        <p:blipFill>
+          <a:blip r:embed="rId2">
+            <a:extLst>
+              <a:ext uri="{96DAC541-7B7A-43D3-8B79-37D633B846F1}">
+                <asvg:svgBlip xmlns:asvg="http://schemas.microsoft.com/office/drawing/2016/SVG/main" r:embed="rId3"/>
+              </a:ext>
+            </a:extLst>
+          </a:blip>
+          <a:stretch>
+            <a:fillRect/>
+          </a:stretch>
+        </p:blipFill>
+        <p:spPr>
+          <a:xfrm>
+            <a:off x="7154954" y="4234746"/>
+            <a:ext cx="595431" cy="595431"/>
+          </a:xfrm>
+          <a:prstGeom prst="rect">
+            <a:avLst/>
+          </a:prstGeom>
+        </p:spPr>
+      </p:pic>
+      <p:sp>
+        <p:nvSpPr>
+          <p:cNvPr id="3" name="Rectangle 2">
+            <a:extLst>
+              <a:ext uri="{FF2B5EF4-FFF2-40B4-BE49-F238E27FC236}">
+                <a16:creationId xmlns:a16="http://schemas.microsoft.com/office/drawing/2014/main" id="{24E9F305-0AB8-CFBE-4199-22783E15C40C}"/>
+              </a:ext>
+            </a:extLst>
+          </p:cNvPr>
+          <p:cNvSpPr/>
+          <p:nvPr/>
+        </p:nvSpPr>
+        <p:spPr>
+          <a:xfrm>
+            <a:off x="3957575" y="3467540"/>
+            <a:ext cx="5150453" cy="635297"/>
+          </a:xfrm>
+          <a:prstGeom prst="rect">
+            <a:avLst/>
+          </a:prstGeom>
+          <a:solidFill>
+            <a:schemeClr val="accent6">
+              <a:lumMod val="20000"/>
+              <a:lumOff val="80000"/>
+            </a:schemeClr>
+          </a:solidFill>
+          <a:ln>
+            <a:solidFill>
+              <a:schemeClr val="accent6">
+                <a:lumMod val="75000"/>
+              </a:schemeClr>
+            </a:solidFill>
+          </a:ln>
+        </p:spPr>
+        <p:style>
+          <a:lnRef idx="2">
+            <a:schemeClr val="accent1">
+              <a:shade val="15000"/>
+            </a:schemeClr>
+          </a:lnRef>
+          <a:fillRef idx="1">
+            <a:schemeClr val="accent1"/>
+          </a:fillRef>
+          <a:effectRef idx="0">
+            <a:schemeClr val="accent1"/>
+          </a:effectRef>
+          <a:fontRef idx="minor">
+            <a:schemeClr val="lt1"/>
+          </a:fontRef>
+        </p:style>
+        <p:txBody>
+          <a:bodyPr rtlCol="0" anchor="ctr"/>
+          <a:lstStyle/>
+          <a:p>
+            <a:pPr algn="ctr"/>
+            <a:r>
+              <a:rPr lang="en-CH" sz="1600" dirty="0">
+                <a:solidFill>
+                  <a:schemeClr val="accent6">
+                    <a:lumMod val="50000"/>
+                  </a:schemeClr>
+                </a:solidFill>
+                <a:latin typeface="Ford Antenna Medium" panose="02000505000000020004" pitchFamily="2" charset="0"/>
+              </a:rPr>
+              <a:t> Operations</a:t>
+            </a:r>
+          </a:p>
+        </p:txBody>
+      </p:sp>
+      <p:pic>
+        <p:nvPicPr>
+          <p:cNvPr id="13" name="Graphic 12" descr="Database with solid fill">
+            <a:extLst>
+              <a:ext uri="{FF2B5EF4-FFF2-40B4-BE49-F238E27FC236}">
+                <a16:creationId xmlns:a16="http://schemas.microsoft.com/office/drawing/2014/main" id="{0221362B-3A69-087D-1403-35383EA1B41A}"/>
+              </a:ext>
+            </a:extLst>
+          </p:cNvPr>
+          <p:cNvPicPr>
+            <a:picLocks noChangeAspect="1"/>
+          </p:cNvPicPr>
+          <p:nvPr/>
+        </p:nvPicPr>
+        <p:blipFill>
+          <a:blip r:embed="rId4">
+            <a:extLst>
+              <a:ext uri="{96DAC541-7B7A-43D3-8B79-37D633B846F1}">
+                <asvg:svgBlip xmlns:asvg="http://schemas.microsoft.com/office/drawing/2016/SVG/main" r:embed="rId5"/>
+              </a:ext>
+            </a:extLst>
+          </a:blip>
+          <a:stretch>
+            <a:fillRect/>
+          </a:stretch>
+        </p:blipFill>
+        <p:spPr>
+          <a:xfrm>
+            <a:off x="7934752" y="4312394"/>
+            <a:ext cx="440134" cy="440134"/>
+          </a:xfrm>
+          <a:prstGeom prst="rect">
+            <a:avLst/>
+          </a:prstGeom>
+        </p:spPr>
+      </p:pic>
+      <p:pic>
+        <p:nvPicPr>
+          <p:cNvPr id="15" name="Graphic 14" descr="Server with solid fill">
+            <a:extLst>
+              <a:ext uri="{FF2B5EF4-FFF2-40B4-BE49-F238E27FC236}">
+                <a16:creationId xmlns:a16="http://schemas.microsoft.com/office/drawing/2014/main" id="{BA8DDBF9-ACD3-D57B-D5A6-F19A3C31AC5F}"/>
+              </a:ext>
+            </a:extLst>
+          </p:cNvPr>
+          <p:cNvPicPr>
+            <a:picLocks noChangeAspect="1"/>
+          </p:cNvPicPr>
+          <p:nvPr/>
+        </p:nvPicPr>
+        <p:blipFill>
+          <a:blip r:embed="rId6">
+            <a:extLst>
+              <a:ext uri="{96DAC541-7B7A-43D3-8B79-37D633B846F1}">
+                <asvg:svgBlip xmlns:asvg="http://schemas.microsoft.com/office/drawing/2016/SVG/main" r:embed="rId7"/>
+              </a:ext>
+            </a:extLst>
+          </a:blip>
+          <a:stretch>
+            <a:fillRect/>
+          </a:stretch>
+        </p:blipFill>
+        <p:spPr>
+          <a:xfrm>
+            <a:off x="8429473" y="4312394"/>
+            <a:ext cx="440135" cy="440135"/>
+          </a:xfrm>
+          <a:prstGeom prst="rect">
+            <a:avLst/>
+          </a:prstGeom>
+        </p:spPr>
+      </p:pic>
+      <p:sp>
+        <p:nvSpPr>
+          <p:cNvPr id="16" name="Rectangle 15">
+            <a:extLst>
+              <a:ext uri="{FF2B5EF4-FFF2-40B4-BE49-F238E27FC236}">
+                <a16:creationId xmlns:a16="http://schemas.microsoft.com/office/drawing/2014/main" id="{8917E1D1-0DDC-04C5-2B31-E251D1D46808}"/>
+              </a:ext>
+            </a:extLst>
+          </p:cNvPr>
+          <p:cNvSpPr/>
+          <p:nvPr/>
+        </p:nvSpPr>
+        <p:spPr>
+          <a:xfrm>
+            <a:off x="4164417" y="1655811"/>
+            <a:ext cx="2118831" cy="1731780"/>
+          </a:xfrm>
+          <a:prstGeom prst="rect">
+            <a:avLst/>
+          </a:prstGeom>
+          <a:solidFill>
+            <a:schemeClr val="accent6">
+              <a:lumMod val="20000"/>
+              <a:lumOff val="80000"/>
+            </a:schemeClr>
+          </a:solidFill>
+          <a:ln>
+            <a:solidFill>
+              <a:schemeClr val="accent6">
+                <a:lumMod val="75000"/>
+              </a:schemeClr>
+            </a:solidFill>
+          </a:ln>
+        </p:spPr>
+        <p:style>
+          <a:lnRef idx="2">
+            <a:schemeClr val="accent1">
+              <a:shade val="15000"/>
+            </a:schemeClr>
+          </a:lnRef>
+          <a:fillRef idx="1">
+            <a:schemeClr val="accent1"/>
+          </a:fillRef>
+          <a:effectRef idx="0">
+            <a:schemeClr val="accent1"/>
+          </a:effectRef>
+          <a:fontRef idx="minor">
+            <a:schemeClr val="lt1"/>
+          </a:fontRef>
+        </p:style>
+        <p:txBody>
+          <a:bodyPr rtlCol="0" anchor="ctr"/>
+          <a:lstStyle/>
+          <a:p>
+            <a:pPr algn="ctr"/>
+            <a:r>
+              <a:rPr lang="en-CH" sz="1600" dirty="0">
+                <a:solidFill>
+                  <a:schemeClr val="accent6">
+                    <a:lumMod val="50000"/>
+                  </a:schemeClr>
+                </a:solidFill>
+                <a:latin typeface="Ford Antenna Medium" panose="02000505000000020004" pitchFamily="2" charset="0"/>
+              </a:rPr>
+              <a:t>Developer</a:t>
+            </a:r>
+          </a:p>
+          <a:p>
+            <a:pPr algn="ctr"/>
+            <a:r>
+              <a:rPr lang="en-CH" sz="1600" dirty="0">
+                <a:solidFill>
+                  <a:schemeClr val="accent6">
+                    <a:lumMod val="50000"/>
+                  </a:schemeClr>
+                </a:solidFill>
+                <a:latin typeface="Ford Antenna Medium" panose="02000505000000020004" pitchFamily="2" charset="0"/>
+              </a:rPr>
+              <a:t>Team A</a:t>
+            </a:r>
+          </a:p>
+        </p:txBody>
+      </p:sp>
+      <p:sp>
+        <p:nvSpPr>
+          <p:cNvPr id="17" name="Rectangle 16">
+            <a:extLst>
+              <a:ext uri="{FF2B5EF4-FFF2-40B4-BE49-F238E27FC236}">
+                <a16:creationId xmlns:a16="http://schemas.microsoft.com/office/drawing/2014/main" id="{9FBF3AC9-5B5E-C6AC-45C3-EF30F85CBFF3}"/>
+              </a:ext>
+            </a:extLst>
+          </p:cNvPr>
+          <p:cNvSpPr/>
+          <p:nvPr/>
+        </p:nvSpPr>
+        <p:spPr>
+          <a:xfrm>
+            <a:off x="6779872" y="1655811"/>
+            <a:ext cx="2118831" cy="1731780"/>
+          </a:xfrm>
+          <a:prstGeom prst="rect">
+            <a:avLst/>
+          </a:prstGeom>
+          <a:solidFill>
+            <a:schemeClr val="accent6">
+              <a:lumMod val="20000"/>
+              <a:lumOff val="80000"/>
+            </a:schemeClr>
+          </a:solidFill>
+          <a:ln>
+            <a:solidFill>
+              <a:schemeClr val="accent6">
+                <a:lumMod val="75000"/>
+              </a:schemeClr>
+            </a:solidFill>
+          </a:ln>
+        </p:spPr>
+        <p:style>
+          <a:lnRef idx="2">
+            <a:schemeClr val="accent1">
+              <a:shade val="15000"/>
+            </a:schemeClr>
+          </a:lnRef>
+          <a:fillRef idx="1">
+            <a:schemeClr val="accent1"/>
+          </a:fillRef>
+          <a:effectRef idx="0">
+            <a:schemeClr val="accent1"/>
+          </a:effectRef>
+          <a:fontRef idx="minor">
+            <a:schemeClr val="lt1"/>
+          </a:fontRef>
+        </p:style>
+        <p:txBody>
+          <a:bodyPr rtlCol="0" anchor="ctr"/>
+          <a:lstStyle/>
+          <a:p>
+            <a:pPr algn="ctr"/>
+            <a:r>
+              <a:rPr lang="en-CH" sz="1600" dirty="0">
+                <a:solidFill>
+                  <a:schemeClr val="accent6">
+                    <a:lumMod val="50000"/>
+                  </a:schemeClr>
+                </a:solidFill>
+                <a:latin typeface="Ford Antenna Medium" panose="02000505000000020004" pitchFamily="2" charset="0"/>
+              </a:rPr>
+              <a:t>Developer</a:t>
+            </a:r>
+          </a:p>
+          <a:p>
+            <a:pPr algn="ctr"/>
+            <a:r>
+              <a:rPr lang="en-CH" sz="1600" dirty="0">
+                <a:solidFill>
+                  <a:schemeClr val="accent6">
+                    <a:lumMod val="50000"/>
+                  </a:schemeClr>
+                </a:solidFill>
+                <a:latin typeface="Ford Antenna Medium" panose="02000505000000020004" pitchFamily="2" charset="0"/>
+              </a:rPr>
+              <a:t>Team B</a:t>
+            </a:r>
+          </a:p>
+        </p:txBody>
+      </p:sp>
+    </p:spTree>
+    <p:extLst>
+      <p:ext uri="{BB962C8B-B14F-4D97-AF65-F5344CB8AC3E}">
+        <p14:creationId xmlns:p14="http://schemas.microsoft.com/office/powerpoint/2010/main" val="787372439"/>
+      </p:ext>
+    </p:extLst>
+  </p:cSld>
+  <p:clrMapOvr>
+    <a:masterClrMapping/>
+  </p:clrMapOvr>
+</p:sld>
+</file>
+
+<file path=ppt/slides/slide2.xml><?xml version="1.0" encoding="utf-8"?>
+<p:sld xmlns:a="http://schemas.openxmlformats.org/drawingml/2006/main" xmlns:r="http://schemas.openxmlformats.org/officeDocument/2006/relationships" xmlns:p="http://schemas.openxmlformats.org/presentationml/2006/main">
+  <p:cSld>
+    <p:spTree>
+      <p:nvGrpSpPr>
+        <p:cNvPr id="1" name=""/>
+        <p:cNvGrpSpPr/>
+        <p:nvPr/>
+      </p:nvGrpSpPr>
+      <p:grpSpPr>
+        <a:xfrm>
+          <a:off x="0" y="0"/>
+          <a:ext cx="0" cy="0"/>
+          <a:chOff x="0" y="0"/>
+          <a:chExt cx="0" cy="0"/>
+        </a:xfrm>
+      </p:grpSpPr>
+      <p:sp>
+        <p:nvSpPr>
+          <p:cNvPr id="4" name="Rectangle 3">
+            <a:extLst>
+              <a:ext uri="{FF2B5EF4-FFF2-40B4-BE49-F238E27FC236}">
+                <a16:creationId xmlns:a16="http://schemas.microsoft.com/office/drawing/2014/main" id="{598B5812-61BD-491E-6028-1DB3C4C39FB3}"/>
+              </a:ext>
+            </a:extLst>
+          </p:cNvPr>
+          <p:cNvSpPr/>
+          <p:nvPr/>
+        </p:nvSpPr>
+        <p:spPr>
+          <a:xfrm>
+            <a:off x="3957574" y="4194880"/>
+            <a:ext cx="5150453" cy="635297"/>
+          </a:xfrm>
+          <a:prstGeom prst="rect">
+            <a:avLst/>
+          </a:prstGeom>
+          <a:solidFill>
+            <a:schemeClr val="accent6">
+              <a:lumMod val="20000"/>
+              <a:lumOff val="80000"/>
+            </a:schemeClr>
+          </a:solidFill>
+          <a:ln>
+            <a:solidFill>
+              <a:schemeClr val="accent6">
+                <a:lumMod val="75000"/>
+              </a:schemeClr>
+            </a:solidFill>
+          </a:ln>
+        </p:spPr>
+        <p:style>
+          <a:lnRef idx="2">
+            <a:schemeClr val="accent1">
+              <a:shade val="15000"/>
+            </a:schemeClr>
+          </a:lnRef>
+          <a:fillRef idx="1">
+            <a:schemeClr val="accent1"/>
+          </a:fillRef>
+          <a:effectRef idx="0">
+            <a:schemeClr val="accent1"/>
+          </a:effectRef>
+          <a:fontRef idx="minor">
+            <a:schemeClr val="lt1"/>
+          </a:fontRef>
+        </p:style>
+        <p:txBody>
+          <a:bodyPr rtlCol="0" anchor="ctr"/>
+          <a:lstStyle/>
+          <a:p>
+            <a:r>
+              <a:rPr lang="en-CH" sz="1600" dirty="0">
+                <a:solidFill>
+                  <a:schemeClr val="accent6">
+                    <a:lumMod val="50000"/>
+                  </a:schemeClr>
+                </a:solidFill>
+                <a:latin typeface="Ford Antenna Medium" panose="02000505000000020004" pitchFamily="2" charset="0"/>
+              </a:rPr>
+              <a:t>       Infrastructure</a:t>
+            </a:r>
+            <a:br>
+              <a:rPr lang="en-CH" sz="1600" dirty="0">
+                <a:solidFill>
+                  <a:schemeClr val="accent6">
+                    <a:lumMod val="50000"/>
+                  </a:schemeClr>
+                </a:solidFill>
+                <a:latin typeface="Ford Antenna Medium" panose="02000505000000020004" pitchFamily="2" charset="0"/>
+              </a:rPr>
+            </a:br>
+            <a:r>
+              <a:rPr lang="en-CH" sz="1600" dirty="0">
+                <a:solidFill>
+                  <a:schemeClr val="accent6">
+                    <a:lumMod val="50000"/>
+                  </a:schemeClr>
+                </a:solidFill>
+                <a:latin typeface="Ford Antenna Medium" panose="02000505000000020004" pitchFamily="2" charset="0"/>
+              </a:rPr>
+              <a:t>             Platform</a:t>
+            </a:r>
+          </a:p>
+        </p:txBody>
+      </p:sp>
+      <p:sp>
+        <p:nvSpPr>
+          <p:cNvPr id="11" name="Rectangle 10">
+            <a:extLst>
+              <a:ext uri="{FF2B5EF4-FFF2-40B4-BE49-F238E27FC236}">
+                <a16:creationId xmlns:a16="http://schemas.microsoft.com/office/drawing/2014/main" id="{876316B8-83A7-C307-3F3C-CA2E040099C6}"/>
+              </a:ext>
+            </a:extLst>
+          </p:cNvPr>
+          <p:cNvSpPr/>
+          <p:nvPr/>
+        </p:nvSpPr>
+        <p:spPr>
+          <a:xfrm rot="16200000">
+            <a:off x="3436853" y="2386243"/>
+            <a:ext cx="2425641" cy="970512"/>
+          </a:xfrm>
+          <a:prstGeom prst="rect">
+            <a:avLst/>
+          </a:prstGeom>
+          <a:solidFill>
+            <a:schemeClr val="accent6">
+              <a:lumMod val="20000"/>
+              <a:lumOff val="80000"/>
+            </a:schemeClr>
+          </a:solidFill>
+          <a:ln>
+            <a:solidFill>
+              <a:schemeClr val="accent6">
+                <a:lumMod val="75000"/>
+              </a:schemeClr>
+            </a:solidFill>
+          </a:ln>
+        </p:spPr>
+        <p:style>
+          <a:lnRef idx="2">
+            <a:schemeClr val="accent1">
+              <a:shade val="15000"/>
+            </a:schemeClr>
+          </a:lnRef>
+          <a:fillRef idx="1">
+            <a:schemeClr val="accent1"/>
+          </a:fillRef>
+          <a:effectRef idx="0">
+            <a:schemeClr val="accent1"/>
+          </a:effectRef>
+          <a:fontRef idx="minor">
+            <a:schemeClr val="lt1"/>
+          </a:fontRef>
+        </p:style>
+        <p:txBody>
+          <a:bodyPr rtlCol="0" anchor="ctr"/>
+          <a:lstStyle/>
+          <a:p>
+            <a:pPr algn="ctr"/>
+            <a:r>
+              <a:rPr lang="en-CH" sz="1600" dirty="0">
+                <a:solidFill>
+                  <a:schemeClr val="accent6">
+                    <a:lumMod val="50000"/>
+                  </a:schemeClr>
+                </a:solidFill>
+                <a:latin typeface="Ford Antenna Medium" panose="02000505000000020004" pitchFamily="2" charset="0"/>
+              </a:rPr>
+              <a:t>              DevOps</a:t>
+            </a:r>
+          </a:p>
+        </p:txBody>
+      </p:sp>
+      <p:sp>
+        <p:nvSpPr>
+          <p:cNvPr id="5" name="Rectangle 4">
+            <a:extLst>
+              <a:ext uri="{FF2B5EF4-FFF2-40B4-BE49-F238E27FC236}">
+                <a16:creationId xmlns:a16="http://schemas.microsoft.com/office/drawing/2014/main" id="{BE3F789F-9F7D-2F16-63D3-4F66CBBC6A24}"/>
+              </a:ext>
+            </a:extLst>
+          </p:cNvPr>
+          <p:cNvSpPr/>
+          <p:nvPr/>
+        </p:nvSpPr>
+        <p:spPr>
+          <a:xfrm rot="16200000">
+            <a:off x="4576311" y="2377380"/>
+            <a:ext cx="2425640" cy="988233"/>
+          </a:xfrm>
+          <a:prstGeom prst="rect">
+            <a:avLst/>
+          </a:prstGeom>
+          <a:solidFill>
+            <a:schemeClr val="accent6">
+              <a:lumMod val="20000"/>
+              <a:lumOff val="80000"/>
+            </a:schemeClr>
+          </a:solidFill>
+          <a:ln>
+            <a:solidFill>
+              <a:schemeClr val="accent6">
+                <a:lumMod val="75000"/>
+              </a:schemeClr>
+            </a:solidFill>
+          </a:ln>
+        </p:spPr>
+        <p:style>
+          <a:lnRef idx="2">
+            <a:schemeClr val="accent1">
+              <a:shade val="15000"/>
+            </a:schemeClr>
+          </a:lnRef>
+          <a:fillRef idx="1">
+            <a:schemeClr val="accent1"/>
+          </a:fillRef>
+          <a:effectRef idx="0">
+            <a:schemeClr val="accent1"/>
+          </a:effectRef>
+          <a:fontRef idx="minor">
+            <a:schemeClr val="lt1"/>
+          </a:fontRef>
+        </p:style>
+        <p:txBody>
+          <a:bodyPr rtlCol="0" anchor="ctr"/>
+          <a:lstStyle/>
+          <a:p>
+            <a:pPr algn="ctr"/>
+            <a:r>
+              <a:rPr lang="en-CH" sz="1600" dirty="0">
+                <a:solidFill>
+                  <a:schemeClr val="accent6">
+                    <a:lumMod val="50000"/>
+                  </a:schemeClr>
+                </a:solidFill>
+                <a:latin typeface="Ford Antenna Medium" panose="02000505000000020004" pitchFamily="2" charset="0"/>
+              </a:rPr>
+              <a:t>              DevOps</a:t>
+            </a:r>
+          </a:p>
+        </p:txBody>
+      </p:sp>
+      <p:sp>
+        <p:nvSpPr>
+          <p:cNvPr id="20" name="Rectangle 19">
+            <a:extLst>
+              <a:ext uri="{FF2B5EF4-FFF2-40B4-BE49-F238E27FC236}">
+                <a16:creationId xmlns:a16="http://schemas.microsoft.com/office/drawing/2014/main" id="{59548482-7FF4-AC73-D2D8-FF8EAF8124B3}"/>
+              </a:ext>
+            </a:extLst>
+          </p:cNvPr>
+          <p:cNvSpPr/>
+          <p:nvPr/>
+        </p:nvSpPr>
+        <p:spPr>
+          <a:xfrm rot="16200000">
+            <a:off x="6052308" y="2383377"/>
+            <a:ext cx="2425641" cy="970512"/>
+          </a:xfrm>
+          <a:prstGeom prst="rect">
+            <a:avLst/>
+          </a:prstGeom>
+          <a:solidFill>
+            <a:schemeClr val="accent6">
+              <a:lumMod val="20000"/>
+              <a:lumOff val="80000"/>
+            </a:schemeClr>
+          </a:solidFill>
+          <a:ln>
+            <a:solidFill>
+              <a:schemeClr val="accent6">
+                <a:lumMod val="75000"/>
+              </a:schemeClr>
+            </a:solidFill>
+          </a:ln>
+        </p:spPr>
+        <p:style>
+          <a:lnRef idx="2">
+            <a:schemeClr val="accent1">
+              <a:shade val="15000"/>
+            </a:schemeClr>
+          </a:lnRef>
+          <a:fillRef idx="1">
+            <a:schemeClr val="accent1"/>
+          </a:fillRef>
+          <a:effectRef idx="0">
+            <a:schemeClr val="accent1"/>
+          </a:effectRef>
+          <a:fontRef idx="minor">
+            <a:schemeClr val="lt1"/>
+          </a:fontRef>
+        </p:style>
+        <p:txBody>
+          <a:bodyPr rtlCol="0" anchor="ctr"/>
+          <a:lstStyle/>
+          <a:p>
+            <a:pPr algn="ctr"/>
+            <a:r>
+              <a:rPr lang="en-CH" sz="1600" dirty="0">
+                <a:solidFill>
+                  <a:schemeClr val="accent6">
+                    <a:lumMod val="50000"/>
+                  </a:schemeClr>
+                </a:solidFill>
+                <a:latin typeface="Ford Antenna Medium" panose="02000505000000020004" pitchFamily="2" charset="0"/>
+              </a:rPr>
+              <a:t>              DevOps</a:t>
+            </a:r>
+          </a:p>
+        </p:txBody>
+      </p:sp>
+      <p:sp>
+        <p:nvSpPr>
+          <p:cNvPr id="22" name="Rectangle 21">
+            <a:extLst>
+              <a:ext uri="{FF2B5EF4-FFF2-40B4-BE49-F238E27FC236}">
+                <a16:creationId xmlns:a16="http://schemas.microsoft.com/office/drawing/2014/main" id="{788E428E-824F-E825-3A67-E9FB80D3F598}"/>
+              </a:ext>
+            </a:extLst>
+          </p:cNvPr>
+          <p:cNvSpPr/>
+          <p:nvPr/>
+        </p:nvSpPr>
+        <p:spPr>
+          <a:xfrm rot="16200000">
+            <a:off x="7191766" y="2374514"/>
+            <a:ext cx="2425640" cy="988233"/>
+          </a:xfrm>
+          <a:prstGeom prst="rect">
+            <a:avLst/>
+          </a:prstGeom>
+          <a:solidFill>
+            <a:schemeClr val="accent6">
+              <a:lumMod val="20000"/>
+              <a:lumOff val="80000"/>
+            </a:schemeClr>
+          </a:solidFill>
+          <a:ln>
+            <a:solidFill>
+              <a:schemeClr val="accent6">
+                <a:lumMod val="75000"/>
+              </a:schemeClr>
+            </a:solidFill>
+          </a:ln>
+        </p:spPr>
+        <p:style>
+          <a:lnRef idx="2">
+            <a:schemeClr val="accent1">
+              <a:shade val="15000"/>
+            </a:schemeClr>
+          </a:lnRef>
+          <a:fillRef idx="1">
+            <a:schemeClr val="accent1"/>
+          </a:fillRef>
+          <a:effectRef idx="0">
+            <a:schemeClr val="accent1"/>
+          </a:effectRef>
+          <a:fontRef idx="minor">
+            <a:schemeClr val="lt1"/>
+          </a:fontRef>
+        </p:style>
+        <p:txBody>
+          <a:bodyPr rtlCol="0" anchor="ctr"/>
+          <a:lstStyle/>
+          <a:p>
+            <a:pPr algn="ctr"/>
+            <a:r>
+              <a:rPr lang="en-CH" sz="1600" dirty="0">
+                <a:solidFill>
+                  <a:schemeClr val="accent6">
+                    <a:lumMod val="50000"/>
+                  </a:schemeClr>
+                </a:solidFill>
+                <a:latin typeface="Ford Antenna Medium" panose="02000505000000020004" pitchFamily="2" charset="0"/>
+              </a:rPr>
+              <a:t>              DevOps</a:t>
+            </a:r>
+          </a:p>
+        </p:txBody>
+      </p:sp>
+      <p:pic>
+        <p:nvPicPr>
+          <p:cNvPr id="1026" name="Picture 2">
+            <a:extLst>
+              <a:ext uri="{FF2B5EF4-FFF2-40B4-BE49-F238E27FC236}">
+                <a16:creationId xmlns:a16="http://schemas.microsoft.com/office/drawing/2014/main" id="{E6711C4B-9BAC-CD0A-37EB-C27FAC94A094}"/>
+              </a:ext>
+            </a:extLst>
+          </p:cNvPr>
+          <p:cNvPicPr>
+            <a:picLocks noChangeAspect="1" noChangeArrowheads="1"/>
+          </p:cNvPicPr>
+          <p:nvPr/>
+        </p:nvPicPr>
+        <p:blipFill>
+          <a:blip r:embed="rId2">
+            <a:extLst>
+              <a:ext uri="{28A0092B-C50C-407E-A947-70E740481C1C}">
+                <a14:useLocalDpi xmlns:a14="http://schemas.microsoft.com/office/drawing/2010/main" val="0"/>
+              </a:ext>
+            </a:extLst>
+          </a:blip>
+          <a:srcRect/>
+          <a:stretch>
+            <a:fillRect/>
+          </a:stretch>
+        </p:blipFill>
+        <p:spPr bwMode="auto">
+          <a:xfrm>
+            <a:off x="6958421" y="4319943"/>
+            <a:ext cx="427734" cy="427734"/>
+          </a:xfrm>
+          <a:prstGeom prst="rect">
+            <a:avLst/>
+          </a:prstGeom>
+          <a:noFill/>
+          <a:extLst>
+            <a:ext uri="{909E8E84-426E-40DD-AFC4-6F175D3DCCD1}">
+              <a14:hiddenFill xmlns:a14="http://schemas.microsoft.com/office/drawing/2010/main">
+                <a:solidFill>
+                  <a:srgbClr val="FFFFFF"/>
+                </a:solidFill>
+              </a14:hiddenFill>
+            </a:ext>
+          </a:extLst>
+        </p:spPr>
+      </p:pic>
+      <p:pic>
+        <p:nvPicPr>
+          <p:cNvPr id="1030" name="Picture 6">
+            <a:extLst>
+              <a:ext uri="{FF2B5EF4-FFF2-40B4-BE49-F238E27FC236}">
+                <a16:creationId xmlns:a16="http://schemas.microsoft.com/office/drawing/2014/main" id="{64EA739B-6106-9A58-65EA-7FDAE68AED4F}"/>
+              </a:ext>
+            </a:extLst>
+          </p:cNvPr>
+          <p:cNvPicPr>
+            <a:picLocks noChangeAspect="1" noChangeArrowheads="1"/>
+          </p:cNvPicPr>
+          <p:nvPr/>
+        </p:nvPicPr>
+        <p:blipFill>
+          <a:blip r:embed="rId3">
+            <a:extLst>
+              <a:ext uri="{28A0092B-C50C-407E-A947-70E740481C1C}">
+                <a14:useLocalDpi xmlns:a14="http://schemas.microsoft.com/office/drawing/2010/main" val="0"/>
+              </a:ext>
+            </a:extLst>
+          </a:blip>
+          <a:srcRect/>
+          <a:stretch>
+            <a:fillRect/>
+          </a:stretch>
+        </p:blipFill>
+        <p:spPr bwMode="auto">
+          <a:xfrm>
+            <a:off x="7553330" y="4319943"/>
+            <a:ext cx="714277" cy="427734"/>
+          </a:xfrm>
+          <a:prstGeom prst="rect">
+            <a:avLst/>
+          </a:prstGeom>
+          <a:noFill/>
+          <a:extLst>
+            <a:ext uri="{909E8E84-426E-40DD-AFC4-6F175D3DCCD1}">
+              <a14:hiddenFill xmlns:a14="http://schemas.microsoft.com/office/drawing/2010/main">
+                <a:solidFill>
+                  <a:srgbClr val="FFFFFF"/>
+                </a:solidFill>
+              </a14:hiddenFill>
+            </a:ext>
+          </a:extLst>
+        </p:spPr>
+      </p:pic>
+      <p:pic>
+        <p:nvPicPr>
+          <p:cNvPr id="2" name="Picture 1">
+            <a:extLst>
+              <a:ext uri="{FF2B5EF4-FFF2-40B4-BE49-F238E27FC236}">
+                <a16:creationId xmlns:a16="http://schemas.microsoft.com/office/drawing/2014/main" id="{E0B0022B-AA80-DCF1-00C2-F32100A1ED98}"/>
+              </a:ext>
+            </a:extLst>
+          </p:cNvPr>
+          <p:cNvPicPr>
+            <a:picLocks noChangeAspect="1"/>
+          </p:cNvPicPr>
+          <p:nvPr/>
+        </p:nvPicPr>
+        <p:blipFill>
+          <a:blip r:embed="rId4"/>
+          <a:stretch>
+            <a:fillRect/>
+          </a:stretch>
+        </p:blipFill>
+        <p:spPr>
+          <a:xfrm>
+            <a:off x="8434782" y="4296757"/>
+            <a:ext cx="574159" cy="444076"/>
+          </a:xfrm>
+          <a:prstGeom prst="rect">
+            <a:avLst/>
+          </a:prstGeom>
+        </p:spPr>
+      </p:pic>
+      <p:pic>
+        <p:nvPicPr>
+          <p:cNvPr id="8" name="Graphic 7" descr="Computer with solid fill">
+            <a:extLst>
+              <a:ext uri="{FF2B5EF4-FFF2-40B4-BE49-F238E27FC236}">
+                <a16:creationId xmlns:a16="http://schemas.microsoft.com/office/drawing/2014/main" id="{DCAAF2D1-3742-BC64-BCB6-60C5EC0C4118}"/>
+              </a:ext>
+            </a:extLst>
+          </p:cNvPr>
+          <p:cNvPicPr>
+            <a:picLocks noChangeAspect="1"/>
+          </p:cNvPicPr>
+          <p:nvPr/>
+        </p:nvPicPr>
+        <p:blipFill>
+          <a:blip r:embed="rId5">
+            <a:extLst>
+              <a:ext uri="{96DAC541-7B7A-43D3-8B79-37D633B846F1}">
+                <asvg:svgBlip xmlns:asvg="http://schemas.microsoft.com/office/drawing/2016/SVG/main" r:embed="rId6"/>
+              </a:ext>
+            </a:extLst>
+          </a:blip>
+          <a:stretch>
+            <a:fillRect/>
+          </a:stretch>
+        </p:blipFill>
+        <p:spPr>
+          <a:xfrm>
+            <a:off x="6195815" y="4236234"/>
+            <a:ext cx="595431" cy="595431"/>
+          </a:xfrm>
+          <a:prstGeom prst="rect">
+            <a:avLst/>
+          </a:prstGeom>
+        </p:spPr>
+      </p:pic>
+      <p:pic>
+        <p:nvPicPr>
+          <p:cNvPr id="7" name="Picture 10">
+            <a:extLst>
+              <a:ext uri="{FF2B5EF4-FFF2-40B4-BE49-F238E27FC236}">
+                <a16:creationId xmlns:a16="http://schemas.microsoft.com/office/drawing/2014/main" id="{11F5E78F-AB49-24BF-0870-7D2C668B2E99}"/>
+              </a:ext>
+            </a:extLst>
+          </p:cNvPr>
+          <p:cNvPicPr>
+            <a:picLocks noChangeAspect="1" noChangeArrowheads="1"/>
+          </p:cNvPicPr>
+          <p:nvPr/>
+        </p:nvPicPr>
+        <p:blipFill>
+          <a:blip r:embed="rId7">
+            <a:extLst>
+              <a:ext uri="{28A0092B-C50C-407E-A947-70E740481C1C}">
+                <a14:useLocalDpi xmlns:a14="http://schemas.microsoft.com/office/drawing/2010/main" val="0"/>
+              </a:ext>
+            </a:extLst>
+          </a:blip>
+          <a:srcRect/>
+          <a:stretch>
+            <a:fillRect/>
+          </a:stretch>
+        </p:blipFill>
+        <p:spPr bwMode="auto">
+          <a:xfrm>
+            <a:off x="4351210" y="3360753"/>
+            <a:ext cx="596925" cy="596925"/>
+          </a:xfrm>
+          <a:prstGeom prst="rect">
+            <a:avLst/>
+          </a:prstGeom>
+          <a:noFill/>
+          <a:extLst>
+            <a:ext uri="{909E8E84-426E-40DD-AFC4-6F175D3DCCD1}">
+              <a14:hiddenFill xmlns:a14="http://schemas.microsoft.com/office/drawing/2010/main">
+                <a:solidFill>
+                  <a:srgbClr val="FFFFFF"/>
+                </a:solidFill>
+              </a14:hiddenFill>
+            </a:ext>
+          </a:extLst>
+        </p:spPr>
+      </p:pic>
+      <p:pic>
+        <p:nvPicPr>
+          <p:cNvPr id="9" name="Picture 8">
+            <a:extLst>
+              <a:ext uri="{FF2B5EF4-FFF2-40B4-BE49-F238E27FC236}">
+                <a16:creationId xmlns:a16="http://schemas.microsoft.com/office/drawing/2014/main" id="{48944DA9-1F89-D603-F5D5-96CF980396C6}"/>
+              </a:ext>
+            </a:extLst>
+          </p:cNvPr>
+          <p:cNvPicPr>
+            <a:picLocks noChangeAspect="1"/>
+          </p:cNvPicPr>
+          <p:nvPr/>
+        </p:nvPicPr>
+        <p:blipFill>
+          <a:blip r:embed="rId8"/>
+          <a:stretch>
+            <a:fillRect/>
+          </a:stretch>
+        </p:blipFill>
+        <p:spPr>
+          <a:xfrm>
+            <a:off x="5489124" y="3372378"/>
+            <a:ext cx="606876" cy="573673"/>
+          </a:xfrm>
+          <a:prstGeom prst="rect">
+            <a:avLst/>
+          </a:prstGeom>
+        </p:spPr>
+      </p:pic>
+      <p:pic>
+        <p:nvPicPr>
+          <p:cNvPr id="10" name="Picture 9">
+            <a:extLst>
+              <a:ext uri="{FF2B5EF4-FFF2-40B4-BE49-F238E27FC236}">
+                <a16:creationId xmlns:a16="http://schemas.microsoft.com/office/drawing/2014/main" id="{5E444353-80B7-8085-ADFF-A0C6E82468EC}"/>
+              </a:ext>
+            </a:extLst>
+          </p:cNvPr>
+          <p:cNvPicPr>
+            <a:picLocks noChangeAspect="1"/>
+          </p:cNvPicPr>
+          <p:nvPr/>
+        </p:nvPicPr>
+        <p:blipFill>
+          <a:blip r:embed="rId9"/>
+          <a:stretch>
+            <a:fillRect/>
+          </a:stretch>
+        </p:blipFill>
+        <p:spPr>
+          <a:xfrm>
+            <a:off x="6975613" y="3360753"/>
+            <a:ext cx="634192" cy="573793"/>
+          </a:xfrm>
+          <a:prstGeom prst="rect">
+            <a:avLst/>
+          </a:prstGeom>
+        </p:spPr>
+      </p:pic>
+      <p:pic>
+        <p:nvPicPr>
+          <p:cNvPr id="12" name="Picture 16" descr="Azure Repos Logo - PNG Logo Vector Brand Downloads (SVG, EPS)">
+            <a:extLst>
+              <a:ext uri="{FF2B5EF4-FFF2-40B4-BE49-F238E27FC236}">
+                <a16:creationId xmlns:a16="http://schemas.microsoft.com/office/drawing/2014/main" id="{0D838BAF-EA88-8FE6-D307-F2AB05E92F17}"/>
+              </a:ext>
+            </a:extLst>
+          </p:cNvPr>
+          <p:cNvPicPr>
+            <a:picLocks noChangeAspect="1" noChangeArrowheads="1"/>
+          </p:cNvPicPr>
+          <p:nvPr/>
+        </p:nvPicPr>
+        <p:blipFill>
+          <a:blip r:embed="rId10">
+            <a:extLst>
+              <a:ext uri="{28A0092B-C50C-407E-A947-70E740481C1C}">
+                <a14:useLocalDpi xmlns:a14="http://schemas.microsoft.com/office/drawing/2010/main" val="0"/>
+              </a:ext>
+            </a:extLst>
+          </a:blip>
+          <a:srcRect/>
+          <a:stretch>
+            <a:fillRect/>
+          </a:stretch>
+        </p:blipFill>
+        <p:spPr bwMode="auto">
+          <a:xfrm>
+            <a:off x="8133556" y="3372378"/>
+            <a:ext cx="542059" cy="601669"/>
+          </a:xfrm>
+          <a:prstGeom prst="rect">
+            <a:avLst/>
+          </a:prstGeom>
+          <a:noFill/>
+          <a:extLst>
+            <a:ext uri="{909E8E84-426E-40DD-AFC4-6F175D3DCCD1}">
+              <a14:hiddenFill xmlns:a14="http://schemas.microsoft.com/office/drawing/2010/main">
+                <a:solidFill>
+                  <a:srgbClr val="FFFFFF"/>
+                </a:solidFill>
+              </a14:hiddenFill>
+            </a:ext>
+          </a:extLst>
+        </p:spPr>
+      </p:pic>
+    </p:spTree>
+    <p:extLst>
+      <p:ext uri="{BB962C8B-B14F-4D97-AF65-F5344CB8AC3E}">
+        <p14:creationId xmlns:p14="http://schemas.microsoft.com/office/powerpoint/2010/main" val="3521288396"/>
+      </p:ext>
+    </p:extLst>
+  </p:cSld>
+  <p:clrMapOvr>
+    <a:masterClrMapping/>
+  </p:clrMapOvr>
+</p:sld>
+</file>
+
+<file path=ppt/slides/slide3.xml><?xml version="1.0" encoding="utf-8"?>
+<p:sld xmlns:a="http://schemas.openxmlformats.org/drawingml/2006/main" xmlns:r="http://schemas.openxmlformats.org/officeDocument/2006/relationships" xmlns:p="http://schemas.openxmlformats.org/presentationml/2006/main">
+  <p:cSld>
+    <p:spTree>
+      <p:nvGrpSpPr>
+        <p:cNvPr id="1" name=""/>
+        <p:cNvGrpSpPr/>
+        <p:nvPr/>
+      </p:nvGrpSpPr>
+      <p:grpSpPr>
+        <a:xfrm>
+          <a:off x="0" y="0"/>
+          <a:ext cx="0" cy="0"/>
+          <a:chOff x="0" y="0"/>
+          <a:chExt cx="0" cy="0"/>
+        </a:xfrm>
+      </p:grpSpPr>
+      <p:sp>
+        <p:nvSpPr>
+          <p:cNvPr id="4" name="Rectangle 3">
+            <a:extLst>
+              <a:ext uri="{FF2B5EF4-FFF2-40B4-BE49-F238E27FC236}">
+                <a16:creationId xmlns:a16="http://schemas.microsoft.com/office/drawing/2014/main" id="{598B5812-61BD-491E-6028-1DB3C4C39FB3}"/>
+              </a:ext>
+            </a:extLst>
+          </p:cNvPr>
+          <p:cNvSpPr/>
+          <p:nvPr/>
+        </p:nvSpPr>
+        <p:spPr>
+          <a:xfrm>
+            <a:off x="3957574" y="4194880"/>
+            <a:ext cx="5150453" cy="635297"/>
+          </a:xfrm>
+          <a:prstGeom prst="rect">
+            <a:avLst/>
+          </a:prstGeom>
+          <a:solidFill>
+            <a:schemeClr val="accent6">
+              <a:lumMod val="20000"/>
+              <a:lumOff val="80000"/>
+            </a:schemeClr>
+          </a:solidFill>
+          <a:ln>
+            <a:solidFill>
+              <a:schemeClr val="accent6">
+                <a:lumMod val="75000"/>
+              </a:schemeClr>
+            </a:solidFill>
+          </a:ln>
+        </p:spPr>
+        <p:style>
+          <a:lnRef idx="2">
+            <a:schemeClr val="accent1">
+              <a:shade val="15000"/>
+            </a:schemeClr>
+          </a:lnRef>
+          <a:fillRef idx="1">
+            <a:schemeClr val="accent1"/>
+          </a:fillRef>
+          <a:effectRef idx="0">
+            <a:schemeClr val="accent1"/>
+          </a:effectRef>
+          <a:fontRef idx="minor">
+            <a:schemeClr val="lt1"/>
+          </a:fontRef>
+        </p:style>
+        <p:txBody>
+          <a:bodyPr rtlCol="0" anchor="ctr"/>
+          <a:lstStyle/>
+          <a:p>
+            <a:r>
+              <a:rPr lang="en-CH" sz="1600" dirty="0">
+                <a:solidFill>
+                  <a:schemeClr val="accent6">
+                    <a:lumMod val="50000"/>
+                  </a:schemeClr>
+                </a:solidFill>
+                <a:latin typeface="Ford Antenna Medium" panose="02000505000000020004" pitchFamily="2" charset="0"/>
+              </a:rPr>
+              <a:t>       Infrastructure</a:t>
+            </a:r>
+            <a:br>
+              <a:rPr lang="en-CH" sz="1600" dirty="0">
+                <a:solidFill>
+                  <a:schemeClr val="accent6">
+                    <a:lumMod val="50000"/>
+                  </a:schemeClr>
+                </a:solidFill>
+                <a:latin typeface="Ford Antenna Medium" panose="02000505000000020004" pitchFamily="2" charset="0"/>
+              </a:rPr>
+            </a:br>
+            <a:r>
+              <a:rPr lang="en-CH" sz="1600" dirty="0">
+                <a:solidFill>
+                  <a:schemeClr val="accent6">
+                    <a:lumMod val="50000"/>
+                  </a:schemeClr>
+                </a:solidFill>
+                <a:latin typeface="Ford Antenna Medium" panose="02000505000000020004" pitchFamily="2" charset="0"/>
+              </a:rPr>
+              <a:t>             Platform</a:t>
+            </a:r>
+          </a:p>
+        </p:txBody>
+      </p:sp>
+      <p:sp>
+        <p:nvSpPr>
+          <p:cNvPr id="13" name="Rectangle 12">
+            <a:extLst>
+              <a:ext uri="{FF2B5EF4-FFF2-40B4-BE49-F238E27FC236}">
+                <a16:creationId xmlns:a16="http://schemas.microsoft.com/office/drawing/2014/main" id="{7AA59B00-2C24-5DA4-EBB5-B651B7DFF418}"/>
+              </a:ext>
+            </a:extLst>
+          </p:cNvPr>
+          <p:cNvSpPr/>
+          <p:nvPr/>
+        </p:nvSpPr>
+        <p:spPr>
+          <a:xfrm>
+            <a:off x="3957575" y="3467540"/>
+            <a:ext cx="5150453" cy="635297"/>
+          </a:xfrm>
+          <a:prstGeom prst="rect">
+            <a:avLst/>
+          </a:prstGeom>
+          <a:solidFill>
+            <a:schemeClr val="accent6">
+              <a:lumMod val="20000"/>
+              <a:lumOff val="80000"/>
+            </a:schemeClr>
+          </a:solidFill>
+          <a:ln>
+            <a:solidFill>
+              <a:schemeClr val="accent6">
+                <a:lumMod val="75000"/>
+              </a:schemeClr>
+            </a:solidFill>
+          </a:ln>
+        </p:spPr>
+        <p:style>
+          <a:lnRef idx="2">
+            <a:schemeClr val="accent1">
+              <a:shade val="15000"/>
+            </a:schemeClr>
+          </a:lnRef>
+          <a:fillRef idx="1">
+            <a:schemeClr val="accent1"/>
+          </a:fillRef>
+          <a:effectRef idx="0">
+            <a:schemeClr val="accent1"/>
+          </a:effectRef>
+          <a:fontRef idx="minor">
+            <a:schemeClr val="lt1"/>
+          </a:fontRef>
+        </p:style>
+        <p:txBody>
+          <a:bodyPr rtlCol="0" anchor="ctr"/>
+          <a:lstStyle/>
+          <a:p>
+            <a:r>
+              <a:rPr lang="en-CH" sz="1600" dirty="0">
+                <a:solidFill>
+                  <a:schemeClr val="accent6">
+                    <a:lumMod val="50000"/>
+                  </a:schemeClr>
+                </a:solidFill>
+                <a:latin typeface="Ford Antenna Medium" panose="02000505000000020004" pitchFamily="2" charset="0"/>
+              </a:rPr>
+              <a:t> Internal Developer</a:t>
+            </a:r>
+            <a:br>
+              <a:rPr lang="en-CH" sz="1600" dirty="0">
+                <a:solidFill>
+                  <a:schemeClr val="accent6">
+                    <a:lumMod val="50000"/>
+                  </a:schemeClr>
+                </a:solidFill>
+                <a:latin typeface="Ford Antenna Medium" panose="02000505000000020004" pitchFamily="2" charset="0"/>
+              </a:rPr>
+            </a:br>
+            <a:r>
+              <a:rPr lang="en-CH" sz="1600" dirty="0">
+                <a:solidFill>
+                  <a:schemeClr val="accent6">
+                    <a:lumMod val="50000"/>
+                  </a:schemeClr>
+                </a:solidFill>
+                <a:latin typeface="Ford Antenna Medium" panose="02000505000000020004" pitchFamily="2" charset="0"/>
+              </a:rPr>
+              <a:t>             Platform</a:t>
             </a:r>
           </a:p>
         </p:txBody>
@@ -3482,75 +4750,6 @@
       </p:sp>
       <p:sp>
         <p:nvSpPr>
-          <p:cNvPr id="13" name="Rectangle 12">
-            <a:extLst>
-              <a:ext uri="{FF2B5EF4-FFF2-40B4-BE49-F238E27FC236}">
-                <a16:creationId xmlns:a16="http://schemas.microsoft.com/office/drawing/2014/main" id="{7AA59B00-2C24-5DA4-EBB5-B651B7DFF418}"/>
-              </a:ext>
-            </a:extLst>
-          </p:cNvPr>
-          <p:cNvSpPr/>
-          <p:nvPr/>
-        </p:nvSpPr>
-        <p:spPr>
-          <a:xfrm>
-            <a:off x="3957575" y="3467540"/>
-            <a:ext cx="5150453" cy="635297"/>
-          </a:xfrm>
-          <a:prstGeom prst="rect">
-            <a:avLst/>
-          </a:prstGeom>
-          <a:solidFill>
-            <a:schemeClr val="accent6">
-              <a:lumMod val="20000"/>
-              <a:lumOff val="80000"/>
-            </a:schemeClr>
-          </a:solidFill>
-          <a:ln>
-            <a:solidFill>
-              <a:schemeClr val="accent6">
-                <a:lumMod val="75000"/>
-              </a:schemeClr>
-            </a:solidFill>
-          </a:ln>
-        </p:spPr>
-        <p:style>
-          <a:lnRef idx="2">
-            <a:schemeClr val="accent1">
-              <a:shade val="15000"/>
-            </a:schemeClr>
-          </a:lnRef>
-          <a:fillRef idx="1">
-            <a:schemeClr val="accent1"/>
-          </a:fillRef>
-          <a:effectRef idx="0">
-            <a:schemeClr val="accent1"/>
-          </a:effectRef>
-          <a:fontRef idx="minor">
-            <a:schemeClr val="lt1"/>
-          </a:fontRef>
-        </p:style>
-        <p:txBody>
-          <a:bodyPr rtlCol="0" anchor="ctr"/>
-          <a:lstStyle/>
-          <a:p>
-            <a:pPr algn="ctr"/>
-            <a:r>
-              <a:rPr lang="en-CH" sz="1600" dirty="0">
-                <a:solidFill>
-                  <a:schemeClr val="accent6">
-                    <a:lumMod val="50000"/>
-                  </a:schemeClr>
-                </a:solidFill>
-                <a:latin typeface="Ford Antenna Medium" panose="02000505000000020004" pitchFamily="2" charset="0"/>
-              </a:rPr>
-              <a:t>Internal Developer Platform</a:t>
-            </a:r>
-          </a:p>
-        </p:txBody>
-      </p:sp>
-      <p:sp>
-        <p:nvSpPr>
           <p:cNvPr id="3" name="Rectangle 2">
             <a:extLst>
               <a:ext uri="{FF2B5EF4-FFF2-40B4-BE49-F238E27FC236}">
@@ -3758,286 +4957,6 @@
       </p:sp>
       <p:sp>
         <p:nvSpPr>
-          <p:cNvPr id="15" name="Rectangle 14">
-            <a:extLst>
-              <a:ext uri="{FF2B5EF4-FFF2-40B4-BE49-F238E27FC236}">
-                <a16:creationId xmlns:a16="http://schemas.microsoft.com/office/drawing/2014/main" id="{10FB0091-9DDA-563A-F8ED-A0453228018A}"/>
-              </a:ext>
-            </a:extLst>
-          </p:cNvPr>
-          <p:cNvSpPr/>
-          <p:nvPr/>
-        </p:nvSpPr>
-        <p:spPr>
-          <a:xfrm>
-            <a:off x="4164416" y="1658678"/>
-            <a:ext cx="414071" cy="212652"/>
-          </a:xfrm>
-          <a:prstGeom prst="rect">
-            <a:avLst/>
-          </a:prstGeom>
-          <a:solidFill>
-            <a:schemeClr val="accent6">
-              <a:lumMod val="40000"/>
-              <a:lumOff val="60000"/>
-            </a:schemeClr>
-          </a:solidFill>
-          <a:ln>
-            <a:solidFill>
-              <a:srgbClr val="8ED973">
-                <a:alpha val="50196"/>
-              </a:srgbClr>
-            </a:solidFill>
-            <a:prstDash val="sysDot"/>
-          </a:ln>
-        </p:spPr>
-        <p:style>
-          <a:lnRef idx="2">
-            <a:schemeClr val="accent1">
-              <a:shade val="15000"/>
-            </a:schemeClr>
-          </a:lnRef>
-          <a:fillRef idx="1">
-            <a:schemeClr val="accent1"/>
-          </a:fillRef>
-          <a:effectRef idx="0">
-            <a:schemeClr val="accent1"/>
-          </a:effectRef>
-          <a:fontRef idx="minor">
-            <a:schemeClr val="lt1"/>
-          </a:fontRef>
-        </p:style>
-        <p:txBody>
-          <a:bodyPr rtlCol="0" anchor="ctr"/>
-          <a:lstStyle/>
-          <a:p>
-            <a:pPr algn="ctr"/>
-            <a:r>
-              <a:rPr lang="en-CH" sz="1000" dirty="0">
-                <a:solidFill>
-                  <a:schemeClr val="accent6">
-                    <a:lumMod val="50000"/>
-                  </a:schemeClr>
-                </a:solidFill>
-                <a:latin typeface="Ford Antenna Medium" panose="02000505000000020004" pitchFamily="2" charset="0"/>
-              </a:rPr>
-              <a:t>API</a:t>
-            </a:r>
-          </a:p>
-        </p:txBody>
-      </p:sp>
-      <p:sp>
-        <p:nvSpPr>
-          <p:cNvPr id="16" name="Rectangle 15">
-            <a:extLst>
-              <a:ext uri="{FF2B5EF4-FFF2-40B4-BE49-F238E27FC236}">
-                <a16:creationId xmlns:a16="http://schemas.microsoft.com/office/drawing/2014/main" id="{5A2BCBDA-6B72-C410-2876-90207EB8394F}"/>
-              </a:ext>
-            </a:extLst>
-          </p:cNvPr>
-          <p:cNvSpPr/>
-          <p:nvPr/>
-        </p:nvSpPr>
-        <p:spPr>
-          <a:xfrm>
-            <a:off x="4720857" y="1658678"/>
-            <a:ext cx="414071" cy="212652"/>
-          </a:xfrm>
-          <a:prstGeom prst="rect">
-            <a:avLst/>
-          </a:prstGeom>
-          <a:solidFill>
-            <a:schemeClr val="accent6">
-              <a:lumMod val="40000"/>
-              <a:lumOff val="60000"/>
-            </a:schemeClr>
-          </a:solidFill>
-          <a:ln>
-            <a:solidFill>
-              <a:srgbClr val="8ED973">
-                <a:alpha val="50196"/>
-              </a:srgbClr>
-            </a:solidFill>
-            <a:prstDash val="sysDot"/>
-          </a:ln>
-        </p:spPr>
-        <p:style>
-          <a:lnRef idx="2">
-            <a:schemeClr val="accent1">
-              <a:shade val="15000"/>
-            </a:schemeClr>
-          </a:lnRef>
-          <a:fillRef idx="1">
-            <a:schemeClr val="accent1"/>
-          </a:fillRef>
-          <a:effectRef idx="0">
-            <a:schemeClr val="accent1"/>
-          </a:effectRef>
-          <a:fontRef idx="minor">
-            <a:schemeClr val="lt1"/>
-          </a:fontRef>
-        </p:style>
-        <p:txBody>
-          <a:bodyPr rtlCol="0" anchor="ctr"/>
-          <a:lstStyle/>
-          <a:p>
-            <a:pPr algn="ctr"/>
-            <a:r>
-              <a:rPr lang="en-CH" sz="1000" dirty="0">
-                <a:solidFill>
-                  <a:schemeClr val="accent6">
-                    <a:lumMod val="50000"/>
-                  </a:schemeClr>
-                </a:solidFill>
-                <a:latin typeface="Ford Antenna Medium" panose="02000505000000020004" pitchFamily="2" charset="0"/>
-              </a:rPr>
-              <a:t>API</a:t>
-            </a:r>
-          </a:p>
-        </p:txBody>
-      </p:sp>
-      <p:sp>
-        <p:nvSpPr>
-          <p:cNvPr id="17" name="Rectangle 16">
-            <a:extLst>
-              <a:ext uri="{FF2B5EF4-FFF2-40B4-BE49-F238E27FC236}">
-                <a16:creationId xmlns:a16="http://schemas.microsoft.com/office/drawing/2014/main" id="{79993EFF-C174-C6B9-A2FD-67F6900A0E59}"/>
-              </a:ext>
-            </a:extLst>
-          </p:cNvPr>
-          <p:cNvSpPr/>
-          <p:nvPr/>
-        </p:nvSpPr>
-        <p:spPr>
-          <a:xfrm>
-            <a:off x="5295014" y="1655812"/>
-            <a:ext cx="414071" cy="212652"/>
-          </a:xfrm>
-          <a:prstGeom prst="rect">
-            <a:avLst/>
-          </a:prstGeom>
-          <a:solidFill>
-            <a:schemeClr val="accent6">
-              <a:lumMod val="40000"/>
-              <a:lumOff val="60000"/>
-            </a:schemeClr>
-          </a:solidFill>
-          <a:ln>
-            <a:solidFill>
-              <a:srgbClr val="8ED973">
-                <a:alpha val="50196"/>
-              </a:srgbClr>
-            </a:solidFill>
-            <a:prstDash val="sysDot"/>
-          </a:ln>
-        </p:spPr>
-        <p:style>
-          <a:lnRef idx="2">
-            <a:schemeClr val="accent1">
-              <a:shade val="15000"/>
-            </a:schemeClr>
-          </a:lnRef>
-          <a:fillRef idx="1">
-            <a:schemeClr val="accent1"/>
-          </a:fillRef>
-          <a:effectRef idx="0">
-            <a:schemeClr val="accent1"/>
-          </a:effectRef>
-          <a:fontRef idx="minor">
-            <a:schemeClr val="lt1"/>
-          </a:fontRef>
-        </p:style>
-        <p:txBody>
-          <a:bodyPr rtlCol="0" anchor="ctr"/>
-          <a:lstStyle/>
-          <a:p>
-            <a:pPr algn="ctr"/>
-            <a:r>
-              <a:rPr lang="en-CH" sz="1000" dirty="0">
-                <a:solidFill>
-                  <a:schemeClr val="accent6">
-                    <a:lumMod val="50000"/>
-                  </a:schemeClr>
-                </a:solidFill>
-                <a:latin typeface="Ford Antenna Medium" panose="02000505000000020004" pitchFamily="2" charset="0"/>
-              </a:rPr>
-              <a:t>API</a:t>
-            </a:r>
-          </a:p>
-        </p:txBody>
-      </p:sp>
-      <p:sp>
-        <p:nvSpPr>
-          <p:cNvPr id="18" name="Rectangle 17">
-            <a:extLst>
-              <a:ext uri="{FF2B5EF4-FFF2-40B4-BE49-F238E27FC236}">
-                <a16:creationId xmlns:a16="http://schemas.microsoft.com/office/drawing/2014/main" id="{10CF378B-46CC-2171-6195-8A3FBE702A81}"/>
-              </a:ext>
-            </a:extLst>
-          </p:cNvPr>
-          <p:cNvSpPr/>
-          <p:nvPr/>
-        </p:nvSpPr>
-        <p:spPr>
-          <a:xfrm>
-            <a:off x="5869175" y="1655812"/>
-            <a:ext cx="414071" cy="212652"/>
-          </a:xfrm>
-          <a:prstGeom prst="rect">
-            <a:avLst/>
-          </a:prstGeom>
-          <a:solidFill>
-            <a:schemeClr val="accent6">
-              <a:lumMod val="40000"/>
-              <a:lumOff val="60000"/>
-            </a:schemeClr>
-          </a:solidFill>
-          <a:ln>
-            <a:solidFill>
-              <a:srgbClr val="8ED973">
-                <a:alpha val="50196"/>
-              </a:srgbClr>
-            </a:solidFill>
-            <a:prstDash val="sysDot"/>
-          </a:ln>
-        </p:spPr>
-        <p:style>
-          <a:lnRef idx="2">
-            <a:schemeClr val="accent1">
-              <a:shade val="15000"/>
-            </a:schemeClr>
-          </a:lnRef>
-          <a:fillRef idx="1">
-            <a:schemeClr val="accent1"/>
-          </a:fillRef>
-          <a:effectRef idx="0">
-            <a:schemeClr val="accent1"/>
-          </a:effectRef>
-          <a:fontRef idx="minor">
-            <a:schemeClr val="lt1"/>
-          </a:fontRef>
-        </p:style>
-        <p:txBody>
-          <a:bodyPr rtlCol="0" anchor="ctr"/>
-          <a:lstStyle/>
-          <a:p>
-            <a:pPr algn="ctr"/>
-            <a:r>
-              <a:rPr lang="en-CH" sz="1000" dirty="0">
-                <a:solidFill>
-                  <a:schemeClr val="accent6">
-                    <a:lumMod val="50000"/>
-                  </a:schemeClr>
-                </a:solidFill>
-                <a:latin typeface="Ford Antenna Medium" panose="02000505000000020004" pitchFamily="2" charset="0"/>
-              </a:rPr>
-              <a:t>API</a:t>
-            </a:r>
-          </a:p>
-        </p:txBody>
-      </p:sp>
-      <p:sp>
-        <p:nvSpPr>
           <p:cNvPr id="20" name="Rectangle 19">
             <a:extLst>
               <a:ext uri="{FF2B5EF4-FFF2-40B4-BE49-F238E27FC236}">
@@ -4312,12 +5231,386 @@
           </a:p>
         </p:txBody>
       </p:sp>
-      <p:sp>
-        <p:nvSpPr>
-          <p:cNvPr id="24" name="Rectangle 23">
-            <a:extLst>
-              <a:ext uri="{FF2B5EF4-FFF2-40B4-BE49-F238E27FC236}">
-                <a16:creationId xmlns:a16="http://schemas.microsoft.com/office/drawing/2014/main" id="{500D3E62-290C-D550-6140-C7DA05429C47}"/>
+      <p:pic>
+        <p:nvPicPr>
+          <p:cNvPr id="1026" name="Picture 2">
+            <a:extLst>
+              <a:ext uri="{FF2B5EF4-FFF2-40B4-BE49-F238E27FC236}">
+                <a16:creationId xmlns:a16="http://schemas.microsoft.com/office/drawing/2014/main" id="{E6711C4B-9BAC-CD0A-37EB-C27FAC94A094}"/>
+              </a:ext>
+            </a:extLst>
+          </p:cNvPr>
+          <p:cNvPicPr>
+            <a:picLocks noChangeAspect="1" noChangeArrowheads="1"/>
+          </p:cNvPicPr>
+          <p:nvPr/>
+        </p:nvPicPr>
+        <p:blipFill>
+          <a:blip r:embed="rId2">
+            <a:extLst>
+              <a:ext uri="{28A0092B-C50C-407E-A947-70E740481C1C}">
+                <a14:useLocalDpi xmlns:a14="http://schemas.microsoft.com/office/drawing/2010/main" val="0"/>
+              </a:ext>
+            </a:extLst>
+          </a:blip>
+          <a:srcRect/>
+          <a:stretch>
+            <a:fillRect/>
+          </a:stretch>
+        </p:blipFill>
+        <p:spPr bwMode="auto">
+          <a:xfrm>
+            <a:off x="6958421" y="4319943"/>
+            <a:ext cx="427734" cy="427734"/>
+          </a:xfrm>
+          <a:prstGeom prst="rect">
+            <a:avLst/>
+          </a:prstGeom>
+          <a:noFill/>
+          <a:extLst>
+            <a:ext uri="{909E8E84-426E-40DD-AFC4-6F175D3DCCD1}">
+              <a14:hiddenFill xmlns:a14="http://schemas.microsoft.com/office/drawing/2010/main">
+                <a:solidFill>
+                  <a:srgbClr val="FFFFFF"/>
+                </a:solidFill>
+              </a14:hiddenFill>
+            </a:ext>
+          </a:extLst>
+        </p:spPr>
+      </p:pic>
+      <p:pic>
+        <p:nvPicPr>
+          <p:cNvPr id="1030" name="Picture 6">
+            <a:extLst>
+              <a:ext uri="{FF2B5EF4-FFF2-40B4-BE49-F238E27FC236}">
+                <a16:creationId xmlns:a16="http://schemas.microsoft.com/office/drawing/2014/main" id="{64EA739B-6106-9A58-65EA-7FDAE68AED4F}"/>
+              </a:ext>
+            </a:extLst>
+          </p:cNvPr>
+          <p:cNvPicPr>
+            <a:picLocks noChangeAspect="1" noChangeArrowheads="1"/>
+          </p:cNvPicPr>
+          <p:nvPr/>
+        </p:nvPicPr>
+        <p:blipFill>
+          <a:blip r:embed="rId3">
+            <a:extLst>
+              <a:ext uri="{28A0092B-C50C-407E-A947-70E740481C1C}">
+                <a14:useLocalDpi xmlns:a14="http://schemas.microsoft.com/office/drawing/2010/main" val="0"/>
+              </a:ext>
+            </a:extLst>
+          </a:blip>
+          <a:srcRect/>
+          <a:stretch>
+            <a:fillRect/>
+          </a:stretch>
+        </p:blipFill>
+        <p:spPr bwMode="auto">
+          <a:xfrm>
+            <a:off x="7553330" y="4319943"/>
+            <a:ext cx="714277" cy="427734"/>
+          </a:xfrm>
+          <a:prstGeom prst="rect">
+            <a:avLst/>
+          </a:prstGeom>
+          <a:noFill/>
+          <a:extLst>
+            <a:ext uri="{909E8E84-426E-40DD-AFC4-6F175D3DCCD1}">
+              <a14:hiddenFill xmlns:a14="http://schemas.microsoft.com/office/drawing/2010/main">
+                <a:solidFill>
+                  <a:srgbClr val="FFFFFF"/>
+                </a:solidFill>
+              </a14:hiddenFill>
+            </a:ext>
+          </a:extLst>
+        </p:spPr>
+      </p:pic>
+      <p:pic>
+        <p:nvPicPr>
+          <p:cNvPr id="2" name="Picture 1">
+            <a:extLst>
+              <a:ext uri="{FF2B5EF4-FFF2-40B4-BE49-F238E27FC236}">
+                <a16:creationId xmlns:a16="http://schemas.microsoft.com/office/drawing/2014/main" id="{E0B0022B-AA80-DCF1-00C2-F32100A1ED98}"/>
+              </a:ext>
+            </a:extLst>
+          </p:cNvPr>
+          <p:cNvPicPr>
+            <a:picLocks noChangeAspect="1"/>
+          </p:cNvPicPr>
+          <p:nvPr/>
+        </p:nvPicPr>
+        <p:blipFill>
+          <a:blip r:embed="rId4"/>
+          <a:stretch>
+            <a:fillRect/>
+          </a:stretch>
+        </p:blipFill>
+        <p:spPr>
+          <a:xfrm>
+            <a:off x="8434782" y="4296757"/>
+            <a:ext cx="574159" cy="444076"/>
+          </a:xfrm>
+          <a:prstGeom prst="rect">
+            <a:avLst/>
+          </a:prstGeom>
+        </p:spPr>
+      </p:pic>
+      <p:pic>
+        <p:nvPicPr>
+          <p:cNvPr id="8" name="Graphic 7" descr="Computer with solid fill">
+            <a:extLst>
+              <a:ext uri="{FF2B5EF4-FFF2-40B4-BE49-F238E27FC236}">
+                <a16:creationId xmlns:a16="http://schemas.microsoft.com/office/drawing/2014/main" id="{DCAAF2D1-3742-BC64-BCB6-60C5EC0C4118}"/>
+              </a:ext>
+            </a:extLst>
+          </p:cNvPr>
+          <p:cNvPicPr>
+            <a:picLocks noChangeAspect="1"/>
+          </p:cNvPicPr>
+          <p:nvPr/>
+        </p:nvPicPr>
+        <p:blipFill>
+          <a:blip r:embed="rId5">
+            <a:extLst>
+              <a:ext uri="{96DAC541-7B7A-43D3-8B79-37D633B846F1}">
+                <asvg:svgBlip xmlns:asvg="http://schemas.microsoft.com/office/drawing/2016/SVG/main" r:embed="rId6"/>
+              </a:ext>
+            </a:extLst>
+          </a:blip>
+          <a:stretch>
+            <a:fillRect/>
+          </a:stretch>
+        </p:blipFill>
+        <p:spPr>
+          <a:xfrm>
+            <a:off x="6195815" y="4236234"/>
+            <a:ext cx="595431" cy="595431"/>
+          </a:xfrm>
+          <a:prstGeom prst="rect">
+            <a:avLst/>
+          </a:prstGeom>
+        </p:spPr>
+      </p:pic>
+      <p:pic>
+        <p:nvPicPr>
+          <p:cNvPr id="40" name="Picture 39">
+            <a:extLst>
+              <a:ext uri="{FF2B5EF4-FFF2-40B4-BE49-F238E27FC236}">
+                <a16:creationId xmlns:a16="http://schemas.microsoft.com/office/drawing/2014/main" id="{E848F466-DF6D-7C07-619E-781A1B5B702A}"/>
+              </a:ext>
+            </a:extLst>
+          </p:cNvPr>
+          <p:cNvPicPr>
+            <a:picLocks noChangeAspect="1"/>
+          </p:cNvPicPr>
+          <p:nvPr/>
+        </p:nvPicPr>
+        <p:blipFill>
+          <a:blip r:embed="rId7"/>
+          <a:stretch>
+            <a:fillRect/>
+          </a:stretch>
+        </p:blipFill>
+        <p:spPr>
+          <a:xfrm>
+            <a:off x="6857999" y="3558269"/>
+            <a:ext cx="401602" cy="453758"/>
+          </a:xfrm>
+          <a:prstGeom prst="rect">
+            <a:avLst/>
+          </a:prstGeom>
+        </p:spPr>
+      </p:pic>
+      <p:pic>
+        <p:nvPicPr>
+          <p:cNvPr id="41" name="Picture 22">
+            <a:extLst>
+              <a:ext uri="{FF2B5EF4-FFF2-40B4-BE49-F238E27FC236}">
+                <a16:creationId xmlns:a16="http://schemas.microsoft.com/office/drawing/2014/main" id="{5962DF39-AA59-BDA5-5A54-714E09A9A1D4}"/>
+              </a:ext>
+            </a:extLst>
+          </p:cNvPr>
+          <p:cNvPicPr>
+            <a:picLocks noChangeAspect="1" noChangeArrowheads="1"/>
+          </p:cNvPicPr>
+          <p:nvPr/>
+        </p:nvPicPr>
+        <p:blipFill>
+          <a:blip r:embed="rId8">
+            <a:extLst>
+              <a:ext uri="{28A0092B-C50C-407E-A947-70E740481C1C}">
+                <a14:useLocalDpi xmlns:a14="http://schemas.microsoft.com/office/drawing/2010/main" val="0"/>
+              </a:ext>
+            </a:extLst>
+          </a:blip>
+          <a:srcRect/>
+          <a:stretch>
+            <a:fillRect/>
+          </a:stretch>
+        </p:blipFill>
+        <p:spPr bwMode="auto">
+          <a:xfrm>
+            <a:off x="7380596" y="3581168"/>
+            <a:ext cx="328660" cy="453758"/>
+          </a:xfrm>
+          <a:prstGeom prst="rect">
+            <a:avLst/>
+          </a:prstGeom>
+          <a:noFill/>
+          <a:extLst>
+            <a:ext uri="{909E8E84-426E-40DD-AFC4-6F175D3DCCD1}">
+              <a14:hiddenFill xmlns:a14="http://schemas.microsoft.com/office/drawing/2010/main">
+                <a:solidFill>
+                  <a:srgbClr val="FFFFFF"/>
+                </a:solidFill>
+              </a14:hiddenFill>
+            </a:ext>
+          </a:extLst>
+        </p:spPr>
+      </p:pic>
+      <p:pic>
+        <p:nvPicPr>
+          <p:cNvPr id="42" name="Picture 28">
+            <a:extLst>
+              <a:ext uri="{FF2B5EF4-FFF2-40B4-BE49-F238E27FC236}">
+                <a16:creationId xmlns:a16="http://schemas.microsoft.com/office/drawing/2014/main" id="{A9E4E756-43A3-1958-F344-4304FF0862CD}"/>
+              </a:ext>
+            </a:extLst>
+          </p:cNvPr>
+          <p:cNvPicPr>
+            <a:picLocks noChangeAspect="1" noChangeArrowheads="1"/>
+          </p:cNvPicPr>
+          <p:nvPr/>
+        </p:nvPicPr>
+        <p:blipFill>
+          <a:blip r:embed="rId9">
+            <a:extLst>
+              <a:ext uri="{28A0092B-C50C-407E-A947-70E740481C1C}">
+                <a14:useLocalDpi xmlns:a14="http://schemas.microsoft.com/office/drawing/2010/main" val="0"/>
+              </a:ext>
+            </a:extLst>
+          </a:blip>
+          <a:srcRect/>
+          <a:stretch>
+            <a:fillRect/>
+          </a:stretch>
+        </p:blipFill>
+        <p:spPr bwMode="auto">
+          <a:xfrm>
+            <a:off x="7827948" y="3573072"/>
+            <a:ext cx="496592" cy="482085"/>
+          </a:xfrm>
+          <a:prstGeom prst="rect">
+            <a:avLst/>
+          </a:prstGeom>
+          <a:noFill/>
+          <a:extLst>
+            <a:ext uri="{909E8E84-426E-40DD-AFC4-6F175D3DCCD1}">
+              <a14:hiddenFill xmlns:a14="http://schemas.microsoft.com/office/drawing/2010/main">
+                <a:solidFill>
+                  <a:srgbClr val="FFFFFF"/>
+                </a:solidFill>
+              </a14:hiddenFill>
+            </a:ext>
+          </a:extLst>
+        </p:spPr>
+      </p:pic>
+      <p:pic>
+        <p:nvPicPr>
+          <p:cNvPr id="43" name="Picture 42">
+            <a:extLst>
+              <a:ext uri="{FF2B5EF4-FFF2-40B4-BE49-F238E27FC236}">
+                <a16:creationId xmlns:a16="http://schemas.microsoft.com/office/drawing/2014/main" id="{BA48336C-56BB-C4C1-D969-14ED29DF1CA1}"/>
+              </a:ext>
+            </a:extLst>
+          </p:cNvPr>
+          <p:cNvPicPr>
+            <a:picLocks noChangeAspect="1"/>
+          </p:cNvPicPr>
+          <p:nvPr/>
+        </p:nvPicPr>
+        <p:blipFill>
+          <a:blip r:embed="rId10"/>
+          <a:stretch>
+            <a:fillRect/>
+          </a:stretch>
+        </p:blipFill>
+        <p:spPr>
+          <a:xfrm>
+            <a:off x="8445111" y="3570299"/>
+            <a:ext cx="453758" cy="485539"/>
+          </a:xfrm>
+          <a:prstGeom prst="rect">
+            <a:avLst/>
+          </a:prstGeom>
+        </p:spPr>
+      </p:pic>
+      <p:pic>
+        <p:nvPicPr>
+          <p:cNvPr id="44" name="Picture 43">
+            <a:extLst>
+              <a:ext uri="{FF2B5EF4-FFF2-40B4-BE49-F238E27FC236}">
+                <a16:creationId xmlns:a16="http://schemas.microsoft.com/office/drawing/2014/main" id="{80D29483-D128-7F8F-E890-526F1EE673FF}"/>
+              </a:ext>
+            </a:extLst>
+          </p:cNvPr>
+          <p:cNvPicPr>
+            <a:picLocks noChangeAspect="1"/>
+          </p:cNvPicPr>
+          <p:nvPr/>
+        </p:nvPicPr>
+        <p:blipFill>
+          <a:blip r:embed="rId11"/>
+          <a:stretch>
+            <a:fillRect/>
+          </a:stretch>
+        </p:blipFill>
+        <p:spPr>
+          <a:xfrm>
+            <a:off x="6260800" y="3589848"/>
+            <a:ext cx="453758" cy="428932"/>
+          </a:xfrm>
+          <a:prstGeom prst="rect">
+            <a:avLst/>
+          </a:prstGeom>
+        </p:spPr>
+      </p:pic>
+    </p:spTree>
+    <p:extLst>
+      <p:ext uri="{BB962C8B-B14F-4D97-AF65-F5344CB8AC3E}">
+        <p14:creationId xmlns:p14="http://schemas.microsoft.com/office/powerpoint/2010/main" val="1552697495"/>
+      </p:ext>
+    </p:extLst>
+  </p:cSld>
+  <p:clrMapOvr>
+    <a:masterClrMapping/>
+  </p:clrMapOvr>
+</p:sld>
+</file>
+
+<file path=ppt/slides/slide4.xml><?xml version="1.0" encoding="utf-8"?>
+<p:sld xmlns:a="http://schemas.openxmlformats.org/drawingml/2006/main" xmlns:r="http://schemas.openxmlformats.org/officeDocument/2006/relationships" xmlns:p="http://schemas.openxmlformats.org/presentationml/2006/main">
+  <p:cSld>
+    <p:spTree>
+      <p:nvGrpSpPr>
+        <p:cNvPr id="1" name=""/>
+        <p:cNvGrpSpPr/>
+        <p:nvPr/>
+      </p:nvGrpSpPr>
+      <p:grpSpPr>
+        <a:xfrm>
+          <a:off x="0" y="0"/>
+          <a:ext cx="0" cy="0"/>
+          <a:chOff x="0" y="0"/>
+          <a:chExt cx="0" cy="0"/>
+        </a:xfrm>
+      </p:grpSpPr>
+      <p:sp>
+        <p:nvSpPr>
+          <p:cNvPr id="33" name="Rectangle 32">
+            <a:extLst>
+              <a:ext uri="{FF2B5EF4-FFF2-40B4-BE49-F238E27FC236}">
+                <a16:creationId xmlns:a16="http://schemas.microsoft.com/office/drawing/2014/main" id="{D8CC6CCE-4DEE-2FCB-2A41-2877C2791A4B}"/>
               </a:ext>
             </a:extLst>
           </p:cNvPr>
@@ -4326,294 +5619,19 @@
         </p:nvSpPr>
         <p:spPr>
           <a:xfrm>
-            <a:off x="6779871" y="1655812"/>
-            <a:ext cx="414071" cy="212652"/>
+            <a:off x="4066924" y="1261533"/>
+            <a:ext cx="5537713" cy="683999"/>
           </a:xfrm>
           <a:prstGeom prst="rect">
             <a:avLst/>
           </a:prstGeom>
           <a:solidFill>
             <a:schemeClr val="accent6">
-              <a:lumMod val="40000"/>
-              <a:lumOff val="60000"/>
+              <a:lumMod val="60000"/>
+              <a:lumOff val="40000"/>
             </a:schemeClr>
           </a:solidFill>
-          <a:ln>
-            <a:solidFill>
-              <a:srgbClr val="8ED973">
-                <a:alpha val="50196"/>
-              </a:srgbClr>
-            </a:solidFill>
-            <a:prstDash val="sysDot"/>
-          </a:ln>
-        </p:spPr>
-        <p:style>
-          <a:lnRef idx="2">
-            <a:schemeClr val="accent1">
-              <a:shade val="15000"/>
-            </a:schemeClr>
-          </a:lnRef>
-          <a:fillRef idx="1">
-            <a:schemeClr val="accent1"/>
-          </a:fillRef>
-          <a:effectRef idx="0">
-            <a:schemeClr val="accent1"/>
-          </a:effectRef>
-          <a:fontRef idx="minor">
-            <a:schemeClr val="lt1"/>
-          </a:fontRef>
-        </p:style>
-        <p:txBody>
-          <a:bodyPr rtlCol="0" anchor="ctr"/>
-          <a:lstStyle/>
-          <a:p>
-            <a:pPr algn="ctr"/>
-            <a:r>
-              <a:rPr lang="en-CH" sz="1000" dirty="0">
-                <a:solidFill>
-                  <a:schemeClr val="accent6">
-                    <a:lumMod val="50000"/>
-                  </a:schemeClr>
-                </a:solidFill>
-                <a:latin typeface="Ford Antenna Medium" panose="02000505000000020004" pitchFamily="2" charset="0"/>
-              </a:rPr>
-              <a:t>API</a:t>
-            </a:r>
-          </a:p>
-        </p:txBody>
-      </p:sp>
-      <p:sp>
-        <p:nvSpPr>
-          <p:cNvPr id="25" name="Rectangle 24">
-            <a:extLst>
-              <a:ext uri="{FF2B5EF4-FFF2-40B4-BE49-F238E27FC236}">
-                <a16:creationId xmlns:a16="http://schemas.microsoft.com/office/drawing/2014/main" id="{40A4CAC5-33B4-D4C4-BEA3-30B605636B46}"/>
-              </a:ext>
-            </a:extLst>
-          </p:cNvPr>
-          <p:cNvSpPr/>
-          <p:nvPr/>
-        </p:nvSpPr>
-        <p:spPr>
-          <a:xfrm>
-            <a:off x="7336312" y="1655812"/>
-            <a:ext cx="414071" cy="212652"/>
-          </a:xfrm>
-          <a:prstGeom prst="rect">
-            <a:avLst/>
-          </a:prstGeom>
-          <a:solidFill>
-            <a:schemeClr val="accent6">
-              <a:lumMod val="40000"/>
-              <a:lumOff val="60000"/>
-            </a:schemeClr>
-          </a:solidFill>
-          <a:ln>
-            <a:solidFill>
-              <a:srgbClr val="8ED973">
-                <a:alpha val="50196"/>
-              </a:srgbClr>
-            </a:solidFill>
-            <a:prstDash val="sysDot"/>
-          </a:ln>
-        </p:spPr>
-        <p:style>
-          <a:lnRef idx="2">
-            <a:schemeClr val="accent1">
-              <a:shade val="15000"/>
-            </a:schemeClr>
-          </a:lnRef>
-          <a:fillRef idx="1">
-            <a:schemeClr val="accent1"/>
-          </a:fillRef>
-          <a:effectRef idx="0">
-            <a:schemeClr val="accent1"/>
-          </a:effectRef>
-          <a:fontRef idx="minor">
-            <a:schemeClr val="lt1"/>
-          </a:fontRef>
-        </p:style>
-        <p:txBody>
-          <a:bodyPr rtlCol="0" anchor="ctr"/>
-          <a:lstStyle/>
-          <a:p>
-            <a:pPr algn="ctr"/>
-            <a:r>
-              <a:rPr lang="en-CH" sz="1000" dirty="0">
-                <a:solidFill>
-                  <a:schemeClr val="accent6">
-                    <a:lumMod val="50000"/>
-                  </a:schemeClr>
-                </a:solidFill>
-                <a:latin typeface="Ford Antenna Medium" panose="02000505000000020004" pitchFamily="2" charset="0"/>
-              </a:rPr>
-              <a:t>API</a:t>
-            </a:r>
-          </a:p>
-        </p:txBody>
-      </p:sp>
-      <p:sp>
-        <p:nvSpPr>
-          <p:cNvPr id="26" name="Rectangle 25">
-            <a:extLst>
-              <a:ext uri="{FF2B5EF4-FFF2-40B4-BE49-F238E27FC236}">
-                <a16:creationId xmlns:a16="http://schemas.microsoft.com/office/drawing/2014/main" id="{3910F38F-6A2D-5BE1-B30E-8B745CF59F60}"/>
-              </a:ext>
-            </a:extLst>
-          </p:cNvPr>
-          <p:cNvSpPr/>
-          <p:nvPr/>
-        </p:nvSpPr>
-        <p:spPr>
-          <a:xfrm>
-            <a:off x="7910469" y="1652946"/>
-            <a:ext cx="414071" cy="212652"/>
-          </a:xfrm>
-          <a:prstGeom prst="rect">
-            <a:avLst/>
-          </a:prstGeom>
-          <a:solidFill>
-            <a:schemeClr val="accent6">
-              <a:lumMod val="40000"/>
-              <a:lumOff val="60000"/>
-            </a:schemeClr>
-          </a:solidFill>
-          <a:ln>
-            <a:solidFill>
-              <a:srgbClr val="8ED973">
-                <a:alpha val="50196"/>
-              </a:srgbClr>
-            </a:solidFill>
-            <a:prstDash val="sysDot"/>
-          </a:ln>
-        </p:spPr>
-        <p:style>
-          <a:lnRef idx="2">
-            <a:schemeClr val="accent1">
-              <a:shade val="15000"/>
-            </a:schemeClr>
-          </a:lnRef>
-          <a:fillRef idx="1">
-            <a:schemeClr val="accent1"/>
-          </a:fillRef>
-          <a:effectRef idx="0">
-            <a:schemeClr val="accent1"/>
-          </a:effectRef>
-          <a:fontRef idx="minor">
-            <a:schemeClr val="lt1"/>
-          </a:fontRef>
-        </p:style>
-        <p:txBody>
-          <a:bodyPr rtlCol="0" anchor="ctr"/>
-          <a:lstStyle/>
-          <a:p>
-            <a:pPr algn="ctr"/>
-            <a:r>
-              <a:rPr lang="en-CH" sz="1000" dirty="0">
-                <a:solidFill>
-                  <a:schemeClr val="accent6">
-                    <a:lumMod val="50000"/>
-                  </a:schemeClr>
-                </a:solidFill>
-                <a:latin typeface="Ford Antenna Medium" panose="02000505000000020004" pitchFamily="2" charset="0"/>
-              </a:rPr>
-              <a:t>API</a:t>
-            </a:r>
-          </a:p>
-        </p:txBody>
-      </p:sp>
-      <p:sp>
-        <p:nvSpPr>
-          <p:cNvPr id="27" name="Rectangle 26">
-            <a:extLst>
-              <a:ext uri="{FF2B5EF4-FFF2-40B4-BE49-F238E27FC236}">
-                <a16:creationId xmlns:a16="http://schemas.microsoft.com/office/drawing/2014/main" id="{2DF37D68-A9AC-82D9-61BA-E2DFB0EBDC2E}"/>
-              </a:ext>
-            </a:extLst>
-          </p:cNvPr>
-          <p:cNvSpPr/>
-          <p:nvPr/>
-        </p:nvSpPr>
-        <p:spPr>
-          <a:xfrm>
-            <a:off x="8484630" y="1652946"/>
-            <a:ext cx="414071" cy="212652"/>
-          </a:xfrm>
-          <a:prstGeom prst="rect">
-            <a:avLst/>
-          </a:prstGeom>
-          <a:solidFill>
-            <a:schemeClr val="accent6">
-              <a:lumMod val="40000"/>
-              <a:lumOff val="60000"/>
-            </a:schemeClr>
-          </a:solidFill>
-          <a:ln>
-            <a:solidFill>
-              <a:srgbClr val="8ED973">
-                <a:alpha val="50196"/>
-              </a:srgbClr>
-            </a:solidFill>
-            <a:prstDash val="sysDot"/>
-          </a:ln>
-        </p:spPr>
-        <p:style>
-          <a:lnRef idx="2">
-            <a:schemeClr val="accent1">
-              <a:shade val="15000"/>
-            </a:schemeClr>
-          </a:lnRef>
-          <a:fillRef idx="1">
-            <a:schemeClr val="accent1"/>
-          </a:fillRef>
-          <a:effectRef idx="0">
-            <a:schemeClr val="accent1"/>
-          </a:effectRef>
-          <a:fontRef idx="minor">
-            <a:schemeClr val="lt1"/>
-          </a:fontRef>
-        </p:style>
-        <p:txBody>
-          <a:bodyPr rtlCol="0" anchor="ctr"/>
-          <a:lstStyle/>
-          <a:p>
-            <a:pPr algn="ctr"/>
-            <a:r>
-              <a:rPr lang="en-CH" sz="1000" dirty="0">
-                <a:solidFill>
-                  <a:schemeClr val="accent6">
-                    <a:lumMod val="50000"/>
-                  </a:schemeClr>
-                </a:solidFill>
-                <a:latin typeface="Ford Antenna Medium" panose="02000505000000020004" pitchFamily="2" charset="0"/>
-              </a:rPr>
-              <a:t>API</a:t>
-            </a:r>
-          </a:p>
-        </p:txBody>
-      </p:sp>
-      <p:sp>
-        <p:nvSpPr>
-          <p:cNvPr id="29" name="Rectangle 28">
-            <a:extLst>
-              <a:ext uri="{FF2B5EF4-FFF2-40B4-BE49-F238E27FC236}">
-                <a16:creationId xmlns:a16="http://schemas.microsoft.com/office/drawing/2014/main" id="{754A58F0-802E-0BA4-122D-1D78AF4A25FB}"/>
-              </a:ext>
-            </a:extLst>
-          </p:cNvPr>
-          <p:cNvSpPr/>
-          <p:nvPr/>
-        </p:nvSpPr>
-        <p:spPr>
-          <a:xfrm>
-            <a:off x="6687273" y="1261533"/>
-            <a:ext cx="2321668" cy="683999"/>
-          </a:xfrm>
-          <a:prstGeom prst="rect">
-            <a:avLst/>
-          </a:prstGeom>
-          <a:noFill/>
-          <a:ln>
+          <a:ln w="12700">
             <a:solidFill>
               <a:schemeClr val="accent6">
                 <a:lumMod val="75000"/>
@@ -4670,10 +5688,10 @@
       </p:sp>
       <p:sp>
         <p:nvSpPr>
-          <p:cNvPr id="31" name="Rectangle 30">
-            <a:extLst>
-              <a:ext uri="{FF2B5EF4-FFF2-40B4-BE49-F238E27FC236}">
-                <a16:creationId xmlns:a16="http://schemas.microsoft.com/office/drawing/2014/main" id="{D74D6442-B293-C2C9-1562-61F9CC7EC350}"/>
+          <p:cNvPr id="4" name="Rectangle 3">
+            <a:extLst>
+              <a:ext uri="{FF2B5EF4-FFF2-40B4-BE49-F238E27FC236}">
+                <a16:creationId xmlns:a16="http://schemas.microsoft.com/office/drawing/2014/main" id="{598B5812-61BD-491E-6028-1DB3C4C39FB3}"/>
               </a:ext>
             </a:extLst>
           </p:cNvPr>
@@ -4682,14 +5700,1672 @@
         </p:nvSpPr>
         <p:spPr>
           <a:xfrm>
-            <a:off x="6588187" y="889000"/>
-            <a:ext cx="2519841" cy="2486497"/>
+            <a:off x="3957574" y="4194880"/>
+            <a:ext cx="5647063" cy="635297"/>
+          </a:xfrm>
+          <a:prstGeom prst="rect">
+            <a:avLst/>
+          </a:prstGeom>
+          <a:solidFill>
+            <a:schemeClr val="accent6">
+              <a:lumMod val="20000"/>
+              <a:lumOff val="80000"/>
+            </a:schemeClr>
+          </a:solidFill>
+          <a:ln>
+            <a:solidFill>
+              <a:schemeClr val="accent6">
+                <a:lumMod val="75000"/>
+              </a:schemeClr>
+            </a:solidFill>
+          </a:ln>
+        </p:spPr>
+        <p:style>
+          <a:lnRef idx="2">
+            <a:schemeClr val="accent1">
+              <a:shade val="15000"/>
+            </a:schemeClr>
+          </a:lnRef>
+          <a:fillRef idx="1">
+            <a:schemeClr val="accent1"/>
+          </a:fillRef>
+          <a:effectRef idx="0">
+            <a:schemeClr val="accent1"/>
+          </a:effectRef>
+          <a:fontRef idx="minor">
+            <a:schemeClr val="lt1"/>
+          </a:fontRef>
+        </p:style>
+        <p:txBody>
+          <a:bodyPr rtlCol="0" anchor="ctr"/>
+          <a:lstStyle/>
+          <a:p>
+            <a:r>
+              <a:rPr lang="en-CH" sz="1600" dirty="0">
+                <a:solidFill>
+                  <a:schemeClr val="accent6">
+                    <a:lumMod val="50000"/>
+                  </a:schemeClr>
+                </a:solidFill>
+                <a:latin typeface="Ford Antenna Medium" panose="02000505000000020004" pitchFamily="2" charset="0"/>
+              </a:rPr>
+              <a:t>       Infrastructure</a:t>
+            </a:r>
+            <a:br>
+              <a:rPr lang="en-CH" sz="1600" dirty="0">
+                <a:solidFill>
+                  <a:schemeClr val="accent6">
+                    <a:lumMod val="50000"/>
+                  </a:schemeClr>
+                </a:solidFill>
+                <a:latin typeface="Ford Antenna Medium" panose="02000505000000020004" pitchFamily="2" charset="0"/>
+              </a:rPr>
+            </a:br>
+            <a:r>
+              <a:rPr lang="en-CH" sz="1600" dirty="0">
+                <a:solidFill>
+                  <a:schemeClr val="accent6">
+                    <a:lumMod val="50000"/>
+                  </a:schemeClr>
+                </a:solidFill>
+                <a:latin typeface="Ford Antenna Medium" panose="02000505000000020004" pitchFamily="2" charset="0"/>
+              </a:rPr>
+              <a:t>             Platform</a:t>
+            </a:r>
+          </a:p>
+        </p:txBody>
+      </p:sp>
+      <p:sp>
+        <p:nvSpPr>
+          <p:cNvPr id="13" name="Rectangle 12">
+            <a:extLst>
+              <a:ext uri="{FF2B5EF4-FFF2-40B4-BE49-F238E27FC236}">
+                <a16:creationId xmlns:a16="http://schemas.microsoft.com/office/drawing/2014/main" id="{7AA59B00-2C24-5DA4-EBB5-B651B7DFF418}"/>
+              </a:ext>
+            </a:extLst>
+          </p:cNvPr>
+          <p:cNvSpPr/>
+          <p:nvPr/>
+        </p:nvSpPr>
+        <p:spPr>
+          <a:xfrm>
+            <a:off x="3957575" y="3467540"/>
+            <a:ext cx="5647063" cy="635297"/>
+          </a:xfrm>
+          <a:prstGeom prst="rect">
+            <a:avLst/>
+          </a:prstGeom>
+          <a:solidFill>
+            <a:schemeClr val="accent6">
+              <a:lumMod val="20000"/>
+              <a:lumOff val="80000"/>
+            </a:schemeClr>
+          </a:solidFill>
+          <a:ln>
+            <a:solidFill>
+              <a:schemeClr val="accent6">
+                <a:lumMod val="75000"/>
+              </a:schemeClr>
+            </a:solidFill>
+          </a:ln>
+        </p:spPr>
+        <p:style>
+          <a:lnRef idx="2">
+            <a:schemeClr val="accent1">
+              <a:shade val="15000"/>
+            </a:schemeClr>
+          </a:lnRef>
+          <a:fillRef idx="1">
+            <a:schemeClr val="accent1"/>
+          </a:fillRef>
+          <a:effectRef idx="0">
+            <a:schemeClr val="accent1"/>
+          </a:effectRef>
+          <a:fontRef idx="minor">
+            <a:schemeClr val="lt1"/>
+          </a:fontRef>
+        </p:style>
+        <p:txBody>
+          <a:bodyPr rtlCol="0" anchor="ctr"/>
+          <a:lstStyle/>
+          <a:p>
+            <a:r>
+              <a:rPr lang="en-CH" sz="1600" dirty="0">
+                <a:solidFill>
+                  <a:schemeClr val="accent6">
+                    <a:lumMod val="50000"/>
+                  </a:schemeClr>
+                </a:solidFill>
+                <a:latin typeface="Ford Antenna Medium" panose="02000505000000020004" pitchFamily="2" charset="0"/>
+              </a:rPr>
+              <a:t> Internal Developer</a:t>
+            </a:r>
+            <a:br>
+              <a:rPr lang="en-CH" sz="1600" dirty="0">
+                <a:solidFill>
+                  <a:schemeClr val="accent6">
+                    <a:lumMod val="50000"/>
+                  </a:schemeClr>
+                </a:solidFill>
+                <a:latin typeface="Ford Antenna Medium" panose="02000505000000020004" pitchFamily="2" charset="0"/>
+              </a:rPr>
+            </a:br>
+            <a:r>
+              <a:rPr lang="en-CH" sz="1600" dirty="0">
+                <a:solidFill>
+                  <a:schemeClr val="accent6">
+                    <a:lumMod val="50000"/>
+                  </a:schemeClr>
+                </a:solidFill>
+                <a:latin typeface="Ford Antenna Medium" panose="02000505000000020004" pitchFamily="2" charset="0"/>
+              </a:rPr>
+              <a:t>             Platform</a:t>
+            </a:r>
+          </a:p>
+        </p:txBody>
+      </p:sp>
+      <p:sp>
+        <p:nvSpPr>
+          <p:cNvPr id="11" name="Rectangle 10">
+            <a:extLst>
+              <a:ext uri="{FF2B5EF4-FFF2-40B4-BE49-F238E27FC236}">
+                <a16:creationId xmlns:a16="http://schemas.microsoft.com/office/drawing/2014/main" id="{876316B8-83A7-C307-3F3C-CA2E040099C6}"/>
+              </a:ext>
+            </a:extLst>
+          </p:cNvPr>
+          <p:cNvSpPr/>
+          <p:nvPr/>
+        </p:nvSpPr>
+        <p:spPr>
+          <a:xfrm rot="16200000">
+            <a:off x="3559392" y="2263704"/>
+            <a:ext cx="1624121" cy="414070"/>
+          </a:xfrm>
+          <a:prstGeom prst="rect">
+            <a:avLst/>
+          </a:prstGeom>
+          <a:solidFill>
+            <a:schemeClr val="accent6">
+              <a:lumMod val="20000"/>
+              <a:lumOff val="80000"/>
+            </a:schemeClr>
+          </a:solidFill>
+          <a:ln>
+            <a:solidFill>
+              <a:schemeClr val="accent6">
+                <a:lumMod val="75000"/>
+              </a:schemeClr>
+            </a:solidFill>
+          </a:ln>
+        </p:spPr>
+        <p:style>
+          <a:lnRef idx="2">
+            <a:schemeClr val="accent1">
+              <a:shade val="15000"/>
+            </a:schemeClr>
+          </a:lnRef>
+          <a:fillRef idx="1">
+            <a:schemeClr val="accent1"/>
+          </a:fillRef>
+          <a:effectRef idx="0">
+            <a:schemeClr val="accent1"/>
+          </a:effectRef>
+          <a:fontRef idx="minor">
+            <a:schemeClr val="lt1"/>
+          </a:fontRef>
+        </p:style>
+        <p:txBody>
+          <a:bodyPr rtlCol="0" anchor="ctr"/>
+          <a:lstStyle/>
+          <a:p>
+            <a:pPr algn="ctr"/>
+            <a:r>
+              <a:rPr lang="en-CH" sz="1600" dirty="0">
+                <a:solidFill>
+                  <a:schemeClr val="accent6">
+                    <a:lumMod val="50000"/>
+                  </a:schemeClr>
+                </a:solidFill>
+                <a:latin typeface="Ford Antenna Medium" panose="02000505000000020004" pitchFamily="2" charset="0"/>
+              </a:rPr>
+              <a:t>DevOps</a:t>
+            </a:r>
+          </a:p>
+        </p:txBody>
+      </p:sp>
+      <p:sp>
+        <p:nvSpPr>
+          <p:cNvPr id="3" name="Rectangle 2">
+            <a:extLst>
+              <a:ext uri="{FF2B5EF4-FFF2-40B4-BE49-F238E27FC236}">
+                <a16:creationId xmlns:a16="http://schemas.microsoft.com/office/drawing/2014/main" id="{DF8751DA-5932-9DBF-AF00-462446260FC6}"/>
+              </a:ext>
+            </a:extLst>
+          </p:cNvPr>
+          <p:cNvSpPr/>
+          <p:nvPr/>
+        </p:nvSpPr>
+        <p:spPr>
+          <a:xfrm rot="16200000">
+            <a:off x="4115831" y="2263703"/>
+            <a:ext cx="1624121" cy="414072"/>
+          </a:xfrm>
+          <a:prstGeom prst="rect">
+            <a:avLst/>
+          </a:prstGeom>
+          <a:solidFill>
+            <a:schemeClr val="accent6">
+              <a:lumMod val="20000"/>
+              <a:lumOff val="80000"/>
+            </a:schemeClr>
+          </a:solidFill>
+          <a:ln>
+            <a:solidFill>
+              <a:schemeClr val="accent6">
+                <a:lumMod val="75000"/>
+              </a:schemeClr>
+            </a:solidFill>
+          </a:ln>
+        </p:spPr>
+        <p:style>
+          <a:lnRef idx="2">
+            <a:schemeClr val="accent1">
+              <a:shade val="15000"/>
+            </a:schemeClr>
+          </a:lnRef>
+          <a:fillRef idx="1">
+            <a:schemeClr val="accent1"/>
+          </a:fillRef>
+          <a:effectRef idx="0">
+            <a:schemeClr val="accent1"/>
+          </a:effectRef>
+          <a:fontRef idx="minor">
+            <a:schemeClr val="lt1"/>
+          </a:fontRef>
+        </p:style>
+        <p:txBody>
+          <a:bodyPr rtlCol="0" anchor="ctr"/>
+          <a:lstStyle/>
+          <a:p>
+            <a:pPr algn="ctr"/>
+            <a:r>
+              <a:rPr lang="en-CH" sz="1600" dirty="0">
+                <a:solidFill>
+                  <a:schemeClr val="accent6">
+                    <a:lumMod val="50000"/>
+                  </a:schemeClr>
+                </a:solidFill>
+                <a:latin typeface="Ford Antenna Medium" panose="02000505000000020004" pitchFamily="2" charset="0"/>
+              </a:rPr>
+              <a:t>DevOps</a:t>
+            </a:r>
+          </a:p>
+        </p:txBody>
+      </p:sp>
+      <p:sp>
+        <p:nvSpPr>
+          <p:cNvPr id="5" name="Rectangle 4">
+            <a:extLst>
+              <a:ext uri="{FF2B5EF4-FFF2-40B4-BE49-F238E27FC236}">
+                <a16:creationId xmlns:a16="http://schemas.microsoft.com/office/drawing/2014/main" id="{BE3F789F-9F7D-2F16-63D3-4F66CBBC6A24}"/>
+              </a:ext>
+            </a:extLst>
+          </p:cNvPr>
+          <p:cNvSpPr/>
+          <p:nvPr/>
+        </p:nvSpPr>
+        <p:spPr>
+          <a:xfrm rot="16200000">
+            <a:off x="4689990" y="2263703"/>
+            <a:ext cx="1624121" cy="414072"/>
+          </a:xfrm>
+          <a:prstGeom prst="rect">
+            <a:avLst/>
+          </a:prstGeom>
+          <a:solidFill>
+            <a:schemeClr val="accent6">
+              <a:lumMod val="20000"/>
+              <a:lumOff val="80000"/>
+            </a:schemeClr>
+          </a:solidFill>
+          <a:ln>
+            <a:solidFill>
+              <a:schemeClr val="accent6">
+                <a:lumMod val="75000"/>
+              </a:schemeClr>
+            </a:solidFill>
+          </a:ln>
+        </p:spPr>
+        <p:style>
+          <a:lnRef idx="2">
+            <a:schemeClr val="accent1">
+              <a:shade val="15000"/>
+            </a:schemeClr>
+          </a:lnRef>
+          <a:fillRef idx="1">
+            <a:schemeClr val="accent1"/>
+          </a:fillRef>
+          <a:effectRef idx="0">
+            <a:schemeClr val="accent1"/>
+          </a:effectRef>
+          <a:fontRef idx="minor">
+            <a:schemeClr val="lt1"/>
+          </a:fontRef>
+        </p:style>
+        <p:txBody>
+          <a:bodyPr rtlCol="0" anchor="ctr"/>
+          <a:lstStyle/>
+          <a:p>
+            <a:pPr algn="ctr"/>
+            <a:r>
+              <a:rPr lang="en-CH" sz="1600" dirty="0">
+                <a:solidFill>
+                  <a:schemeClr val="accent6">
+                    <a:lumMod val="50000"/>
+                  </a:schemeClr>
+                </a:solidFill>
+                <a:latin typeface="Ford Antenna Medium" panose="02000505000000020004" pitchFamily="2" charset="0"/>
+              </a:rPr>
+              <a:t>DevOps</a:t>
+            </a:r>
+          </a:p>
+        </p:txBody>
+      </p:sp>
+      <p:sp>
+        <p:nvSpPr>
+          <p:cNvPr id="6" name="Rectangle 5">
+            <a:extLst>
+              <a:ext uri="{FF2B5EF4-FFF2-40B4-BE49-F238E27FC236}">
+                <a16:creationId xmlns:a16="http://schemas.microsoft.com/office/drawing/2014/main" id="{17A6366F-8087-6A2F-509A-263503BFE37A}"/>
+              </a:ext>
+            </a:extLst>
+          </p:cNvPr>
+          <p:cNvSpPr/>
+          <p:nvPr/>
+        </p:nvSpPr>
+        <p:spPr>
+          <a:xfrm rot="16200000">
+            <a:off x="5264149" y="2263703"/>
+            <a:ext cx="1624121" cy="414072"/>
+          </a:xfrm>
+          <a:prstGeom prst="rect">
+            <a:avLst/>
+          </a:prstGeom>
+          <a:solidFill>
+            <a:schemeClr val="accent6">
+              <a:lumMod val="20000"/>
+              <a:lumOff val="80000"/>
+            </a:schemeClr>
+          </a:solidFill>
+          <a:ln>
+            <a:solidFill>
+              <a:schemeClr val="accent6">
+                <a:lumMod val="75000"/>
+              </a:schemeClr>
+            </a:solidFill>
+          </a:ln>
+        </p:spPr>
+        <p:style>
+          <a:lnRef idx="2">
+            <a:schemeClr val="accent1">
+              <a:shade val="15000"/>
+            </a:schemeClr>
+          </a:lnRef>
+          <a:fillRef idx="1">
+            <a:schemeClr val="accent1"/>
+          </a:fillRef>
+          <a:effectRef idx="0">
+            <a:schemeClr val="accent1"/>
+          </a:effectRef>
+          <a:fontRef idx="minor">
+            <a:schemeClr val="lt1"/>
+          </a:fontRef>
+        </p:style>
+        <p:txBody>
+          <a:bodyPr rtlCol="0" anchor="ctr"/>
+          <a:lstStyle/>
+          <a:p>
+            <a:pPr algn="ctr"/>
+            <a:r>
+              <a:rPr lang="en-CH" sz="1600" dirty="0">
+                <a:solidFill>
+                  <a:schemeClr val="accent6">
+                    <a:lumMod val="50000"/>
+                  </a:schemeClr>
+                </a:solidFill>
+                <a:latin typeface="Ford Antenna Medium" panose="02000505000000020004" pitchFamily="2" charset="0"/>
+              </a:rPr>
+              <a:t>DevOps</a:t>
+            </a:r>
+          </a:p>
+        </p:txBody>
+      </p:sp>
+      <p:sp>
+        <p:nvSpPr>
+          <p:cNvPr id="15" name="Rectangle 14">
+            <a:extLst>
+              <a:ext uri="{FF2B5EF4-FFF2-40B4-BE49-F238E27FC236}">
+                <a16:creationId xmlns:a16="http://schemas.microsoft.com/office/drawing/2014/main" id="{10FB0091-9DDA-563A-F8ED-A0453228018A}"/>
+              </a:ext>
+            </a:extLst>
+          </p:cNvPr>
+          <p:cNvSpPr/>
+          <p:nvPr/>
+        </p:nvSpPr>
+        <p:spPr>
+          <a:xfrm>
+            <a:off x="4164416" y="1658678"/>
+            <a:ext cx="414071" cy="212652"/>
+          </a:xfrm>
+          <a:prstGeom prst="rect">
+            <a:avLst/>
+          </a:prstGeom>
+          <a:solidFill>
+            <a:schemeClr val="accent6">
+              <a:lumMod val="75000"/>
+            </a:schemeClr>
+          </a:solidFill>
+          <a:ln w="12700">
+            <a:solidFill>
+              <a:schemeClr val="accent6">
+                <a:lumMod val="40000"/>
+                <a:lumOff val="60000"/>
+                <a:alpha val="50196"/>
+              </a:schemeClr>
+            </a:solidFill>
+            <a:prstDash val="sysDot"/>
+          </a:ln>
+        </p:spPr>
+        <p:style>
+          <a:lnRef idx="2">
+            <a:schemeClr val="accent1">
+              <a:shade val="15000"/>
+            </a:schemeClr>
+          </a:lnRef>
+          <a:fillRef idx="1">
+            <a:schemeClr val="accent1"/>
+          </a:fillRef>
+          <a:effectRef idx="0">
+            <a:schemeClr val="accent1"/>
+          </a:effectRef>
+          <a:fontRef idx="minor">
+            <a:schemeClr val="lt1"/>
+          </a:fontRef>
+        </p:style>
+        <p:txBody>
+          <a:bodyPr rtlCol="0" anchor="ctr"/>
+          <a:lstStyle/>
+          <a:p>
+            <a:pPr algn="ctr"/>
+            <a:r>
+              <a:rPr lang="en-CH" sz="1000" dirty="0">
+                <a:solidFill>
+                  <a:schemeClr val="accent6">
+                    <a:lumMod val="40000"/>
+                    <a:lumOff val="60000"/>
+                  </a:schemeClr>
+                </a:solidFill>
+                <a:latin typeface="Ford Antenna Medium" panose="02000505000000020004" pitchFamily="2" charset="0"/>
+              </a:rPr>
+              <a:t>API</a:t>
+            </a:r>
+          </a:p>
+        </p:txBody>
+      </p:sp>
+      <p:sp>
+        <p:nvSpPr>
+          <p:cNvPr id="16" name="Rectangle 15">
+            <a:extLst>
+              <a:ext uri="{FF2B5EF4-FFF2-40B4-BE49-F238E27FC236}">
+                <a16:creationId xmlns:a16="http://schemas.microsoft.com/office/drawing/2014/main" id="{5A2BCBDA-6B72-C410-2876-90207EB8394F}"/>
+              </a:ext>
+            </a:extLst>
+          </p:cNvPr>
+          <p:cNvSpPr/>
+          <p:nvPr/>
+        </p:nvSpPr>
+        <p:spPr>
+          <a:xfrm>
+            <a:off x="4720857" y="1658678"/>
+            <a:ext cx="414071" cy="212652"/>
+          </a:xfrm>
+          <a:prstGeom prst="rect">
+            <a:avLst/>
+          </a:prstGeom>
+          <a:solidFill>
+            <a:schemeClr val="accent6">
+              <a:lumMod val="75000"/>
+            </a:schemeClr>
+          </a:solidFill>
+          <a:ln w="12700">
+            <a:solidFill>
+              <a:schemeClr val="accent6">
+                <a:lumMod val="40000"/>
+                <a:lumOff val="60000"/>
+                <a:alpha val="50196"/>
+              </a:schemeClr>
+            </a:solidFill>
+            <a:prstDash val="sysDot"/>
+          </a:ln>
+        </p:spPr>
+        <p:style>
+          <a:lnRef idx="2">
+            <a:schemeClr val="accent1">
+              <a:shade val="15000"/>
+            </a:schemeClr>
+          </a:lnRef>
+          <a:fillRef idx="1">
+            <a:schemeClr val="accent1"/>
+          </a:fillRef>
+          <a:effectRef idx="0">
+            <a:schemeClr val="accent1"/>
+          </a:effectRef>
+          <a:fontRef idx="minor">
+            <a:schemeClr val="lt1"/>
+          </a:fontRef>
+        </p:style>
+        <p:txBody>
+          <a:bodyPr rtlCol="0" anchor="ctr"/>
+          <a:lstStyle/>
+          <a:p>
+            <a:pPr algn="ctr"/>
+            <a:r>
+              <a:rPr lang="en-CH" sz="1000" dirty="0">
+                <a:solidFill>
+                  <a:schemeClr val="accent6">
+                    <a:lumMod val="40000"/>
+                    <a:lumOff val="60000"/>
+                  </a:schemeClr>
+                </a:solidFill>
+                <a:latin typeface="Ford Antenna Medium" panose="02000505000000020004" pitchFamily="2" charset="0"/>
+              </a:rPr>
+              <a:t>API</a:t>
+            </a:r>
+          </a:p>
+        </p:txBody>
+      </p:sp>
+      <p:sp>
+        <p:nvSpPr>
+          <p:cNvPr id="17" name="Rectangle 16">
+            <a:extLst>
+              <a:ext uri="{FF2B5EF4-FFF2-40B4-BE49-F238E27FC236}">
+                <a16:creationId xmlns:a16="http://schemas.microsoft.com/office/drawing/2014/main" id="{79993EFF-C174-C6B9-A2FD-67F6900A0E59}"/>
+              </a:ext>
+            </a:extLst>
+          </p:cNvPr>
+          <p:cNvSpPr/>
+          <p:nvPr/>
+        </p:nvSpPr>
+        <p:spPr>
+          <a:xfrm>
+            <a:off x="5295014" y="1655812"/>
+            <a:ext cx="414071" cy="212652"/>
+          </a:xfrm>
+          <a:prstGeom prst="rect">
+            <a:avLst/>
+          </a:prstGeom>
+          <a:solidFill>
+            <a:schemeClr val="accent6">
+              <a:lumMod val="75000"/>
+            </a:schemeClr>
+          </a:solidFill>
+          <a:ln w="12700">
+            <a:solidFill>
+              <a:schemeClr val="accent6">
+                <a:lumMod val="40000"/>
+                <a:lumOff val="60000"/>
+                <a:alpha val="50196"/>
+              </a:schemeClr>
+            </a:solidFill>
+            <a:prstDash val="sysDot"/>
+          </a:ln>
+        </p:spPr>
+        <p:style>
+          <a:lnRef idx="2">
+            <a:schemeClr val="accent1">
+              <a:shade val="15000"/>
+            </a:schemeClr>
+          </a:lnRef>
+          <a:fillRef idx="1">
+            <a:schemeClr val="accent1"/>
+          </a:fillRef>
+          <a:effectRef idx="0">
+            <a:schemeClr val="accent1"/>
+          </a:effectRef>
+          <a:fontRef idx="minor">
+            <a:schemeClr val="lt1"/>
+          </a:fontRef>
+        </p:style>
+        <p:txBody>
+          <a:bodyPr rtlCol="0" anchor="ctr"/>
+          <a:lstStyle/>
+          <a:p>
+            <a:pPr algn="ctr"/>
+            <a:r>
+              <a:rPr lang="en-CH" sz="1000" dirty="0">
+                <a:solidFill>
+                  <a:schemeClr val="accent6">
+                    <a:lumMod val="40000"/>
+                    <a:lumOff val="60000"/>
+                  </a:schemeClr>
+                </a:solidFill>
+                <a:latin typeface="Ford Antenna Medium" panose="02000505000000020004" pitchFamily="2" charset="0"/>
+              </a:rPr>
+              <a:t>API</a:t>
+            </a:r>
+          </a:p>
+        </p:txBody>
+      </p:sp>
+      <p:sp>
+        <p:nvSpPr>
+          <p:cNvPr id="18" name="Rectangle 17">
+            <a:extLst>
+              <a:ext uri="{FF2B5EF4-FFF2-40B4-BE49-F238E27FC236}">
+                <a16:creationId xmlns:a16="http://schemas.microsoft.com/office/drawing/2014/main" id="{10CF378B-46CC-2171-6195-8A3FBE702A81}"/>
+              </a:ext>
+            </a:extLst>
+          </p:cNvPr>
+          <p:cNvSpPr/>
+          <p:nvPr/>
+        </p:nvSpPr>
+        <p:spPr>
+          <a:xfrm>
+            <a:off x="5869175" y="1655812"/>
+            <a:ext cx="414071" cy="212652"/>
+          </a:xfrm>
+          <a:prstGeom prst="rect">
+            <a:avLst/>
+          </a:prstGeom>
+          <a:solidFill>
+            <a:schemeClr val="accent6">
+              <a:lumMod val="75000"/>
+            </a:schemeClr>
+          </a:solidFill>
+          <a:ln w="12700">
+            <a:solidFill>
+              <a:schemeClr val="accent6">
+                <a:lumMod val="40000"/>
+                <a:lumOff val="60000"/>
+                <a:alpha val="50196"/>
+              </a:schemeClr>
+            </a:solidFill>
+            <a:prstDash val="sysDot"/>
+          </a:ln>
+        </p:spPr>
+        <p:style>
+          <a:lnRef idx="2">
+            <a:schemeClr val="accent1">
+              <a:shade val="15000"/>
+            </a:schemeClr>
+          </a:lnRef>
+          <a:fillRef idx="1">
+            <a:schemeClr val="accent1"/>
+          </a:fillRef>
+          <a:effectRef idx="0">
+            <a:schemeClr val="accent1"/>
+          </a:effectRef>
+          <a:fontRef idx="minor">
+            <a:schemeClr val="lt1"/>
+          </a:fontRef>
+        </p:style>
+        <p:txBody>
+          <a:bodyPr rtlCol="0" anchor="ctr"/>
+          <a:lstStyle/>
+          <a:p>
+            <a:pPr algn="ctr"/>
+            <a:r>
+              <a:rPr lang="en-CH" sz="1000" dirty="0">
+                <a:solidFill>
+                  <a:schemeClr val="accent6">
+                    <a:lumMod val="40000"/>
+                    <a:lumOff val="60000"/>
+                  </a:schemeClr>
+                </a:solidFill>
+                <a:latin typeface="Ford Antenna Medium" panose="02000505000000020004" pitchFamily="2" charset="0"/>
+              </a:rPr>
+              <a:t>API</a:t>
+            </a:r>
+          </a:p>
+        </p:txBody>
+      </p:sp>
+      <p:sp>
+        <p:nvSpPr>
+          <p:cNvPr id="20" name="Rectangle 19">
+            <a:extLst>
+              <a:ext uri="{FF2B5EF4-FFF2-40B4-BE49-F238E27FC236}">
+                <a16:creationId xmlns:a16="http://schemas.microsoft.com/office/drawing/2014/main" id="{59548482-7FF4-AC73-D2D8-FF8EAF8124B3}"/>
+              </a:ext>
+            </a:extLst>
+          </p:cNvPr>
+          <p:cNvSpPr/>
+          <p:nvPr/>
+        </p:nvSpPr>
+        <p:spPr>
+          <a:xfrm rot="16200000">
+            <a:off x="6174847" y="2260838"/>
+            <a:ext cx="1624121" cy="414070"/>
+          </a:xfrm>
+          <a:prstGeom prst="rect">
+            <a:avLst/>
+          </a:prstGeom>
+          <a:solidFill>
+            <a:schemeClr val="accent6">
+              <a:lumMod val="20000"/>
+              <a:lumOff val="80000"/>
+            </a:schemeClr>
+          </a:solidFill>
+          <a:ln>
+            <a:solidFill>
+              <a:schemeClr val="accent6">
+                <a:lumMod val="75000"/>
+              </a:schemeClr>
+            </a:solidFill>
+          </a:ln>
+        </p:spPr>
+        <p:style>
+          <a:lnRef idx="2">
+            <a:schemeClr val="accent1">
+              <a:shade val="15000"/>
+            </a:schemeClr>
+          </a:lnRef>
+          <a:fillRef idx="1">
+            <a:schemeClr val="accent1"/>
+          </a:fillRef>
+          <a:effectRef idx="0">
+            <a:schemeClr val="accent1"/>
+          </a:effectRef>
+          <a:fontRef idx="minor">
+            <a:schemeClr val="lt1"/>
+          </a:fontRef>
+        </p:style>
+        <p:txBody>
+          <a:bodyPr rtlCol="0" anchor="ctr"/>
+          <a:lstStyle/>
+          <a:p>
+            <a:pPr algn="ctr"/>
+            <a:r>
+              <a:rPr lang="en-CH" sz="1600" dirty="0">
+                <a:solidFill>
+                  <a:schemeClr val="accent6">
+                    <a:lumMod val="50000"/>
+                  </a:schemeClr>
+                </a:solidFill>
+                <a:latin typeface="Ford Antenna Medium" panose="02000505000000020004" pitchFamily="2" charset="0"/>
+              </a:rPr>
+              <a:t>DevOps</a:t>
+            </a:r>
+          </a:p>
+        </p:txBody>
+      </p:sp>
+      <p:sp>
+        <p:nvSpPr>
+          <p:cNvPr id="21" name="Rectangle 20">
+            <a:extLst>
+              <a:ext uri="{FF2B5EF4-FFF2-40B4-BE49-F238E27FC236}">
+                <a16:creationId xmlns:a16="http://schemas.microsoft.com/office/drawing/2014/main" id="{7ED314C2-7335-5537-74C0-56AC67AC7700}"/>
+              </a:ext>
+            </a:extLst>
+          </p:cNvPr>
+          <p:cNvSpPr/>
+          <p:nvPr/>
+        </p:nvSpPr>
+        <p:spPr>
+          <a:xfrm rot="16200000">
+            <a:off x="6731286" y="2260837"/>
+            <a:ext cx="1624121" cy="414072"/>
+          </a:xfrm>
+          <a:prstGeom prst="rect">
+            <a:avLst/>
+          </a:prstGeom>
+          <a:solidFill>
+            <a:schemeClr val="accent6">
+              <a:lumMod val="20000"/>
+              <a:lumOff val="80000"/>
+            </a:schemeClr>
+          </a:solidFill>
+          <a:ln>
+            <a:solidFill>
+              <a:schemeClr val="accent6">
+                <a:lumMod val="75000"/>
+              </a:schemeClr>
+            </a:solidFill>
+          </a:ln>
+        </p:spPr>
+        <p:style>
+          <a:lnRef idx="2">
+            <a:schemeClr val="accent1">
+              <a:shade val="15000"/>
+            </a:schemeClr>
+          </a:lnRef>
+          <a:fillRef idx="1">
+            <a:schemeClr val="accent1"/>
+          </a:fillRef>
+          <a:effectRef idx="0">
+            <a:schemeClr val="accent1"/>
+          </a:effectRef>
+          <a:fontRef idx="minor">
+            <a:schemeClr val="lt1"/>
+          </a:fontRef>
+        </p:style>
+        <p:txBody>
+          <a:bodyPr rtlCol="0" anchor="ctr"/>
+          <a:lstStyle/>
+          <a:p>
+            <a:pPr algn="ctr"/>
+            <a:r>
+              <a:rPr lang="en-CH" sz="1600" dirty="0">
+                <a:solidFill>
+                  <a:schemeClr val="accent6">
+                    <a:lumMod val="50000"/>
+                  </a:schemeClr>
+                </a:solidFill>
+                <a:latin typeface="Ford Antenna Medium" panose="02000505000000020004" pitchFamily="2" charset="0"/>
+              </a:rPr>
+              <a:t>DevOps</a:t>
+            </a:r>
+          </a:p>
+        </p:txBody>
+      </p:sp>
+      <p:sp>
+        <p:nvSpPr>
+          <p:cNvPr id="22" name="Rectangle 21">
+            <a:extLst>
+              <a:ext uri="{FF2B5EF4-FFF2-40B4-BE49-F238E27FC236}">
+                <a16:creationId xmlns:a16="http://schemas.microsoft.com/office/drawing/2014/main" id="{788E428E-824F-E825-3A67-E9FB80D3F598}"/>
+              </a:ext>
+            </a:extLst>
+          </p:cNvPr>
+          <p:cNvSpPr/>
+          <p:nvPr/>
+        </p:nvSpPr>
+        <p:spPr>
+          <a:xfrm rot="16200000">
+            <a:off x="7305445" y="2260837"/>
+            <a:ext cx="1624121" cy="414072"/>
+          </a:xfrm>
+          <a:prstGeom prst="rect">
+            <a:avLst/>
+          </a:prstGeom>
+          <a:solidFill>
+            <a:schemeClr val="accent6">
+              <a:lumMod val="20000"/>
+              <a:lumOff val="80000"/>
+            </a:schemeClr>
+          </a:solidFill>
+          <a:ln>
+            <a:solidFill>
+              <a:schemeClr val="accent6">
+                <a:lumMod val="75000"/>
+              </a:schemeClr>
+            </a:solidFill>
+          </a:ln>
+        </p:spPr>
+        <p:style>
+          <a:lnRef idx="2">
+            <a:schemeClr val="accent1">
+              <a:shade val="15000"/>
+            </a:schemeClr>
+          </a:lnRef>
+          <a:fillRef idx="1">
+            <a:schemeClr val="accent1"/>
+          </a:fillRef>
+          <a:effectRef idx="0">
+            <a:schemeClr val="accent1"/>
+          </a:effectRef>
+          <a:fontRef idx="minor">
+            <a:schemeClr val="lt1"/>
+          </a:fontRef>
+        </p:style>
+        <p:txBody>
+          <a:bodyPr rtlCol="0" anchor="ctr"/>
+          <a:lstStyle/>
+          <a:p>
+            <a:pPr algn="ctr"/>
+            <a:r>
+              <a:rPr lang="en-CH" sz="1600" dirty="0">
+                <a:solidFill>
+                  <a:schemeClr val="accent6">
+                    <a:lumMod val="50000"/>
+                  </a:schemeClr>
+                </a:solidFill>
+                <a:latin typeface="Ford Antenna Medium" panose="02000505000000020004" pitchFamily="2" charset="0"/>
+              </a:rPr>
+              <a:t>DevOps</a:t>
+            </a:r>
+          </a:p>
+        </p:txBody>
+      </p:sp>
+      <p:sp>
+        <p:nvSpPr>
+          <p:cNvPr id="23" name="Rectangle 22">
+            <a:extLst>
+              <a:ext uri="{FF2B5EF4-FFF2-40B4-BE49-F238E27FC236}">
+                <a16:creationId xmlns:a16="http://schemas.microsoft.com/office/drawing/2014/main" id="{2333BC31-B5CC-DB2D-7E2B-09B0C038A2BD}"/>
+              </a:ext>
+            </a:extLst>
+          </p:cNvPr>
+          <p:cNvSpPr/>
+          <p:nvPr/>
+        </p:nvSpPr>
+        <p:spPr>
+          <a:xfrm rot="16200000">
+            <a:off x="7879604" y="2260837"/>
+            <a:ext cx="1624121" cy="414072"/>
+          </a:xfrm>
+          <a:prstGeom prst="rect">
+            <a:avLst/>
+          </a:prstGeom>
+          <a:solidFill>
+            <a:schemeClr val="accent6">
+              <a:lumMod val="20000"/>
+              <a:lumOff val="80000"/>
+            </a:schemeClr>
+          </a:solidFill>
+          <a:ln>
+            <a:solidFill>
+              <a:schemeClr val="accent6">
+                <a:lumMod val="75000"/>
+              </a:schemeClr>
+            </a:solidFill>
+          </a:ln>
+        </p:spPr>
+        <p:style>
+          <a:lnRef idx="2">
+            <a:schemeClr val="accent1">
+              <a:shade val="15000"/>
+            </a:schemeClr>
+          </a:lnRef>
+          <a:fillRef idx="1">
+            <a:schemeClr val="accent1"/>
+          </a:fillRef>
+          <a:effectRef idx="0">
+            <a:schemeClr val="accent1"/>
+          </a:effectRef>
+          <a:fontRef idx="minor">
+            <a:schemeClr val="lt1"/>
+          </a:fontRef>
+        </p:style>
+        <p:txBody>
+          <a:bodyPr rtlCol="0" anchor="ctr"/>
+          <a:lstStyle/>
+          <a:p>
+            <a:pPr algn="ctr"/>
+            <a:r>
+              <a:rPr lang="en-CH" sz="1600" dirty="0">
+                <a:solidFill>
+                  <a:schemeClr val="accent6">
+                    <a:lumMod val="50000"/>
+                  </a:schemeClr>
+                </a:solidFill>
+                <a:latin typeface="Ford Antenna Medium" panose="02000505000000020004" pitchFamily="2" charset="0"/>
+              </a:rPr>
+              <a:t>DevOps</a:t>
+            </a:r>
+          </a:p>
+        </p:txBody>
+      </p:sp>
+      <p:sp>
+        <p:nvSpPr>
+          <p:cNvPr id="24" name="Rectangle 23">
+            <a:extLst>
+              <a:ext uri="{FF2B5EF4-FFF2-40B4-BE49-F238E27FC236}">
+                <a16:creationId xmlns:a16="http://schemas.microsoft.com/office/drawing/2014/main" id="{500D3E62-290C-D550-6140-C7DA05429C47}"/>
+              </a:ext>
+            </a:extLst>
+          </p:cNvPr>
+          <p:cNvSpPr/>
+          <p:nvPr/>
+        </p:nvSpPr>
+        <p:spPr>
+          <a:xfrm>
+            <a:off x="6779871" y="1655812"/>
+            <a:ext cx="414071" cy="212652"/>
+          </a:xfrm>
+          <a:prstGeom prst="rect">
+            <a:avLst/>
+          </a:prstGeom>
+          <a:solidFill>
+            <a:schemeClr val="accent6">
+              <a:lumMod val="75000"/>
+            </a:schemeClr>
+          </a:solidFill>
+          <a:ln w="12700">
+            <a:solidFill>
+              <a:schemeClr val="accent6">
+                <a:lumMod val="40000"/>
+                <a:lumOff val="60000"/>
+                <a:alpha val="50196"/>
+              </a:schemeClr>
+            </a:solidFill>
+            <a:prstDash val="sysDot"/>
+          </a:ln>
+        </p:spPr>
+        <p:style>
+          <a:lnRef idx="2">
+            <a:schemeClr val="accent1">
+              <a:shade val="15000"/>
+            </a:schemeClr>
+          </a:lnRef>
+          <a:fillRef idx="1">
+            <a:schemeClr val="accent1"/>
+          </a:fillRef>
+          <a:effectRef idx="0">
+            <a:schemeClr val="accent1"/>
+          </a:effectRef>
+          <a:fontRef idx="minor">
+            <a:schemeClr val="lt1"/>
+          </a:fontRef>
+        </p:style>
+        <p:txBody>
+          <a:bodyPr rtlCol="0" anchor="ctr"/>
+          <a:lstStyle/>
+          <a:p>
+            <a:pPr algn="ctr"/>
+            <a:r>
+              <a:rPr lang="en-CH" sz="1000" dirty="0">
+                <a:solidFill>
+                  <a:schemeClr val="accent6">
+                    <a:lumMod val="40000"/>
+                    <a:lumOff val="60000"/>
+                  </a:schemeClr>
+                </a:solidFill>
+                <a:latin typeface="Ford Antenna Medium" panose="02000505000000020004" pitchFamily="2" charset="0"/>
+              </a:rPr>
+              <a:t>API</a:t>
+            </a:r>
+          </a:p>
+        </p:txBody>
+      </p:sp>
+      <p:sp>
+        <p:nvSpPr>
+          <p:cNvPr id="25" name="Rectangle 24">
+            <a:extLst>
+              <a:ext uri="{FF2B5EF4-FFF2-40B4-BE49-F238E27FC236}">
+                <a16:creationId xmlns:a16="http://schemas.microsoft.com/office/drawing/2014/main" id="{40A4CAC5-33B4-D4C4-BEA3-30B605636B46}"/>
+              </a:ext>
+            </a:extLst>
+          </p:cNvPr>
+          <p:cNvSpPr/>
+          <p:nvPr/>
+        </p:nvSpPr>
+        <p:spPr>
+          <a:xfrm>
+            <a:off x="7336312" y="1655812"/>
+            <a:ext cx="414071" cy="212652"/>
+          </a:xfrm>
+          <a:prstGeom prst="rect">
+            <a:avLst/>
+          </a:prstGeom>
+          <a:solidFill>
+            <a:schemeClr val="accent6">
+              <a:lumMod val="75000"/>
+            </a:schemeClr>
+          </a:solidFill>
+          <a:ln w="12700">
+            <a:solidFill>
+              <a:schemeClr val="accent6">
+                <a:lumMod val="40000"/>
+                <a:lumOff val="60000"/>
+                <a:alpha val="50196"/>
+              </a:schemeClr>
+            </a:solidFill>
+            <a:prstDash val="sysDot"/>
+          </a:ln>
+        </p:spPr>
+        <p:style>
+          <a:lnRef idx="2">
+            <a:schemeClr val="accent1">
+              <a:shade val="15000"/>
+            </a:schemeClr>
+          </a:lnRef>
+          <a:fillRef idx="1">
+            <a:schemeClr val="accent1"/>
+          </a:fillRef>
+          <a:effectRef idx="0">
+            <a:schemeClr val="accent1"/>
+          </a:effectRef>
+          <a:fontRef idx="minor">
+            <a:schemeClr val="lt1"/>
+          </a:fontRef>
+        </p:style>
+        <p:txBody>
+          <a:bodyPr rtlCol="0" anchor="ctr"/>
+          <a:lstStyle/>
+          <a:p>
+            <a:pPr algn="ctr"/>
+            <a:r>
+              <a:rPr lang="en-CH" sz="1000" dirty="0">
+                <a:solidFill>
+                  <a:schemeClr val="accent6">
+                    <a:lumMod val="40000"/>
+                    <a:lumOff val="60000"/>
+                  </a:schemeClr>
+                </a:solidFill>
+                <a:latin typeface="Ford Antenna Medium" panose="02000505000000020004" pitchFamily="2" charset="0"/>
+              </a:rPr>
+              <a:t>API</a:t>
+            </a:r>
+          </a:p>
+        </p:txBody>
+      </p:sp>
+      <p:sp>
+        <p:nvSpPr>
+          <p:cNvPr id="26" name="Rectangle 25">
+            <a:extLst>
+              <a:ext uri="{FF2B5EF4-FFF2-40B4-BE49-F238E27FC236}">
+                <a16:creationId xmlns:a16="http://schemas.microsoft.com/office/drawing/2014/main" id="{3910F38F-6A2D-5BE1-B30E-8B745CF59F60}"/>
+              </a:ext>
+            </a:extLst>
+          </p:cNvPr>
+          <p:cNvSpPr/>
+          <p:nvPr/>
+        </p:nvSpPr>
+        <p:spPr>
+          <a:xfrm>
+            <a:off x="7910469" y="1652946"/>
+            <a:ext cx="414071" cy="212652"/>
+          </a:xfrm>
+          <a:prstGeom prst="rect">
+            <a:avLst/>
+          </a:prstGeom>
+          <a:solidFill>
+            <a:schemeClr val="accent6">
+              <a:lumMod val="75000"/>
+            </a:schemeClr>
+          </a:solidFill>
+          <a:ln w="12700">
+            <a:solidFill>
+              <a:schemeClr val="accent6">
+                <a:lumMod val="40000"/>
+                <a:lumOff val="60000"/>
+                <a:alpha val="50196"/>
+              </a:schemeClr>
+            </a:solidFill>
+            <a:prstDash val="sysDot"/>
+          </a:ln>
+        </p:spPr>
+        <p:style>
+          <a:lnRef idx="2">
+            <a:schemeClr val="accent1">
+              <a:shade val="15000"/>
+            </a:schemeClr>
+          </a:lnRef>
+          <a:fillRef idx="1">
+            <a:schemeClr val="accent1"/>
+          </a:fillRef>
+          <a:effectRef idx="0">
+            <a:schemeClr val="accent1"/>
+          </a:effectRef>
+          <a:fontRef idx="minor">
+            <a:schemeClr val="lt1"/>
+          </a:fontRef>
+        </p:style>
+        <p:txBody>
+          <a:bodyPr rtlCol="0" anchor="ctr"/>
+          <a:lstStyle/>
+          <a:p>
+            <a:pPr algn="ctr"/>
+            <a:r>
+              <a:rPr lang="en-CH" sz="1000" dirty="0">
+                <a:solidFill>
+                  <a:schemeClr val="accent6">
+                    <a:lumMod val="40000"/>
+                    <a:lumOff val="60000"/>
+                  </a:schemeClr>
+                </a:solidFill>
+                <a:latin typeface="Ford Antenna Medium" panose="02000505000000020004" pitchFamily="2" charset="0"/>
+              </a:rPr>
+              <a:t>API</a:t>
+            </a:r>
+          </a:p>
+        </p:txBody>
+      </p:sp>
+      <p:sp>
+        <p:nvSpPr>
+          <p:cNvPr id="27" name="Rectangle 26">
+            <a:extLst>
+              <a:ext uri="{FF2B5EF4-FFF2-40B4-BE49-F238E27FC236}">
+                <a16:creationId xmlns:a16="http://schemas.microsoft.com/office/drawing/2014/main" id="{2DF37D68-A9AC-82D9-61BA-E2DFB0EBDC2E}"/>
+              </a:ext>
+            </a:extLst>
+          </p:cNvPr>
+          <p:cNvSpPr/>
+          <p:nvPr/>
+        </p:nvSpPr>
+        <p:spPr>
+          <a:xfrm>
+            <a:off x="8484630" y="1652946"/>
+            <a:ext cx="414071" cy="212652"/>
+          </a:xfrm>
+          <a:prstGeom prst="rect">
+            <a:avLst/>
+          </a:prstGeom>
+          <a:solidFill>
+            <a:schemeClr val="accent6">
+              <a:lumMod val="75000"/>
+            </a:schemeClr>
+          </a:solidFill>
+          <a:ln w="12700">
+            <a:solidFill>
+              <a:schemeClr val="accent6">
+                <a:lumMod val="40000"/>
+                <a:lumOff val="60000"/>
+                <a:alpha val="50196"/>
+              </a:schemeClr>
+            </a:solidFill>
+            <a:prstDash val="sysDot"/>
+          </a:ln>
+        </p:spPr>
+        <p:style>
+          <a:lnRef idx="2">
+            <a:schemeClr val="accent1">
+              <a:shade val="15000"/>
+            </a:schemeClr>
+          </a:lnRef>
+          <a:fillRef idx="1">
+            <a:schemeClr val="accent1"/>
+          </a:fillRef>
+          <a:effectRef idx="0">
+            <a:schemeClr val="accent1"/>
+          </a:effectRef>
+          <a:fontRef idx="minor">
+            <a:schemeClr val="lt1"/>
+          </a:fontRef>
+        </p:style>
+        <p:txBody>
+          <a:bodyPr rtlCol="0" anchor="ctr"/>
+          <a:lstStyle/>
+          <a:p>
+            <a:pPr algn="ctr"/>
+            <a:r>
+              <a:rPr lang="en-CH" sz="1000" dirty="0">
+                <a:solidFill>
+                  <a:schemeClr val="accent6">
+                    <a:lumMod val="40000"/>
+                    <a:lumOff val="60000"/>
+                  </a:schemeClr>
+                </a:solidFill>
+                <a:latin typeface="Ford Antenna Medium" panose="02000505000000020004" pitchFamily="2" charset="0"/>
+              </a:rPr>
+              <a:t>API</a:t>
+            </a:r>
+          </a:p>
+        </p:txBody>
+      </p:sp>
+      <p:pic>
+        <p:nvPicPr>
+          <p:cNvPr id="1026" name="Picture 2">
+            <a:extLst>
+              <a:ext uri="{FF2B5EF4-FFF2-40B4-BE49-F238E27FC236}">
+                <a16:creationId xmlns:a16="http://schemas.microsoft.com/office/drawing/2014/main" id="{E6711C4B-9BAC-CD0A-37EB-C27FAC94A094}"/>
+              </a:ext>
+            </a:extLst>
+          </p:cNvPr>
+          <p:cNvPicPr>
+            <a:picLocks noChangeAspect="1" noChangeArrowheads="1"/>
+          </p:cNvPicPr>
+          <p:nvPr/>
+        </p:nvPicPr>
+        <p:blipFill>
+          <a:blip r:embed="rId2">
+            <a:extLst>
+              <a:ext uri="{28A0092B-C50C-407E-A947-70E740481C1C}">
+                <a14:useLocalDpi xmlns:a14="http://schemas.microsoft.com/office/drawing/2010/main" val="0"/>
+              </a:ext>
+            </a:extLst>
+          </a:blip>
+          <a:srcRect/>
+          <a:stretch>
+            <a:fillRect/>
+          </a:stretch>
+        </p:blipFill>
+        <p:spPr bwMode="auto">
+          <a:xfrm>
+            <a:off x="7215802" y="4319942"/>
+            <a:ext cx="427734" cy="427734"/>
           </a:xfrm>
           <a:prstGeom prst="rect">
             <a:avLst/>
           </a:prstGeom>
           <a:noFill/>
-          <a:ln>
+          <a:extLst>
+            <a:ext uri="{909E8E84-426E-40DD-AFC4-6F175D3DCCD1}">
+              <a14:hiddenFill xmlns:a14="http://schemas.microsoft.com/office/drawing/2010/main">
+                <a:solidFill>
+                  <a:srgbClr val="FFFFFF"/>
+                </a:solidFill>
+              </a14:hiddenFill>
+            </a:ext>
+          </a:extLst>
+        </p:spPr>
+      </p:pic>
+      <p:pic>
+        <p:nvPicPr>
+          <p:cNvPr id="1030" name="Picture 6">
+            <a:extLst>
+              <a:ext uri="{FF2B5EF4-FFF2-40B4-BE49-F238E27FC236}">
+                <a16:creationId xmlns:a16="http://schemas.microsoft.com/office/drawing/2014/main" id="{64EA739B-6106-9A58-65EA-7FDAE68AED4F}"/>
+              </a:ext>
+            </a:extLst>
+          </p:cNvPr>
+          <p:cNvPicPr>
+            <a:picLocks noChangeAspect="1" noChangeArrowheads="1"/>
+          </p:cNvPicPr>
+          <p:nvPr/>
+        </p:nvPicPr>
+        <p:blipFill>
+          <a:blip r:embed="rId3">
+            <a:extLst>
+              <a:ext uri="{28A0092B-C50C-407E-A947-70E740481C1C}">
+                <a14:useLocalDpi xmlns:a14="http://schemas.microsoft.com/office/drawing/2010/main" val="0"/>
+              </a:ext>
+            </a:extLst>
+          </a:blip>
+          <a:srcRect/>
+          <a:stretch>
+            <a:fillRect/>
+          </a:stretch>
+        </p:blipFill>
+        <p:spPr bwMode="auto">
+          <a:xfrm>
+            <a:off x="7872432" y="4317161"/>
+            <a:ext cx="714277" cy="427734"/>
+          </a:xfrm>
+          <a:prstGeom prst="rect">
+            <a:avLst/>
+          </a:prstGeom>
+          <a:noFill/>
+          <a:extLst>
+            <a:ext uri="{909E8E84-426E-40DD-AFC4-6F175D3DCCD1}">
+              <a14:hiddenFill xmlns:a14="http://schemas.microsoft.com/office/drawing/2010/main">
+                <a:solidFill>
+                  <a:srgbClr val="FFFFFF"/>
+                </a:solidFill>
+              </a14:hiddenFill>
+            </a:ext>
+          </a:extLst>
+        </p:spPr>
+      </p:pic>
+      <p:pic>
+        <p:nvPicPr>
+          <p:cNvPr id="2" name="Picture 1">
+            <a:extLst>
+              <a:ext uri="{FF2B5EF4-FFF2-40B4-BE49-F238E27FC236}">
+                <a16:creationId xmlns:a16="http://schemas.microsoft.com/office/drawing/2014/main" id="{E0B0022B-AA80-DCF1-00C2-F32100A1ED98}"/>
+              </a:ext>
+            </a:extLst>
+          </p:cNvPr>
+          <p:cNvPicPr>
+            <a:picLocks noChangeAspect="1"/>
+          </p:cNvPicPr>
+          <p:nvPr/>
+        </p:nvPicPr>
+        <p:blipFill>
+          <a:blip r:embed="rId4"/>
+          <a:stretch>
+            <a:fillRect/>
+          </a:stretch>
+        </p:blipFill>
+        <p:spPr>
+          <a:xfrm>
+            <a:off x="8806129" y="4290490"/>
+            <a:ext cx="574159" cy="444076"/>
+          </a:xfrm>
+          <a:prstGeom prst="rect">
+            <a:avLst/>
+          </a:prstGeom>
+        </p:spPr>
+      </p:pic>
+      <p:pic>
+        <p:nvPicPr>
+          <p:cNvPr id="8" name="Graphic 7" descr="Computer with solid fill">
+            <a:extLst>
+              <a:ext uri="{FF2B5EF4-FFF2-40B4-BE49-F238E27FC236}">
+                <a16:creationId xmlns:a16="http://schemas.microsoft.com/office/drawing/2014/main" id="{DCAAF2D1-3742-BC64-BCB6-60C5EC0C4118}"/>
+              </a:ext>
+            </a:extLst>
+          </p:cNvPr>
+          <p:cNvPicPr>
+            <a:picLocks noChangeAspect="1"/>
+          </p:cNvPicPr>
+          <p:nvPr/>
+        </p:nvPicPr>
+        <p:blipFill>
+          <a:blip r:embed="rId5">
+            <a:extLst>
+              <a:ext uri="{96DAC541-7B7A-43D3-8B79-37D633B846F1}">
+                <asvg:svgBlip xmlns:asvg="http://schemas.microsoft.com/office/drawing/2016/SVG/main" r:embed="rId6"/>
+              </a:ext>
+            </a:extLst>
+          </a:blip>
+          <a:stretch>
+            <a:fillRect/>
+          </a:stretch>
+        </p:blipFill>
+        <p:spPr>
+          <a:xfrm>
+            <a:off x="6391475" y="4236094"/>
+            <a:ext cx="595431" cy="595431"/>
+          </a:xfrm>
+          <a:prstGeom prst="rect">
+            <a:avLst/>
+          </a:prstGeom>
+        </p:spPr>
+      </p:pic>
+      <p:pic>
+        <p:nvPicPr>
+          <p:cNvPr id="40" name="Picture 39">
+            <a:extLst>
+              <a:ext uri="{FF2B5EF4-FFF2-40B4-BE49-F238E27FC236}">
+                <a16:creationId xmlns:a16="http://schemas.microsoft.com/office/drawing/2014/main" id="{E848F466-DF6D-7C07-619E-781A1B5B702A}"/>
+              </a:ext>
+            </a:extLst>
+          </p:cNvPr>
+          <p:cNvPicPr>
+            <a:picLocks noChangeAspect="1"/>
+          </p:cNvPicPr>
+          <p:nvPr/>
+        </p:nvPicPr>
+        <p:blipFill>
+          <a:blip r:embed="rId7"/>
+          <a:stretch>
+            <a:fillRect/>
+          </a:stretch>
+        </p:blipFill>
+        <p:spPr>
+          <a:xfrm>
+            <a:off x="6857999" y="3558269"/>
+            <a:ext cx="401602" cy="453758"/>
+          </a:xfrm>
+          <a:prstGeom prst="rect">
+            <a:avLst/>
+          </a:prstGeom>
+        </p:spPr>
+      </p:pic>
+      <p:pic>
+        <p:nvPicPr>
+          <p:cNvPr id="41" name="Picture 22">
+            <a:extLst>
+              <a:ext uri="{FF2B5EF4-FFF2-40B4-BE49-F238E27FC236}">
+                <a16:creationId xmlns:a16="http://schemas.microsoft.com/office/drawing/2014/main" id="{5962DF39-AA59-BDA5-5A54-714E09A9A1D4}"/>
+              </a:ext>
+            </a:extLst>
+          </p:cNvPr>
+          <p:cNvPicPr>
+            <a:picLocks noChangeAspect="1" noChangeArrowheads="1"/>
+          </p:cNvPicPr>
+          <p:nvPr/>
+        </p:nvPicPr>
+        <p:blipFill>
+          <a:blip r:embed="rId8">
+            <a:extLst>
+              <a:ext uri="{28A0092B-C50C-407E-A947-70E740481C1C}">
+                <a14:useLocalDpi xmlns:a14="http://schemas.microsoft.com/office/drawing/2010/main" val="0"/>
+              </a:ext>
+            </a:extLst>
+          </a:blip>
+          <a:srcRect/>
+          <a:stretch>
+            <a:fillRect/>
+          </a:stretch>
+        </p:blipFill>
+        <p:spPr bwMode="auto">
+          <a:xfrm>
+            <a:off x="7380596" y="3581168"/>
+            <a:ext cx="328660" cy="453758"/>
+          </a:xfrm>
+          <a:prstGeom prst="rect">
+            <a:avLst/>
+          </a:prstGeom>
+          <a:noFill/>
+          <a:extLst>
+            <a:ext uri="{909E8E84-426E-40DD-AFC4-6F175D3DCCD1}">
+              <a14:hiddenFill xmlns:a14="http://schemas.microsoft.com/office/drawing/2010/main">
+                <a:solidFill>
+                  <a:srgbClr val="FFFFFF"/>
+                </a:solidFill>
+              </a14:hiddenFill>
+            </a:ext>
+          </a:extLst>
+        </p:spPr>
+      </p:pic>
+      <p:pic>
+        <p:nvPicPr>
+          <p:cNvPr id="42" name="Picture 28">
+            <a:extLst>
+              <a:ext uri="{FF2B5EF4-FFF2-40B4-BE49-F238E27FC236}">
+                <a16:creationId xmlns:a16="http://schemas.microsoft.com/office/drawing/2014/main" id="{A9E4E756-43A3-1958-F344-4304FF0862CD}"/>
+              </a:ext>
+            </a:extLst>
+          </p:cNvPr>
+          <p:cNvPicPr>
+            <a:picLocks noChangeAspect="1" noChangeArrowheads="1"/>
+          </p:cNvPicPr>
+          <p:nvPr/>
+        </p:nvPicPr>
+        <p:blipFill>
+          <a:blip r:embed="rId9">
+            <a:extLst>
+              <a:ext uri="{28A0092B-C50C-407E-A947-70E740481C1C}">
+                <a14:useLocalDpi xmlns:a14="http://schemas.microsoft.com/office/drawing/2010/main" val="0"/>
+              </a:ext>
+            </a:extLst>
+          </a:blip>
+          <a:srcRect/>
+          <a:stretch>
+            <a:fillRect/>
+          </a:stretch>
+        </p:blipFill>
+        <p:spPr bwMode="auto">
+          <a:xfrm>
+            <a:off x="7827948" y="3573072"/>
+            <a:ext cx="496592" cy="482085"/>
+          </a:xfrm>
+          <a:prstGeom prst="rect">
+            <a:avLst/>
+          </a:prstGeom>
+          <a:noFill/>
+          <a:extLst>
+            <a:ext uri="{909E8E84-426E-40DD-AFC4-6F175D3DCCD1}">
+              <a14:hiddenFill xmlns:a14="http://schemas.microsoft.com/office/drawing/2010/main">
+                <a:solidFill>
+                  <a:srgbClr val="FFFFFF"/>
+                </a:solidFill>
+              </a14:hiddenFill>
+            </a:ext>
+          </a:extLst>
+        </p:spPr>
+      </p:pic>
+      <p:pic>
+        <p:nvPicPr>
+          <p:cNvPr id="43" name="Picture 42">
+            <a:extLst>
+              <a:ext uri="{FF2B5EF4-FFF2-40B4-BE49-F238E27FC236}">
+                <a16:creationId xmlns:a16="http://schemas.microsoft.com/office/drawing/2014/main" id="{BA48336C-56BB-C4C1-D969-14ED29DF1CA1}"/>
+              </a:ext>
+            </a:extLst>
+          </p:cNvPr>
+          <p:cNvPicPr>
+            <a:picLocks noChangeAspect="1"/>
+          </p:cNvPicPr>
+          <p:nvPr/>
+        </p:nvPicPr>
+        <p:blipFill>
+          <a:blip r:embed="rId10"/>
+          <a:stretch>
+            <a:fillRect/>
+          </a:stretch>
+        </p:blipFill>
+        <p:spPr>
+          <a:xfrm>
+            <a:off x="8445111" y="3570299"/>
+            <a:ext cx="453758" cy="485539"/>
+          </a:xfrm>
+          <a:prstGeom prst="rect">
+            <a:avLst/>
+          </a:prstGeom>
+        </p:spPr>
+      </p:pic>
+      <p:pic>
+        <p:nvPicPr>
+          <p:cNvPr id="44" name="Picture 43">
+            <a:extLst>
+              <a:ext uri="{FF2B5EF4-FFF2-40B4-BE49-F238E27FC236}">
+                <a16:creationId xmlns:a16="http://schemas.microsoft.com/office/drawing/2014/main" id="{80D29483-D128-7F8F-E890-526F1EE673FF}"/>
+              </a:ext>
+            </a:extLst>
+          </p:cNvPr>
+          <p:cNvPicPr>
+            <a:picLocks noChangeAspect="1"/>
+          </p:cNvPicPr>
+          <p:nvPr/>
+        </p:nvPicPr>
+        <p:blipFill>
+          <a:blip r:embed="rId11"/>
+          <a:stretch>
+            <a:fillRect/>
+          </a:stretch>
+        </p:blipFill>
+        <p:spPr>
+          <a:xfrm>
+            <a:off x="6260800" y="3589848"/>
+            <a:ext cx="453758" cy="428932"/>
+          </a:xfrm>
+          <a:prstGeom prst="rect">
+            <a:avLst/>
+          </a:prstGeom>
+        </p:spPr>
+      </p:pic>
+      <p:sp>
+        <p:nvSpPr>
+          <p:cNvPr id="45" name="Down Arrow 44">
+            <a:extLst>
+              <a:ext uri="{FF2B5EF4-FFF2-40B4-BE49-F238E27FC236}">
+                <a16:creationId xmlns:a16="http://schemas.microsoft.com/office/drawing/2014/main" id="{A98171CA-2547-9E39-24FA-8D89A58EED58}"/>
+              </a:ext>
+            </a:extLst>
+          </p:cNvPr>
+          <p:cNvSpPr/>
+          <p:nvPr/>
+        </p:nvSpPr>
+        <p:spPr>
+          <a:xfrm>
+            <a:off x="9122164" y="1941864"/>
+            <a:ext cx="283278" cy="1612737"/>
+          </a:xfrm>
+          <a:prstGeom prst="downArrow">
+            <a:avLst>
+              <a:gd name="adj1" fmla="val 55380"/>
+              <a:gd name="adj2" fmla="val 50000"/>
+            </a:avLst>
+          </a:prstGeom>
+          <a:solidFill>
+            <a:schemeClr val="accent6">
+              <a:lumMod val="60000"/>
+              <a:lumOff val="40000"/>
+            </a:schemeClr>
+          </a:solidFill>
+          <a:ln w="12700">
             <a:solidFill>
               <a:schemeClr val="accent6">
                 <a:lumMod val="75000"/>
@@ -4719,6 +7395,503 @@
           <a:lstStyle/>
           <a:p>
             <a:pPr algn="ctr"/>
+            <a:endParaRPr lang="en-CH"/>
+          </a:p>
+        </p:txBody>
+      </p:sp>
+      <p:sp>
+        <p:nvSpPr>
+          <p:cNvPr id="46" name="Rectangle 45">
+            <a:extLst>
+              <a:ext uri="{FF2B5EF4-FFF2-40B4-BE49-F238E27FC236}">
+                <a16:creationId xmlns:a16="http://schemas.microsoft.com/office/drawing/2014/main" id="{5C3D5770-E613-1DA5-BB63-C1A07B85132F}"/>
+              </a:ext>
+            </a:extLst>
+          </p:cNvPr>
+          <p:cNvSpPr/>
+          <p:nvPr/>
+        </p:nvSpPr>
+        <p:spPr>
+          <a:xfrm>
+            <a:off x="9200163" y="1909750"/>
+            <a:ext cx="127279" cy="89561"/>
+          </a:xfrm>
+          <a:prstGeom prst="rect">
+            <a:avLst/>
+          </a:prstGeom>
+          <a:solidFill>
+            <a:schemeClr val="accent6">
+              <a:lumMod val="60000"/>
+              <a:lumOff val="40000"/>
+            </a:schemeClr>
+          </a:solidFill>
+          <a:ln>
+            <a:noFill/>
+          </a:ln>
+        </p:spPr>
+        <p:style>
+          <a:lnRef idx="2">
+            <a:schemeClr val="accent1">
+              <a:shade val="15000"/>
+            </a:schemeClr>
+          </a:lnRef>
+          <a:fillRef idx="1">
+            <a:schemeClr val="accent1"/>
+          </a:fillRef>
+          <a:effectRef idx="0">
+            <a:schemeClr val="accent1"/>
+          </a:effectRef>
+          <a:fontRef idx="minor">
+            <a:schemeClr val="lt1"/>
+          </a:fontRef>
+        </p:style>
+        <p:txBody>
+          <a:bodyPr rtlCol="0" anchor="ctr"/>
+          <a:lstStyle/>
+          <a:p>
+            <a:pPr algn="ctr"/>
+            <a:endParaRPr lang="en-CH"/>
+          </a:p>
+        </p:txBody>
+      </p:sp>
+      <p:pic>
+        <p:nvPicPr>
+          <p:cNvPr id="47" name="Picture 46">
+            <a:extLst>
+              <a:ext uri="{FF2B5EF4-FFF2-40B4-BE49-F238E27FC236}">
+                <a16:creationId xmlns:a16="http://schemas.microsoft.com/office/drawing/2014/main" id="{B29C5455-47D9-3D76-1633-E132CC337C11}"/>
+              </a:ext>
+            </a:extLst>
+          </p:cNvPr>
+          <p:cNvPicPr>
+            <a:picLocks noChangeAspect="1"/>
+          </p:cNvPicPr>
+          <p:nvPr/>
+        </p:nvPicPr>
+        <p:blipFill>
+          <a:blip r:embed="rId12"/>
+          <a:stretch>
+            <a:fillRect/>
+          </a:stretch>
+        </p:blipFill>
+        <p:spPr>
+          <a:xfrm>
+            <a:off x="9017783" y="3589848"/>
+            <a:ext cx="462608" cy="444369"/>
+          </a:xfrm>
+          <a:prstGeom prst="rect">
+            <a:avLst/>
+          </a:prstGeom>
+        </p:spPr>
+      </p:pic>
+    </p:spTree>
+    <p:extLst>
+      <p:ext uri="{BB962C8B-B14F-4D97-AF65-F5344CB8AC3E}">
+        <p14:creationId xmlns:p14="http://schemas.microsoft.com/office/powerpoint/2010/main" val="2395627753"/>
+      </p:ext>
+    </p:extLst>
+  </p:cSld>
+  <p:clrMapOvr>
+    <a:masterClrMapping/>
+  </p:clrMapOvr>
+</p:sld>
+</file>
+
+<file path=ppt/slides/slide5.xml><?xml version="1.0" encoding="utf-8"?>
+<p:sld xmlns:a="http://schemas.openxmlformats.org/drawingml/2006/main" xmlns:r="http://schemas.openxmlformats.org/officeDocument/2006/relationships" xmlns:p="http://schemas.openxmlformats.org/presentationml/2006/main">
+  <p:cSld>
+    <p:spTree>
+      <p:nvGrpSpPr>
+        <p:cNvPr id="1" name=""/>
+        <p:cNvGrpSpPr/>
+        <p:nvPr/>
+      </p:nvGrpSpPr>
+      <p:grpSpPr>
+        <a:xfrm>
+          <a:off x="0" y="0"/>
+          <a:ext cx="0" cy="0"/>
+          <a:chOff x="0" y="0"/>
+          <a:chExt cx="0" cy="0"/>
+        </a:xfrm>
+      </p:grpSpPr>
+      <p:sp>
+        <p:nvSpPr>
+          <p:cNvPr id="32" name="Rectangle 31">
+            <a:extLst>
+              <a:ext uri="{FF2B5EF4-FFF2-40B4-BE49-F238E27FC236}">
+                <a16:creationId xmlns:a16="http://schemas.microsoft.com/office/drawing/2014/main" id="{F7888EC7-5651-C38B-291E-A266C818122E}"/>
+              </a:ext>
+            </a:extLst>
+          </p:cNvPr>
+          <p:cNvSpPr/>
+          <p:nvPr/>
+        </p:nvSpPr>
+        <p:spPr>
+          <a:xfrm rot="16200000">
+            <a:off x="4987971" y="-331313"/>
+            <a:ext cx="4149517" cy="6403859"/>
+          </a:xfrm>
+          <a:prstGeom prst="rect">
+            <a:avLst/>
+          </a:prstGeom>
+          <a:solidFill>
+            <a:schemeClr val="accent6">
+              <a:lumMod val="20000"/>
+              <a:lumOff val="80000"/>
+            </a:schemeClr>
+          </a:solidFill>
+          <a:ln w="12700">
+            <a:solidFill>
+              <a:schemeClr val="accent6">
+                <a:lumMod val="75000"/>
+              </a:schemeClr>
+            </a:solidFill>
+            <a:prstDash val="sysDot"/>
+          </a:ln>
+        </p:spPr>
+        <p:style>
+          <a:lnRef idx="2">
+            <a:schemeClr val="accent1">
+              <a:shade val="15000"/>
+            </a:schemeClr>
+          </a:lnRef>
+          <a:fillRef idx="1">
+            <a:schemeClr val="accent1"/>
+          </a:fillRef>
+          <a:effectRef idx="0">
+            <a:schemeClr val="accent1"/>
+          </a:effectRef>
+          <a:fontRef idx="minor">
+            <a:schemeClr val="lt1"/>
+          </a:fontRef>
+        </p:style>
+        <p:txBody>
+          <a:bodyPr rtlCol="0" anchor="ctr"/>
+          <a:lstStyle/>
+          <a:p>
+            <a:pPr algn="ctr"/>
+            <a:endParaRPr lang="en-CH" sz="1600" dirty="0">
+              <a:solidFill>
+                <a:schemeClr val="accent6">
+                  <a:lumMod val="50000"/>
+                </a:schemeClr>
+              </a:solidFill>
+              <a:latin typeface="Ford Antenna Medium" panose="02000505000000020004" pitchFamily="2" charset="0"/>
+            </a:endParaRPr>
+          </a:p>
+          <a:p>
+            <a:pPr algn="ctr"/>
+            <a:endParaRPr lang="en-CH" sz="1600" dirty="0">
+              <a:solidFill>
+                <a:schemeClr val="accent6">
+                  <a:lumMod val="50000"/>
+                </a:schemeClr>
+              </a:solidFill>
+              <a:latin typeface="Ford Antenna Medium" panose="02000505000000020004" pitchFamily="2" charset="0"/>
+            </a:endParaRPr>
+          </a:p>
+          <a:p>
+            <a:pPr algn="ctr"/>
+            <a:endParaRPr lang="en-CH" sz="1600" dirty="0">
+              <a:solidFill>
+                <a:schemeClr val="accent6">
+                  <a:lumMod val="50000"/>
+                </a:schemeClr>
+              </a:solidFill>
+              <a:latin typeface="Ford Antenna Medium" panose="02000505000000020004" pitchFamily="2" charset="0"/>
+            </a:endParaRPr>
+          </a:p>
+          <a:p>
+            <a:pPr algn="ctr"/>
+            <a:endParaRPr lang="en-CH" sz="1600" dirty="0">
+              <a:solidFill>
+                <a:schemeClr val="accent6">
+                  <a:lumMod val="50000"/>
+                </a:schemeClr>
+              </a:solidFill>
+              <a:latin typeface="Ford Antenna Medium" panose="02000505000000020004" pitchFamily="2" charset="0"/>
+            </a:endParaRPr>
+          </a:p>
+          <a:p>
+            <a:pPr algn="ctr"/>
+            <a:endParaRPr lang="en-CH" sz="1600" dirty="0">
+              <a:solidFill>
+                <a:schemeClr val="accent6">
+                  <a:lumMod val="50000"/>
+                </a:schemeClr>
+              </a:solidFill>
+              <a:latin typeface="Ford Antenna Medium" panose="02000505000000020004" pitchFamily="2" charset="0"/>
+            </a:endParaRPr>
+          </a:p>
+          <a:p>
+            <a:pPr algn="ctr"/>
+            <a:endParaRPr lang="en-CH" sz="1600" dirty="0">
+              <a:solidFill>
+                <a:schemeClr val="accent6">
+                  <a:lumMod val="50000"/>
+                </a:schemeClr>
+              </a:solidFill>
+              <a:latin typeface="Ford Antenna Medium" panose="02000505000000020004" pitchFamily="2" charset="0"/>
+            </a:endParaRPr>
+          </a:p>
+          <a:p>
+            <a:pPr algn="ctr"/>
+            <a:endParaRPr lang="en-CH" sz="1600" dirty="0">
+              <a:solidFill>
+                <a:schemeClr val="accent6">
+                  <a:lumMod val="50000"/>
+                </a:schemeClr>
+              </a:solidFill>
+              <a:latin typeface="Ford Antenna Medium" panose="02000505000000020004" pitchFamily="2" charset="0"/>
+            </a:endParaRPr>
+          </a:p>
+          <a:p>
+            <a:pPr algn="ctr"/>
+            <a:endParaRPr lang="en-CH" sz="1600" dirty="0">
+              <a:solidFill>
+                <a:schemeClr val="accent6">
+                  <a:lumMod val="50000"/>
+                </a:schemeClr>
+              </a:solidFill>
+              <a:latin typeface="Ford Antenna Medium" panose="02000505000000020004" pitchFamily="2" charset="0"/>
+            </a:endParaRPr>
+          </a:p>
+          <a:p>
+            <a:pPr algn="ctr"/>
+            <a:endParaRPr lang="en-CH" sz="1600" dirty="0">
+              <a:solidFill>
+                <a:schemeClr val="accent6">
+                  <a:lumMod val="50000"/>
+                </a:schemeClr>
+              </a:solidFill>
+              <a:latin typeface="Ford Antenna Medium" panose="02000505000000020004" pitchFamily="2" charset="0"/>
+            </a:endParaRPr>
+          </a:p>
+          <a:p>
+            <a:pPr algn="ctr"/>
+            <a:endParaRPr lang="en-CH" sz="1600" dirty="0">
+              <a:solidFill>
+                <a:schemeClr val="accent6">
+                  <a:lumMod val="50000"/>
+                </a:schemeClr>
+              </a:solidFill>
+              <a:latin typeface="Ford Antenna Medium" panose="02000505000000020004" pitchFamily="2" charset="0"/>
+            </a:endParaRPr>
+          </a:p>
+          <a:p>
+            <a:pPr algn="ctr"/>
+            <a:endParaRPr lang="en-CH" sz="1600" dirty="0">
+              <a:solidFill>
+                <a:schemeClr val="accent6">
+                  <a:lumMod val="50000"/>
+                </a:schemeClr>
+              </a:solidFill>
+              <a:latin typeface="Ford Antenna Medium" panose="02000505000000020004" pitchFamily="2" charset="0"/>
+            </a:endParaRPr>
+          </a:p>
+          <a:p>
+            <a:pPr algn="ctr"/>
+            <a:endParaRPr lang="en-CH" sz="1600" dirty="0">
+              <a:solidFill>
+                <a:schemeClr val="accent6">
+                  <a:lumMod val="50000"/>
+                </a:schemeClr>
+              </a:solidFill>
+              <a:latin typeface="Ford Antenna Medium" panose="02000505000000020004" pitchFamily="2" charset="0"/>
+            </a:endParaRPr>
+          </a:p>
+          <a:p>
+            <a:pPr algn="ctr"/>
+            <a:endParaRPr lang="en-CH" sz="1600" dirty="0">
+              <a:solidFill>
+                <a:schemeClr val="accent6">
+                  <a:lumMod val="50000"/>
+                </a:schemeClr>
+              </a:solidFill>
+              <a:latin typeface="Ford Antenna Medium" panose="02000505000000020004" pitchFamily="2" charset="0"/>
+            </a:endParaRPr>
+          </a:p>
+          <a:p>
+            <a:pPr algn="ctr"/>
+            <a:endParaRPr lang="en-CH" sz="1600" dirty="0">
+              <a:solidFill>
+                <a:schemeClr val="accent6">
+                  <a:lumMod val="50000"/>
+                </a:schemeClr>
+              </a:solidFill>
+              <a:latin typeface="Ford Antenna Medium" panose="02000505000000020004" pitchFamily="2" charset="0"/>
+            </a:endParaRPr>
+          </a:p>
+          <a:p>
+            <a:pPr algn="ctr"/>
+            <a:endParaRPr lang="en-CH" sz="1600" dirty="0">
+              <a:solidFill>
+                <a:schemeClr val="accent6">
+                  <a:lumMod val="50000"/>
+                </a:schemeClr>
+              </a:solidFill>
+              <a:latin typeface="Ford Antenna Medium" panose="02000505000000020004" pitchFamily="2" charset="0"/>
+            </a:endParaRPr>
+          </a:p>
+          <a:p>
+            <a:pPr algn="ctr"/>
+            <a:endParaRPr lang="en-CH" sz="1600" dirty="0">
+              <a:solidFill>
+                <a:schemeClr val="accent6">
+                  <a:lumMod val="50000"/>
+                </a:schemeClr>
+              </a:solidFill>
+              <a:latin typeface="Ford Antenna Medium" panose="02000505000000020004" pitchFamily="2" charset="0"/>
+            </a:endParaRPr>
+          </a:p>
+          <a:p>
+            <a:pPr algn="ctr"/>
+            <a:endParaRPr lang="en-CH" sz="1600" dirty="0">
+              <a:solidFill>
+                <a:schemeClr val="accent6">
+                  <a:lumMod val="50000"/>
+                </a:schemeClr>
+              </a:solidFill>
+              <a:latin typeface="Ford Antenna Medium" panose="02000505000000020004" pitchFamily="2" charset="0"/>
+            </a:endParaRPr>
+          </a:p>
+          <a:p>
+            <a:pPr algn="ctr"/>
+            <a:endParaRPr lang="en-CH" sz="1600" dirty="0">
+              <a:solidFill>
+                <a:schemeClr val="accent6">
+                  <a:lumMod val="50000"/>
+                </a:schemeClr>
+              </a:solidFill>
+              <a:latin typeface="Ford Antenna Medium" panose="02000505000000020004" pitchFamily="2" charset="0"/>
+            </a:endParaRPr>
+          </a:p>
+          <a:p>
+            <a:pPr algn="ctr"/>
+            <a:endParaRPr lang="en-CH" sz="1600" dirty="0">
+              <a:solidFill>
+                <a:schemeClr val="accent6">
+                  <a:lumMod val="50000"/>
+                </a:schemeClr>
+              </a:solidFill>
+              <a:latin typeface="Ford Antenna Medium" panose="02000505000000020004" pitchFamily="2" charset="0"/>
+            </a:endParaRPr>
+          </a:p>
+          <a:p>
+            <a:pPr algn="ctr"/>
+            <a:endParaRPr lang="en-CH" sz="1600" dirty="0">
+              <a:solidFill>
+                <a:schemeClr val="accent6">
+                  <a:lumMod val="50000"/>
+                </a:schemeClr>
+              </a:solidFill>
+              <a:latin typeface="Ford Antenna Medium" panose="02000505000000020004" pitchFamily="2" charset="0"/>
+            </a:endParaRPr>
+          </a:p>
+          <a:p>
+            <a:pPr algn="ctr"/>
+            <a:endParaRPr lang="en-CH" sz="1600" dirty="0">
+              <a:solidFill>
+                <a:schemeClr val="accent6">
+                  <a:lumMod val="50000"/>
+                </a:schemeClr>
+              </a:solidFill>
+              <a:latin typeface="Ford Antenna Medium" panose="02000505000000020004" pitchFamily="2" charset="0"/>
+            </a:endParaRPr>
+          </a:p>
+          <a:p>
+            <a:pPr algn="ctr"/>
+            <a:endParaRPr lang="en-CH" sz="2800" dirty="0">
+              <a:solidFill>
+                <a:schemeClr val="accent6">
+                  <a:lumMod val="50000"/>
+                </a:schemeClr>
+              </a:solidFill>
+              <a:latin typeface="Ford Antenna Medium" panose="02000505000000020004" pitchFamily="2" charset="0"/>
+            </a:endParaRPr>
+          </a:p>
+          <a:p>
+            <a:pPr algn="ctr"/>
+            <a:endParaRPr lang="en-CH" sz="1400" dirty="0">
+              <a:solidFill>
+                <a:schemeClr val="accent6">
+                  <a:lumMod val="50000"/>
+                </a:schemeClr>
+              </a:solidFill>
+              <a:latin typeface="Ford Antenna Medium" panose="02000505000000020004" pitchFamily="2" charset="0"/>
+            </a:endParaRPr>
+          </a:p>
+          <a:p>
+            <a:pPr algn="ctr"/>
+            <a:r>
+              <a:rPr lang="en-CH" sz="1600" dirty="0">
+                <a:solidFill>
+                  <a:schemeClr val="accent6">
+                    <a:lumMod val="50000"/>
+                  </a:schemeClr>
+                </a:solidFill>
+                <a:latin typeface="Ford Antenna Medium" panose="02000505000000020004" pitchFamily="2" charset="0"/>
+              </a:rPr>
+              <a:t>(Platform) Business</a:t>
+            </a:r>
+          </a:p>
+        </p:txBody>
+      </p:sp>
+      <p:sp>
+        <p:nvSpPr>
+          <p:cNvPr id="34" name="Rectangle 33">
+            <a:extLst>
+              <a:ext uri="{FF2B5EF4-FFF2-40B4-BE49-F238E27FC236}">
+                <a16:creationId xmlns:a16="http://schemas.microsoft.com/office/drawing/2014/main" id="{9246D1E2-C5DD-8891-1755-488B4DBF0DCF}"/>
+              </a:ext>
+            </a:extLst>
+          </p:cNvPr>
+          <p:cNvSpPr/>
+          <p:nvPr/>
+        </p:nvSpPr>
+        <p:spPr>
+          <a:xfrm>
+            <a:off x="3967838" y="889000"/>
+            <a:ext cx="2421153" cy="2486497"/>
+          </a:xfrm>
+          <a:prstGeom prst="rect">
+            <a:avLst/>
+          </a:prstGeom>
+          <a:solidFill>
+            <a:schemeClr val="accent6">
+              <a:lumMod val="40000"/>
+              <a:lumOff val="60000"/>
+            </a:schemeClr>
+          </a:solidFill>
+          <a:ln w="12700">
+            <a:solidFill>
+              <a:schemeClr val="accent6">
+                <a:lumMod val="75000"/>
+              </a:schemeClr>
+            </a:solidFill>
+            <a:prstDash val="sysDot"/>
+          </a:ln>
+        </p:spPr>
+        <p:style>
+          <a:lnRef idx="2">
+            <a:schemeClr val="accent1">
+              <a:shade val="15000"/>
+            </a:schemeClr>
+          </a:lnRef>
+          <a:fillRef idx="1">
+            <a:schemeClr val="accent1"/>
+          </a:fillRef>
+          <a:effectRef idx="0">
+            <a:schemeClr val="accent1"/>
+          </a:effectRef>
+          <a:fontRef idx="minor">
+            <a:schemeClr val="lt1"/>
+          </a:fontRef>
+        </p:style>
+        <p:txBody>
+          <a:bodyPr rtlCol="0" anchor="ctr"/>
+          <a:lstStyle/>
+          <a:p>
             <a:r>
               <a:rPr lang="en-CH" sz="1600" dirty="0">
                 <a:solidFill>
@@ -4823,10 +7996,10 @@
       </p:sp>
       <p:sp>
         <p:nvSpPr>
-          <p:cNvPr id="32" name="Rectangle 31">
-            <a:extLst>
-              <a:ext uri="{FF2B5EF4-FFF2-40B4-BE49-F238E27FC236}">
-                <a16:creationId xmlns:a16="http://schemas.microsoft.com/office/drawing/2014/main" id="{F7888EC7-5651-C38B-291E-A266C818122E}"/>
+          <p:cNvPr id="31" name="Rectangle 30">
+            <a:extLst>
+              <a:ext uri="{FF2B5EF4-FFF2-40B4-BE49-F238E27FC236}">
+                <a16:creationId xmlns:a16="http://schemas.microsoft.com/office/drawing/2014/main" id="{D74D6442-B293-C2C9-1562-61F9CC7EC350}"/>
               </a:ext>
             </a:extLst>
           </p:cNvPr>
@@ -4834,15 +8007,20 @@
           <p:nvPr/>
         </p:nvSpPr>
         <p:spPr>
-          <a:xfrm rot="16200000">
-            <a:off x="4732867" y="-76207"/>
-            <a:ext cx="4250265" cy="5994400"/>
-          </a:xfrm>
-          <a:prstGeom prst="rect">
-            <a:avLst/>
-          </a:prstGeom>
-          <a:noFill/>
-          <a:ln>
+          <a:xfrm>
+            <a:off x="6686876" y="889000"/>
+            <a:ext cx="2329544" cy="2486497"/>
+          </a:xfrm>
+          <a:prstGeom prst="rect">
+            <a:avLst/>
+          </a:prstGeom>
+          <a:solidFill>
+            <a:schemeClr val="accent6">
+              <a:lumMod val="40000"/>
+              <a:lumOff val="60000"/>
+            </a:schemeClr>
+          </a:solidFill>
+          <a:ln w="12700">
             <a:solidFill>
               <a:schemeClr val="accent6">
                 <a:lumMod val="75000"/>
@@ -4870,6 +8048,721 @@
         <p:txBody>
           <a:bodyPr rtlCol="0" anchor="ctr"/>
           <a:lstStyle/>
+          <a:p>
+            <a:r>
+              <a:rPr lang="en-CH" sz="1600" dirty="0">
+                <a:solidFill>
+                  <a:schemeClr val="accent6">
+                    <a:lumMod val="50000"/>
+                  </a:schemeClr>
+                </a:solidFill>
+                <a:latin typeface="Ford Antenna Medium" panose="02000505000000020004" pitchFamily="2" charset="0"/>
+              </a:rPr>
+              <a:t>Business Platform</a:t>
+            </a:r>
+          </a:p>
+          <a:p>
+            <a:endParaRPr lang="en-CH" sz="2800" dirty="0">
+              <a:solidFill>
+                <a:schemeClr val="accent6">
+                  <a:lumMod val="50000"/>
+                </a:schemeClr>
+              </a:solidFill>
+              <a:latin typeface="Ford Antenna Medium" panose="02000505000000020004" pitchFamily="2" charset="0"/>
+            </a:endParaRPr>
+          </a:p>
+          <a:p>
+            <a:endParaRPr lang="en-CH" sz="1600" dirty="0">
+              <a:solidFill>
+                <a:schemeClr val="accent6">
+                  <a:lumMod val="50000"/>
+                </a:schemeClr>
+              </a:solidFill>
+              <a:latin typeface="Ford Antenna Medium" panose="02000505000000020004" pitchFamily="2" charset="0"/>
+            </a:endParaRPr>
+          </a:p>
+          <a:p>
+            <a:endParaRPr lang="en-CH" sz="1600" dirty="0">
+              <a:solidFill>
+                <a:schemeClr val="accent6">
+                  <a:lumMod val="50000"/>
+                </a:schemeClr>
+              </a:solidFill>
+              <a:latin typeface="Ford Antenna Medium" panose="02000505000000020004" pitchFamily="2" charset="0"/>
+            </a:endParaRPr>
+          </a:p>
+          <a:p>
+            <a:endParaRPr lang="en-CH" sz="1600" dirty="0">
+              <a:solidFill>
+                <a:schemeClr val="accent6">
+                  <a:lumMod val="50000"/>
+                </a:schemeClr>
+              </a:solidFill>
+              <a:latin typeface="Ford Antenna Medium" panose="02000505000000020004" pitchFamily="2" charset="0"/>
+            </a:endParaRPr>
+          </a:p>
+          <a:p>
+            <a:endParaRPr lang="en-CH" sz="1600" dirty="0">
+              <a:solidFill>
+                <a:schemeClr val="accent6">
+                  <a:lumMod val="50000"/>
+                </a:schemeClr>
+              </a:solidFill>
+              <a:latin typeface="Ford Antenna Medium" panose="02000505000000020004" pitchFamily="2" charset="0"/>
+            </a:endParaRPr>
+          </a:p>
+          <a:p>
+            <a:endParaRPr lang="en-CH" sz="1600" dirty="0">
+              <a:solidFill>
+                <a:schemeClr val="accent6">
+                  <a:lumMod val="50000"/>
+                </a:schemeClr>
+              </a:solidFill>
+              <a:latin typeface="Ford Antenna Medium" panose="02000505000000020004" pitchFamily="2" charset="0"/>
+            </a:endParaRPr>
+          </a:p>
+          <a:p>
+            <a:endParaRPr lang="en-CH" sz="1600" dirty="0">
+              <a:solidFill>
+                <a:schemeClr val="accent6">
+                  <a:lumMod val="50000"/>
+                </a:schemeClr>
+              </a:solidFill>
+              <a:latin typeface="Ford Antenna Medium" panose="02000505000000020004" pitchFamily="2" charset="0"/>
+            </a:endParaRPr>
+          </a:p>
+          <a:p>
+            <a:endParaRPr lang="en-CH" sz="1600" dirty="0">
+              <a:solidFill>
+                <a:schemeClr val="accent6">
+                  <a:lumMod val="50000"/>
+                </a:schemeClr>
+              </a:solidFill>
+              <a:latin typeface="Ford Antenna Medium" panose="02000505000000020004" pitchFamily="2" charset="0"/>
+            </a:endParaRPr>
+          </a:p>
+        </p:txBody>
+      </p:sp>
+      <p:sp>
+        <p:nvSpPr>
+          <p:cNvPr id="12" name="Rectangle 11">
+            <a:extLst>
+              <a:ext uri="{FF2B5EF4-FFF2-40B4-BE49-F238E27FC236}">
+                <a16:creationId xmlns:a16="http://schemas.microsoft.com/office/drawing/2014/main" id="{948F4666-D7DC-9C52-C509-472A9235901D}"/>
+              </a:ext>
+            </a:extLst>
+          </p:cNvPr>
+          <p:cNvSpPr/>
+          <p:nvPr/>
+        </p:nvSpPr>
+        <p:spPr>
+          <a:xfrm>
+            <a:off x="3957574" y="4194880"/>
+            <a:ext cx="5647063" cy="635297"/>
+          </a:xfrm>
+          <a:prstGeom prst="rect">
+            <a:avLst/>
+          </a:prstGeom>
+          <a:solidFill>
+            <a:schemeClr val="accent6">
+              <a:lumMod val="20000"/>
+              <a:lumOff val="80000"/>
+            </a:schemeClr>
+          </a:solidFill>
+          <a:ln>
+            <a:solidFill>
+              <a:schemeClr val="accent6">
+                <a:lumMod val="75000"/>
+              </a:schemeClr>
+            </a:solidFill>
+          </a:ln>
+        </p:spPr>
+        <p:style>
+          <a:lnRef idx="2">
+            <a:schemeClr val="accent1">
+              <a:shade val="15000"/>
+            </a:schemeClr>
+          </a:lnRef>
+          <a:fillRef idx="1">
+            <a:schemeClr val="accent1"/>
+          </a:fillRef>
+          <a:effectRef idx="0">
+            <a:schemeClr val="accent1"/>
+          </a:effectRef>
+          <a:fontRef idx="minor">
+            <a:schemeClr val="lt1"/>
+          </a:fontRef>
+        </p:style>
+        <p:txBody>
+          <a:bodyPr rtlCol="0" anchor="ctr"/>
+          <a:lstStyle/>
+          <a:p>
+            <a:r>
+              <a:rPr lang="en-CH" sz="1600" dirty="0">
+                <a:solidFill>
+                  <a:schemeClr val="accent6">
+                    <a:lumMod val="50000"/>
+                  </a:schemeClr>
+                </a:solidFill>
+                <a:latin typeface="Ford Antenna Medium" panose="02000505000000020004" pitchFamily="2" charset="0"/>
+              </a:rPr>
+              <a:t>       Infrastructure</a:t>
+            </a:r>
+            <a:br>
+              <a:rPr lang="en-CH" sz="1600" dirty="0">
+                <a:solidFill>
+                  <a:schemeClr val="accent6">
+                    <a:lumMod val="50000"/>
+                  </a:schemeClr>
+                </a:solidFill>
+                <a:latin typeface="Ford Antenna Medium" panose="02000505000000020004" pitchFamily="2" charset="0"/>
+              </a:rPr>
+            </a:br>
+            <a:r>
+              <a:rPr lang="en-CH" sz="1600" dirty="0">
+                <a:solidFill>
+                  <a:schemeClr val="accent6">
+                    <a:lumMod val="50000"/>
+                  </a:schemeClr>
+                </a:solidFill>
+                <a:latin typeface="Ford Antenna Medium" panose="02000505000000020004" pitchFamily="2" charset="0"/>
+              </a:rPr>
+              <a:t>             Platform</a:t>
+            </a:r>
+          </a:p>
+        </p:txBody>
+      </p:sp>
+      <p:sp>
+        <p:nvSpPr>
+          <p:cNvPr id="14" name="Rectangle 13">
+            <a:extLst>
+              <a:ext uri="{FF2B5EF4-FFF2-40B4-BE49-F238E27FC236}">
+                <a16:creationId xmlns:a16="http://schemas.microsoft.com/office/drawing/2014/main" id="{0F9AC90B-9DCB-C6EA-E626-366E62A24DBB}"/>
+              </a:ext>
+            </a:extLst>
+          </p:cNvPr>
+          <p:cNvSpPr/>
+          <p:nvPr/>
+        </p:nvSpPr>
+        <p:spPr>
+          <a:xfrm>
+            <a:off x="3957575" y="3467540"/>
+            <a:ext cx="5647063" cy="635297"/>
+          </a:xfrm>
+          <a:prstGeom prst="rect">
+            <a:avLst/>
+          </a:prstGeom>
+          <a:solidFill>
+            <a:schemeClr val="accent6">
+              <a:lumMod val="20000"/>
+              <a:lumOff val="80000"/>
+            </a:schemeClr>
+          </a:solidFill>
+          <a:ln>
+            <a:solidFill>
+              <a:schemeClr val="accent6">
+                <a:lumMod val="75000"/>
+              </a:schemeClr>
+            </a:solidFill>
+          </a:ln>
+        </p:spPr>
+        <p:style>
+          <a:lnRef idx="2">
+            <a:schemeClr val="accent1">
+              <a:shade val="15000"/>
+            </a:schemeClr>
+          </a:lnRef>
+          <a:fillRef idx="1">
+            <a:schemeClr val="accent1"/>
+          </a:fillRef>
+          <a:effectRef idx="0">
+            <a:schemeClr val="accent1"/>
+          </a:effectRef>
+          <a:fontRef idx="minor">
+            <a:schemeClr val="lt1"/>
+          </a:fontRef>
+        </p:style>
+        <p:txBody>
+          <a:bodyPr rtlCol="0" anchor="ctr"/>
+          <a:lstStyle/>
+          <a:p>
+            <a:r>
+              <a:rPr lang="en-CH" sz="1600" dirty="0">
+                <a:solidFill>
+                  <a:schemeClr val="accent6">
+                    <a:lumMod val="50000"/>
+                  </a:schemeClr>
+                </a:solidFill>
+                <a:latin typeface="Ford Antenna Medium" panose="02000505000000020004" pitchFamily="2" charset="0"/>
+              </a:rPr>
+              <a:t> Internal Developer</a:t>
+            </a:r>
+            <a:br>
+              <a:rPr lang="en-CH" sz="1600" dirty="0">
+                <a:solidFill>
+                  <a:schemeClr val="accent6">
+                    <a:lumMod val="50000"/>
+                  </a:schemeClr>
+                </a:solidFill>
+                <a:latin typeface="Ford Antenna Medium" panose="02000505000000020004" pitchFamily="2" charset="0"/>
+              </a:rPr>
+            </a:br>
+            <a:r>
+              <a:rPr lang="en-CH" sz="1600" dirty="0">
+                <a:solidFill>
+                  <a:schemeClr val="accent6">
+                    <a:lumMod val="50000"/>
+                  </a:schemeClr>
+                </a:solidFill>
+                <a:latin typeface="Ford Antenna Medium" panose="02000505000000020004" pitchFamily="2" charset="0"/>
+              </a:rPr>
+              <a:t>             Platform</a:t>
+            </a:r>
+          </a:p>
+        </p:txBody>
+      </p:sp>
+      <p:pic>
+        <p:nvPicPr>
+          <p:cNvPr id="19" name="Picture 2">
+            <a:extLst>
+              <a:ext uri="{FF2B5EF4-FFF2-40B4-BE49-F238E27FC236}">
+                <a16:creationId xmlns:a16="http://schemas.microsoft.com/office/drawing/2014/main" id="{43051758-15F3-0954-1EDF-D183FD3FFD19}"/>
+              </a:ext>
+            </a:extLst>
+          </p:cNvPr>
+          <p:cNvPicPr>
+            <a:picLocks noChangeAspect="1" noChangeArrowheads="1"/>
+          </p:cNvPicPr>
+          <p:nvPr/>
+        </p:nvPicPr>
+        <p:blipFill>
+          <a:blip r:embed="rId2">
+            <a:extLst>
+              <a:ext uri="{28A0092B-C50C-407E-A947-70E740481C1C}">
+                <a14:useLocalDpi xmlns:a14="http://schemas.microsoft.com/office/drawing/2010/main" val="0"/>
+              </a:ext>
+            </a:extLst>
+          </a:blip>
+          <a:srcRect/>
+          <a:stretch>
+            <a:fillRect/>
+          </a:stretch>
+        </p:blipFill>
+        <p:spPr bwMode="auto">
+          <a:xfrm>
+            <a:off x="7215802" y="4319942"/>
+            <a:ext cx="427734" cy="427734"/>
+          </a:xfrm>
+          <a:prstGeom prst="rect">
+            <a:avLst/>
+          </a:prstGeom>
+          <a:noFill/>
+          <a:extLst>
+            <a:ext uri="{909E8E84-426E-40DD-AFC4-6F175D3DCCD1}">
+              <a14:hiddenFill xmlns:a14="http://schemas.microsoft.com/office/drawing/2010/main">
+                <a:solidFill>
+                  <a:srgbClr val="FFFFFF"/>
+                </a:solidFill>
+              </a14:hiddenFill>
+            </a:ext>
+          </a:extLst>
+        </p:spPr>
+      </p:pic>
+      <p:pic>
+        <p:nvPicPr>
+          <p:cNvPr id="28" name="Picture 6">
+            <a:extLst>
+              <a:ext uri="{FF2B5EF4-FFF2-40B4-BE49-F238E27FC236}">
+                <a16:creationId xmlns:a16="http://schemas.microsoft.com/office/drawing/2014/main" id="{1FE3D0E3-6ABA-0D33-BC55-487703B3B936}"/>
+              </a:ext>
+            </a:extLst>
+          </p:cNvPr>
+          <p:cNvPicPr>
+            <a:picLocks noChangeAspect="1" noChangeArrowheads="1"/>
+          </p:cNvPicPr>
+          <p:nvPr/>
+        </p:nvPicPr>
+        <p:blipFill>
+          <a:blip r:embed="rId3">
+            <a:extLst>
+              <a:ext uri="{28A0092B-C50C-407E-A947-70E740481C1C}">
+                <a14:useLocalDpi xmlns:a14="http://schemas.microsoft.com/office/drawing/2010/main" val="0"/>
+              </a:ext>
+            </a:extLst>
+          </a:blip>
+          <a:srcRect/>
+          <a:stretch>
+            <a:fillRect/>
+          </a:stretch>
+        </p:blipFill>
+        <p:spPr bwMode="auto">
+          <a:xfrm>
+            <a:off x="7872432" y="4317161"/>
+            <a:ext cx="714277" cy="427734"/>
+          </a:xfrm>
+          <a:prstGeom prst="rect">
+            <a:avLst/>
+          </a:prstGeom>
+          <a:noFill/>
+          <a:extLst>
+            <a:ext uri="{909E8E84-426E-40DD-AFC4-6F175D3DCCD1}">
+              <a14:hiddenFill xmlns:a14="http://schemas.microsoft.com/office/drawing/2010/main">
+                <a:solidFill>
+                  <a:srgbClr val="FFFFFF"/>
+                </a:solidFill>
+              </a14:hiddenFill>
+            </a:ext>
+          </a:extLst>
+        </p:spPr>
+      </p:pic>
+      <p:pic>
+        <p:nvPicPr>
+          <p:cNvPr id="30" name="Picture 29">
+            <a:extLst>
+              <a:ext uri="{FF2B5EF4-FFF2-40B4-BE49-F238E27FC236}">
+                <a16:creationId xmlns:a16="http://schemas.microsoft.com/office/drawing/2014/main" id="{724704B0-3E26-D449-8E95-7249ED82FD71}"/>
+              </a:ext>
+            </a:extLst>
+          </p:cNvPr>
+          <p:cNvPicPr>
+            <a:picLocks noChangeAspect="1"/>
+          </p:cNvPicPr>
+          <p:nvPr/>
+        </p:nvPicPr>
+        <p:blipFill>
+          <a:blip r:embed="rId4"/>
+          <a:stretch>
+            <a:fillRect/>
+          </a:stretch>
+        </p:blipFill>
+        <p:spPr>
+          <a:xfrm>
+            <a:off x="8806129" y="4290490"/>
+            <a:ext cx="574159" cy="444076"/>
+          </a:xfrm>
+          <a:prstGeom prst="rect">
+            <a:avLst/>
+          </a:prstGeom>
+        </p:spPr>
+      </p:pic>
+      <p:pic>
+        <p:nvPicPr>
+          <p:cNvPr id="35" name="Graphic 34" descr="Computer with solid fill">
+            <a:extLst>
+              <a:ext uri="{FF2B5EF4-FFF2-40B4-BE49-F238E27FC236}">
+                <a16:creationId xmlns:a16="http://schemas.microsoft.com/office/drawing/2014/main" id="{378879E7-F9C0-3FD9-E5D5-DAB2B9AFFCAF}"/>
+              </a:ext>
+            </a:extLst>
+          </p:cNvPr>
+          <p:cNvPicPr>
+            <a:picLocks noChangeAspect="1"/>
+          </p:cNvPicPr>
+          <p:nvPr/>
+        </p:nvPicPr>
+        <p:blipFill>
+          <a:blip r:embed="rId5">
+            <a:extLst>
+              <a:ext uri="{96DAC541-7B7A-43D3-8B79-37D633B846F1}">
+                <asvg:svgBlip xmlns:asvg="http://schemas.microsoft.com/office/drawing/2016/SVG/main" r:embed="rId6"/>
+              </a:ext>
+            </a:extLst>
+          </a:blip>
+          <a:stretch>
+            <a:fillRect/>
+          </a:stretch>
+        </p:blipFill>
+        <p:spPr>
+          <a:xfrm>
+            <a:off x="6391475" y="4236094"/>
+            <a:ext cx="595431" cy="595431"/>
+          </a:xfrm>
+          <a:prstGeom prst="rect">
+            <a:avLst/>
+          </a:prstGeom>
+        </p:spPr>
+      </p:pic>
+      <p:pic>
+        <p:nvPicPr>
+          <p:cNvPr id="36" name="Picture 35">
+            <a:extLst>
+              <a:ext uri="{FF2B5EF4-FFF2-40B4-BE49-F238E27FC236}">
+                <a16:creationId xmlns:a16="http://schemas.microsoft.com/office/drawing/2014/main" id="{3F60AFDB-AFFB-F333-4AA0-39244D2343F6}"/>
+              </a:ext>
+            </a:extLst>
+          </p:cNvPr>
+          <p:cNvPicPr>
+            <a:picLocks noChangeAspect="1"/>
+          </p:cNvPicPr>
+          <p:nvPr/>
+        </p:nvPicPr>
+        <p:blipFill>
+          <a:blip r:embed="rId7"/>
+          <a:stretch>
+            <a:fillRect/>
+          </a:stretch>
+        </p:blipFill>
+        <p:spPr>
+          <a:xfrm>
+            <a:off x="6857999" y="3558269"/>
+            <a:ext cx="401602" cy="453758"/>
+          </a:xfrm>
+          <a:prstGeom prst="rect">
+            <a:avLst/>
+          </a:prstGeom>
+        </p:spPr>
+      </p:pic>
+      <p:pic>
+        <p:nvPicPr>
+          <p:cNvPr id="37" name="Picture 22">
+            <a:extLst>
+              <a:ext uri="{FF2B5EF4-FFF2-40B4-BE49-F238E27FC236}">
+                <a16:creationId xmlns:a16="http://schemas.microsoft.com/office/drawing/2014/main" id="{973242A1-6F30-543C-1510-460FE5E75313}"/>
+              </a:ext>
+            </a:extLst>
+          </p:cNvPr>
+          <p:cNvPicPr>
+            <a:picLocks noChangeAspect="1" noChangeArrowheads="1"/>
+          </p:cNvPicPr>
+          <p:nvPr/>
+        </p:nvPicPr>
+        <p:blipFill>
+          <a:blip r:embed="rId8">
+            <a:extLst>
+              <a:ext uri="{28A0092B-C50C-407E-A947-70E740481C1C}">
+                <a14:useLocalDpi xmlns:a14="http://schemas.microsoft.com/office/drawing/2010/main" val="0"/>
+              </a:ext>
+            </a:extLst>
+          </a:blip>
+          <a:srcRect/>
+          <a:stretch>
+            <a:fillRect/>
+          </a:stretch>
+        </p:blipFill>
+        <p:spPr bwMode="auto">
+          <a:xfrm>
+            <a:off x="7380596" y="3581168"/>
+            <a:ext cx="328660" cy="453758"/>
+          </a:xfrm>
+          <a:prstGeom prst="rect">
+            <a:avLst/>
+          </a:prstGeom>
+          <a:noFill/>
+          <a:extLst>
+            <a:ext uri="{909E8E84-426E-40DD-AFC4-6F175D3DCCD1}">
+              <a14:hiddenFill xmlns:a14="http://schemas.microsoft.com/office/drawing/2010/main">
+                <a:solidFill>
+                  <a:srgbClr val="FFFFFF"/>
+                </a:solidFill>
+              </a14:hiddenFill>
+            </a:ext>
+          </a:extLst>
+        </p:spPr>
+      </p:pic>
+      <p:pic>
+        <p:nvPicPr>
+          <p:cNvPr id="38" name="Picture 28">
+            <a:extLst>
+              <a:ext uri="{FF2B5EF4-FFF2-40B4-BE49-F238E27FC236}">
+                <a16:creationId xmlns:a16="http://schemas.microsoft.com/office/drawing/2014/main" id="{20CB98DB-5537-AE05-EF93-3E31456CA699}"/>
+              </a:ext>
+            </a:extLst>
+          </p:cNvPr>
+          <p:cNvPicPr>
+            <a:picLocks noChangeAspect="1" noChangeArrowheads="1"/>
+          </p:cNvPicPr>
+          <p:nvPr/>
+        </p:nvPicPr>
+        <p:blipFill>
+          <a:blip r:embed="rId9">
+            <a:extLst>
+              <a:ext uri="{28A0092B-C50C-407E-A947-70E740481C1C}">
+                <a14:useLocalDpi xmlns:a14="http://schemas.microsoft.com/office/drawing/2010/main" val="0"/>
+              </a:ext>
+            </a:extLst>
+          </a:blip>
+          <a:srcRect/>
+          <a:stretch>
+            <a:fillRect/>
+          </a:stretch>
+        </p:blipFill>
+        <p:spPr bwMode="auto">
+          <a:xfrm>
+            <a:off x="7827948" y="3573072"/>
+            <a:ext cx="496592" cy="482085"/>
+          </a:xfrm>
+          <a:prstGeom prst="rect">
+            <a:avLst/>
+          </a:prstGeom>
+          <a:noFill/>
+          <a:extLst>
+            <a:ext uri="{909E8E84-426E-40DD-AFC4-6F175D3DCCD1}">
+              <a14:hiddenFill xmlns:a14="http://schemas.microsoft.com/office/drawing/2010/main">
+                <a:solidFill>
+                  <a:srgbClr val="FFFFFF"/>
+                </a:solidFill>
+              </a14:hiddenFill>
+            </a:ext>
+          </a:extLst>
+        </p:spPr>
+      </p:pic>
+      <p:pic>
+        <p:nvPicPr>
+          <p:cNvPr id="39" name="Picture 38">
+            <a:extLst>
+              <a:ext uri="{FF2B5EF4-FFF2-40B4-BE49-F238E27FC236}">
+                <a16:creationId xmlns:a16="http://schemas.microsoft.com/office/drawing/2014/main" id="{109C4A71-30B0-FE46-C6A4-DF1E04399F44}"/>
+              </a:ext>
+            </a:extLst>
+          </p:cNvPr>
+          <p:cNvPicPr>
+            <a:picLocks noChangeAspect="1"/>
+          </p:cNvPicPr>
+          <p:nvPr/>
+        </p:nvPicPr>
+        <p:blipFill>
+          <a:blip r:embed="rId10"/>
+          <a:stretch>
+            <a:fillRect/>
+          </a:stretch>
+        </p:blipFill>
+        <p:spPr>
+          <a:xfrm>
+            <a:off x="8445111" y="3570299"/>
+            <a:ext cx="453758" cy="485539"/>
+          </a:xfrm>
+          <a:prstGeom prst="rect">
+            <a:avLst/>
+          </a:prstGeom>
+        </p:spPr>
+      </p:pic>
+      <p:pic>
+        <p:nvPicPr>
+          <p:cNvPr id="45" name="Picture 44">
+            <a:extLst>
+              <a:ext uri="{FF2B5EF4-FFF2-40B4-BE49-F238E27FC236}">
+                <a16:creationId xmlns:a16="http://schemas.microsoft.com/office/drawing/2014/main" id="{31B32142-6F75-6846-1C87-2A8BCBD0D0C4}"/>
+              </a:ext>
+            </a:extLst>
+          </p:cNvPr>
+          <p:cNvPicPr>
+            <a:picLocks noChangeAspect="1"/>
+          </p:cNvPicPr>
+          <p:nvPr/>
+        </p:nvPicPr>
+        <p:blipFill>
+          <a:blip r:embed="rId11"/>
+          <a:stretch>
+            <a:fillRect/>
+          </a:stretch>
+        </p:blipFill>
+        <p:spPr>
+          <a:xfrm>
+            <a:off x="6260800" y="3589848"/>
+            <a:ext cx="453758" cy="428932"/>
+          </a:xfrm>
+          <a:prstGeom prst="rect">
+            <a:avLst/>
+          </a:prstGeom>
+        </p:spPr>
+      </p:pic>
+      <p:pic>
+        <p:nvPicPr>
+          <p:cNvPr id="46" name="Picture 45">
+            <a:extLst>
+              <a:ext uri="{FF2B5EF4-FFF2-40B4-BE49-F238E27FC236}">
+                <a16:creationId xmlns:a16="http://schemas.microsoft.com/office/drawing/2014/main" id="{1321C1E9-BDF6-CFAF-86C7-148A53DE4DF5}"/>
+              </a:ext>
+            </a:extLst>
+          </p:cNvPr>
+          <p:cNvPicPr>
+            <a:picLocks noChangeAspect="1"/>
+          </p:cNvPicPr>
+          <p:nvPr/>
+        </p:nvPicPr>
+        <p:blipFill>
+          <a:blip r:embed="rId12"/>
+          <a:stretch>
+            <a:fillRect/>
+          </a:stretch>
+        </p:blipFill>
+        <p:spPr>
+          <a:xfrm>
+            <a:off x="9017783" y="3589848"/>
+            <a:ext cx="462608" cy="444369"/>
+          </a:xfrm>
+          <a:prstGeom prst="rect">
+            <a:avLst/>
+          </a:prstGeom>
+        </p:spPr>
+      </p:pic>
+      <p:sp>
+        <p:nvSpPr>
+          <p:cNvPr id="47" name="Rectangle 46">
+            <a:extLst>
+              <a:ext uri="{FF2B5EF4-FFF2-40B4-BE49-F238E27FC236}">
+                <a16:creationId xmlns:a16="http://schemas.microsoft.com/office/drawing/2014/main" id="{62B9F2BB-8D92-898A-04FD-928F06153DDE}"/>
+              </a:ext>
+            </a:extLst>
+          </p:cNvPr>
+          <p:cNvSpPr/>
+          <p:nvPr/>
+        </p:nvSpPr>
+        <p:spPr>
+          <a:xfrm>
+            <a:off x="4066924" y="1261533"/>
+            <a:ext cx="5537713" cy="683999"/>
+          </a:xfrm>
+          <a:prstGeom prst="rect">
+            <a:avLst/>
+          </a:prstGeom>
+          <a:solidFill>
+            <a:schemeClr val="accent6">
+              <a:lumMod val="60000"/>
+              <a:lumOff val="40000"/>
+            </a:schemeClr>
+          </a:solidFill>
+          <a:ln w="12700">
+            <a:solidFill>
+              <a:schemeClr val="accent6">
+                <a:lumMod val="75000"/>
+              </a:schemeClr>
+            </a:solidFill>
+            <a:prstDash val="sysDot"/>
+          </a:ln>
+        </p:spPr>
+        <p:style>
+          <a:lnRef idx="2">
+            <a:schemeClr val="accent1">
+              <a:shade val="15000"/>
+            </a:schemeClr>
+          </a:lnRef>
+          <a:fillRef idx="1">
+            <a:schemeClr val="accent1"/>
+          </a:fillRef>
+          <a:effectRef idx="0">
+            <a:schemeClr val="accent1"/>
+          </a:effectRef>
+          <a:fontRef idx="minor">
+            <a:schemeClr val="lt1"/>
+          </a:fontRef>
+        </p:style>
+        <p:txBody>
+          <a:bodyPr rtlCol="0" anchor="ctr"/>
+          <a:lstStyle/>
+          <a:p>
+            <a:pPr algn="ctr"/>
+            <a:r>
+              <a:rPr lang="en-CH" sz="1600" dirty="0">
+                <a:solidFill>
+                  <a:schemeClr val="accent6">
+                    <a:lumMod val="50000"/>
+                  </a:schemeClr>
+                </a:solidFill>
+                <a:latin typeface="Ford Antenna Medium" panose="02000505000000020004" pitchFamily="2" charset="0"/>
+              </a:rPr>
+              <a:t>API Platform</a:t>
+            </a:r>
+          </a:p>
           <a:p>
             <a:pPr algn="ctr"/>
             <a:endParaRPr lang="en-CH" sz="1600" dirty="0">
@@ -4881,226 +8774,179 @@
               <a:latin typeface="Ford Antenna Medium" panose="02000505000000020004" pitchFamily="2" charset="0"/>
             </a:endParaRPr>
           </a:p>
+        </p:txBody>
+      </p:sp>
+      <p:sp>
+        <p:nvSpPr>
+          <p:cNvPr id="48" name="Down Arrow 47">
+            <a:extLst>
+              <a:ext uri="{FF2B5EF4-FFF2-40B4-BE49-F238E27FC236}">
+                <a16:creationId xmlns:a16="http://schemas.microsoft.com/office/drawing/2014/main" id="{4FE1C006-A04C-ECE0-CE76-C87FED98763A}"/>
+              </a:ext>
+            </a:extLst>
+          </p:cNvPr>
+          <p:cNvSpPr/>
+          <p:nvPr/>
+        </p:nvSpPr>
+        <p:spPr>
+          <a:xfrm>
+            <a:off x="9122164" y="1941864"/>
+            <a:ext cx="283278" cy="1612737"/>
+          </a:xfrm>
+          <a:prstGeom prst="downArrow">
+            <a:avLst>
+              <a:gd name="adj1" fmla="val 55380"/>
+              <a:gd name="adj2" fmla="val 50000"/>
+            </a:avLst>
+          </a:prstGeom>
+          <a:solidFill>
+            <a:schemeClr val="accent6">
+              <a:lumMod val="60000"/>
+              <a:lumOff val="40000"/>
+            </a:schemeClr>
+          </a:solidFill>
+          <a:ln w="12700">
+            <a:solidFill>
+              <a:schemeClr val="accent6">
+                <a:lumMod val="75000"/>
+              </a:schemeClr>
+            </a:solidFill>
+            <a:prstDash val="sysDot"/>
+          </a:ln>
+        </p:spPr>
+        <p:style>
+          <a:lnRef idx="2">
+            <a:schemeClr val="accent1">
+              <a:shade val="15000"/>
+            </a:schemeClr>
+          </a:lnRef>
+          <a:fillRef idx="1">
+            <a:schemeClr val="accent1"/>
+          </a:fillRef>
+          <a:effectRef idx="0">
+            <a:schemeClr val="accent1"/>
+          </a:effectRef>
+          <a:fontRef idx="minor">
+            <a:schemeClr val="lt1"/>
+          </a:fontRef>
+        </p:style>
+        <p:txBody>
+          <a:bodyPr rtlCol="0" anchor="ctr"/>
+          <a:lstStyle/>
           <a:p>
             <a:pPr algn="ctr"/>
-            <a:endParaRPr lang="en-CH" sz="1600" dirty="0">
-              <a:solidFill>
-                <a:schemeClr val="accent6">
-                  <a:lumMod val="50000"/>
-                </a:schemeClr>
-              </a:solidFill>
-              <a:latin typeface="Ford Antenna Medium" panose="02000505000000020004" pitchFamily="2" charset="0"/>
-            </a:endParaRPr>
-          </a:p>
+            <a:endParaRPr lang="en-CH"/>
+          </a:p>
+        </p:txBody>
+      </p:sp>
+      <p:sp>
+        <p:nvSpPr>
+          <p:cNvPr id="49" name="Rectangle 48">
+            <a:extLst>
+              <a:ext uri="{FF2B5EF4-FFF2-40B4-BE49-F238E27FC236}">
+                <a16:creationId xmlns:a16="http://schemas.microsoft.com/office/drawing/2014/main" id="{2677AEF7-2615-32B4-B426-178229F14550}"/>
+              </a:ext>
+            </a:extLst>
+          </p:cNvPr>
+          <p:cNvSpPr/>
+          <p:nvPr/>
+        </p:nvSpPr>
+        <p:spPr>
+          <a:xfrm>
+            <a:off x="9200163" y="1909750"/>
+            <a:ext cx="127279" cy="89561"/>
+          </a:xfrm>
+          <a:prstGeom prst="rect">
+            <a:avLst/>
+          </a:prstGeom>
+          <a:solidFill>
+            <a:schemeClr val="accent6">
+              <a:lumMod val="60000"/>
+              <a:lumOff val="40000"/>
+            </a:schemeClr>
+          </a:solidFill>
+          <a:ln>
+            <a:noFill/>
+          </a:ln>
+        </p:spPr>
+        <p:style>
+          <a:lnRef idx="2">
+            <a:schemeClr val="accent1">
+              <a:shade val="15000"/>
+            </a:schemeClr>
+          </a:lnRef>
+          <a:fillRef idx="1">
+            <a:schemeClr val="accent1"/>
+          </a:fillRef>
+          <a:effectRef idx="0">
+            <a:schemeClr val="accent1"/>
+          </a:effectRef>
+          <a:fontRef idx="minor">
+            <a:schemeClr val="lt1"/>
+          </a:fontRef>
+        </p:style>
+        <p:txBody>
+          <a:bodyPr rtlCol="0" anchor="ctr"/>
+          <a:lstStyle/>
           <a:p>
             <a:pPr algn="ctr"/>
-            <a:endParaRPr lang="en-CH" sz="1600" dirty="0">
-              <a:solidFill>
-                <a:schemeClr val="accent6">
-                  <a:lumMod val="50000"/>
-                </a:schemeClr>
-              </a:solidFill>
-              <a:latin typeface="Ford Antenna Medium" panose="02000505000000020004" pitchFamily="2" charset="0"/>
-            </a:endParaRPr>
-          </a:p>
-          <a:p>
-            <a:pPr algn="ctr"/>
-            <a:endParaRPr lang="en-CH" sz="1600" dirty="0">
-              <a:solidFill>
-                <a:schemeClr val="accent6">
-                  <a:lumMod val="50000"/>
-                </a:schemeClr>
-              </a:solidFill>
-              <a:latin typeface="Ford Antenna Medium" panose="02000505000000020004" pitchFamily="2" charset="0"/>
-            </a:endParaRPr>
-          </a:p>
-          <a:p>
-            <a:pPr algn="ctr"/>
-            <a:endParaRPr lang="en-CH" sz="1600" dirty="0">
-              <a:solidFill>
-                <a:schemeClr val="accent6">
-                  <a:lumMod val="50000"/>
-                </a:schemeClr>
-              </a:solidFill>
-              <a:latin typeface="Ford Antenna Medium" panose="02000505000000020004" pitchFamily="2" charset="0"/>
-            </a:endParaRPr>
-          </a:p>
-          <a:p>
-            <a:pPr algn="ctr"/>
-            <a:endParaRPr lang="en-CH" sz="1600" dirty="0">
-              <a:solidFill>
-                <a:schemeClr val="accent6">
-                  <a:lumMod val="50000"/>
-                </a:schemeClr>
-              </a:solidFill>
-              <a:latin typeface="Ford Antenna Medium" panose="02000505000000020004" pitchFamily="2" charset="0"/>
-            </a:endParaRPr>
-          </a:p>
-          <a:p>
-            <a:pPr algn="ctr"/>
-            <a:endParaRPr lang="en-CH" sz="1600" dirty="0">
-              <a:solidFill>
-                <a:schemeClr val="accent6">
-                  <a:lumMod val="50000"/>
-                </a:schemeClr>
-              </a:solidFill>
-              <a:latin typeface="Ford Antenna Medium" panose="02000505000000020004" pitchFamily="2" charset="0"/>
-            </a:endParaRPr>
-          </a:p>
-          <a:p>
-            <a:pPr algn="ctr"/>
-            <a:endParaRPr lang="en-CH" sz="1600" dirty="0">
-              <a:solidFill>
-                <a:schemeClr val="accent6">
-                  <a:lumMod val="50000"/>
-                </a:schemeClr>
-              </a:solidFill>
-              <a:latin typeface="Ford Antenna Medium" panose="02000505000000020004" pitchFamily="2" charset="0"/>
-            </a:endParaRPr>
-          </a:p>
-          <a:p>
-            <a:pPr algn="ctr"/>
-            <a:endParaRPr lang="en-CH" sz="1600" dirty="0">
-              <a:solidFill>
-                <a:schemeClr val="accent6">
-                  <a:lumMod val="50000"/>
-                </a:schemeClr>
-              </a:solidFill>
-              <a:latin typeface="Ford Antenna Medium" panose="02000505000000020004" pitchFamily="2" charset="0"/>
-            </a:endParaRPr>
-          </a:p>
-          <a:p>
-            <a:pPr algn="ctr"/>
-            <a:endParaRPr lang="en-CH" sz="1600" dirty="0">
-              <a:solidFill>
-                <a:schemeClr val="accent6">
-                  <a:lumMod val="50000"/>
-                </a:schemeClr>
-              </a:solidFill>
-              <a:latin typeface="Ford Antenna Medium" panose="02000505000000020004" pitchFamily="2" charset="0"/>
-            </a:endParaRPr>
-          </a:p>
-          <a:p>
-            <a:pPr algn="ctr"/>
-            <a:endParaRPr lang="en-CH" sz="1600" dirty="0">
-              <a:solidFill>
-                <a:schemeClr val="accent6">
-                  <a:lumMod val="50000"/>
-                </a:schemeClr>
-              </a:solidFill>
-              <a:latin typeface="Ford Antenna Medium" panose="02000505000000020004" pitchFamily="2" charset="0"/>
-            </a:endParaRPr>
-          </a:p>
-          <a:p>
-            <a:pPr algn="ctr"/>
-            <a:endParaRPr lang="en-CH" sz="1600" dirty="0">
-              <a:solidFill>
-                <a:schemeClr val="accent6">
-                  <a:lumMod val="50000"/>
-                </a:schemeClr>
-              </a:solidFill>
-              <a:latin typeface="Ford Antenna Medium" panose="02000505000000020004" pitchFamily="2" charset="0"/>
-            </a:endParaRPr>
-          </a:p>
-          <a:p>
-            <a:pPr algn="ctr"/>
-            <a:endParaRPr lang="en-CH" sz="1600" dirty="0">
-              <a:solidFill>
-                <a:schemeClr val="accent6">
-                  <a:lumMod val="50000"/>
-                </a:schemeClr>
-              </a:solidFill>
-              <a:latin typeface="Ford Antenna Medium" panose="02000505000000020004" pitchFamily="2" charset="0"/>
-            </a:endParaRPr>
-          </a:p>
-          <a:p>
-            <a:pPr algn="ctr"/>
-            <a:endParaRPr lang="en-CH" sz="1600" dirty="0">
-              <a:solidFill>
-                <a:schemeClr val="accent6">
-                  <a:lumMod val="50000"/>
-                </a:schemeClr>
-              </a:solidFill>
-              <a:latin typeface="Ford Antenna Medium" panose="02000505000000020004" pitchFamily="2" charset="0"/>
-            </a:endParaRPr>
-          </a:p>
-          <a:p>
-            <a:pPr algn="ctr"/>
-            <a:endParaRPr lang="en-CH" sz="1600" dirty="0">
-              <a:solidFill>
-                <a:schemeClr val="accent6">
-                  <a:lumMod val="50000"/>
-                </a:schemeClr>
-              </a:solidFill>
-              <a:latin typeface="Ford Antenna Medium" panose="02000505000000020004" pitchFamily="2" charset="0"/>
-            </a:endParaRPr>
-          </a:p>
-          <a:p>
-            <a:pPr algn="ctr"/>
-            <a:endParaRPr lang="en-CH" sz="1600" dirty="0">
-              <a:solidFill>
-                <a:schemeClr val="accent6">
-                  <a:lumMod val="50000"/>
-                </a:schemeClr>
-              </a:solidFill>
-              <a:latin typeface="Ford Antenna Medium" panose="02000505000000020004" pitchFamily="2" charset="0"/>
-            </a:endParaRPr>
-          </a:p>
-          <a:p>
-            <a:pPr algn="ctr"/>
-            <a:endParaRPr lang="en-CH" sz="1600" dirty="0">
-              <a:solidFill>
-                <a:schemeClr val="accent6">
-                  <a:lumMod val="50000"/>
-                </a:schemeClr>
-              </a:solidFill>
-              <a:latin typeface="Ford Antenna Medium" panose="02000505000000020004" pitchFamily="2" charset="0"/>
-            </a:endParaRPr>
-          </a:p>
-          <a:p>
-            <a:pPr algn="ctr"/>
-            <a:endParaRPr lang="en-CH" sz="1600" dirty="0">
-              <a:solidFill>
-                <a:schemeClr val="accent6">
-                  <a:lumMod val="50000"/>
-                </a:schemeClr>
-              </a:solidFill>
-              <a:latin typeface="Ford Antenna Medium" panose="02000505000000020004" pitchFamily="2" charset="0"/>
-            </a:endParaRPr>
-          </a:p>
-          <a:p>
-            <a:pPr algn="ctr"/>
-            <a:endParaRPr lang="en-CH" sz="1600" dirty="0">
-              <a:solidFill>
-                <a:schemeClr val="accent6">
-                  <a:lumMod val="50000"/>
-                </a:schemeClr>
-              </a:solidFill>
-              <a:latin typeface="Ford Antenna Medium" panose="02000505000000020004" pitchFamily="2" charset="0"/>
-            </a:endParaRPr>
-          </a:p>
-          <a:p>
-            <a:pPr algn="ctr"/>
-            <a:endParaRPr lang="en-CH" sz="1600" dirty="0">
-              <a:solidFill>
-                <a:schemeClr val="accent6">
-                  <a:lumMod val="50000"/>
-                </a:schemeClr>
-              </a:solidFill>
-              <a:latin typeface="Ford Antenna Medium" panose="02000505000000020004" pitchFamily="2" charset="0"/>
-            </a:endParaRPr>
-          </a:p>
-          <a:p>
-            <a:pPr algn="ctr"/>
-            <a:endParaRPr lang="en-CH" sz="2800" dirty="0">
-              <a:solidFill>
-                <a:schemeClr val="accent6">
-                  <a:lumMod val="50000"/>
-                </a:schemeClr>
-              </a:solidFill>
-              <a:latin typeface="Ford Antenna Medium" panose="02000505000000020004" pitchFamily="2" charset="0"/>
-            </a:endParaRPr>
-          </a:p>
+            <a:endParaRPr lang="en-CH"/>
+          </a:p>
+        </p:txBody>
+      </p:sp>
+      <p:sp>
+        <p:nvSpPr>
+          <p:cNvPr id="11" name="Rectangle 10">
+            <a:extLst>
+              <a:ext uri="{FF2B5EF4-FFF2-40B4-BE49-F238E27FC236}">
+                <a16:creationId xmlns:a16="http://schemas.microsoft.com/office/drawing/2014/main" id="{876316B8-83A7-C307-3F3C-CA2E040099C6}"/>
+              </a:ext>
+            </a:extLst>
+          </p:cNvPr>
+          <p:cNvSpPr/>
+          <p:nvPr/>
+        </p:nvSpPr>
+        <p:spPr>
+          <a:xfrm rot="16200000">
+            <a:off x="3559392" y="2263704"/>
+            <a:ext cx="1624121" cy="414070"/>
+          </a:xfrm>
+          <a:prstGeom prst="rect">
+            <a:avLst/>
+          </a:prstGeom>
+          <a:solidFill>
+            <a:schemeClr val="accent6">
+              <a:lumMod val="20000"/>
+              <a:lumOff val="80000"/>
+            </a:schemeClr>
+          </a:solidFill>
+          <a:ln>
+            <a:solidFill>
+              <a:schemeClr val="accent6">
+                <a:lumMod val="75000"/>
+              </a:schemeClr>
+            </a:solidFill>
+          </a:ln>
+        </p:spPr>
+        <p:style>
+          <a:lnRef idx="2">
+            <a:schemeClr val="accent1">
+              <a:shade val="15000"/>
+            </a:schemeClr>
+          </a:lnRef>
+          <a:fillRef idx="1">
+            <a:schemeClr val="accent1"/>
+          </a:fillRef>
+          <a:effectRef idx="0">
+            <a:schemeClr val="accent1"/>
+          </a:effectRef>
+          <a:fontRef idx="minor">
+            <a:schemeClr val="lt1"/>
+          </a:fontRef>
+        </p:style>
+        <p:txBody>
+          <a:bodyPr rtlCol="0" anchor="ctr"/>
+          <a:lstStyle/>
           <a:p>
             <a:pPr algn="ctr"/>
             <a:r>
@@ -5112,17 +8958,17 @@
                 </a:solidFill>
                 <a:latin typeface="Ford Antenna Medium" panose="02000505000000020004" pitchFamily="2" charset="0"/>
               </a:rPr>
-              <a:t>Platform Business</a:t>
-            </a:r>
-          </a:p>
-        </p:txBody>
-      </p:sp>
-      <p:sp>
-        <p:nvSpPr>
-          <p:cNvPr id="33" name="Rectangle 32">
-            <a:extLst>
-              <a:ext uri="{FF2B5EF4-FFF2-40B4-BE49-F238E27FC236}">
-                <a16:creationId xmlns:a16="http://schemas.microsoft.com/office/drawing/2014/main" id="{D8CC6CCE-4DEE-2FCB-2A41-2877C2791A4B}"/>
+              <a:t>DevOps</a:t>
+            </a:r>
+          </a:p>
+        </p:txBody>
+      </p:sp>
+      <p:sp>
+        <p:nvSpPr>
+          <p:cNvPr id="3" name="Rectangle 2">
+            <a:extLst>
+              <a:ext uri="{FF2B5EF4-FFF2-40B4-BE49-F238E27FC236}">
+                <a16:creationId xmlns:a16="http://schemas.microsoft.com/office/drawing/2014/main" id="{DF8751DA-5932-9DBF-AF00-462446260FC6}"/>
               </a:ext>
             </a:extLst>
           </p:cNvPr>
@@ -5130,21 +8976,25 @@
           <p:nvPr/>
         </p:nvSpPr>
         <p:spPr>
-          <a:xfrm>
-            <a:off x="4066925" y="1261533"/>
-            <a:ext cx="2321668" cy="683999"/>
-          </a:xfrm>
-          <a:prstGeom prst="rect">
-            <a:avLst/>
-          </a:prstGeom>
-          <a:noFill/>
+          <a:xfrm rot="16200000">
+            <a:off x="4115831" y="2263703"/>
+            <a:ext cx="1624121" cy="414072"/>
+          </a:xfrm>
+          <a:prstGeom prst="rect">
+            <a:avLst/>
+          </a:prstGeom>
+          <a:solidFill>
+            <a:schemeClr val="accent6">
+              <a:lumMod val="20000"/>
+              <a:lumOff val="80000"/>
+            </a:schemeClr>
+          </a:solidFill>
           <a:ln>
             <a:solidFill>
               <a:schemeClr val="accent6">
                 <a:lumMod val="75000"/>
               </a:schemeClr>
             </a:solidFill>
-            <a:prstDash val="sysDot"/>
           </a:ln>
         </p:spPr>
         <p:style>
@@ -5177,28 +9027,17 @@
                 </a:solidFill>
                 <a:latin typeface="Ford Antenna Medium" panose="02000505000000020004" pitchFamily="2" charset="0"/>
               </a:rPr>
-              <a:t>API Platform</a:t>
-            </a:r>
-          </a:p>
-          <a:p>
-            <a:pPr algn="ctr"/>
-            <a:endParaRPr lang="en-CH" sz="1600" dirty="0">
-              <a:solidFill>
-                <a:schemeClr val="accent6">
-                  <a:lumMod val="50000"/>
-                </a:schemeClr>
-              </a:solidFill>
-              <a:latin typeface="Ford Antenna Medium" panose="02000505000000020004" pitchFamily="2" charset="0"/>
-            </a:endParaRPr>
-          </a:p>
-        </p:txBody>
-      </p:sp>
-      <p:sp>
-        <p:nvSpPr>
-          <p:cNvPr id="34" name="Rectangle 33">
-            <a:extLst>
-              <a:ext uri="{FF2B5EF4-FFF2-40B4-BE49-F238E27FC236}">
-                <a16:creationId xmlns:a16="http://schemas.microsoft.com/office/drawing/2014/main" id="{9246D1E2-C5DD-8891-1755-488B4DBF0DCF}"/>
+              <a:t>DevOps</a:t>
+            </a:r>
+          </a:p>
+        </p:txBody>
+      </p:sp>
+      <p:sp>
+        <p:nvSpPr>
+          <p:cNvPr id="5" name="Rectangle 4">
+            <a:extLst>
+              <a:ext uri="{FF2B5EF4-FFF2-40B4-BE49-F238E27FC236}">
+                <a16:creationId xmlns:a16="http://schemas.microsoft.com/office/drawing/2014/main" id="{BE3F789F-9F7D-2F16-63D3-4F66CBBC6A24}"/>
               </a:ext>
             </a:extLst>
           </p:cNvPr>
@@ -5206,21 +9045,25 @@
           <p:nvPr/>
         </p:nvSpPr>
         <p:spPr>
-          <a:xfrm>
-            <a:off x="3967838" y="889000"/>
-            <a:ext cx="2519841" cy="2486497"/>
-          </a:xfrm>
-          <a:prstGeom prst="rect">
-            <a:avLst/>
-          </a:prstGeom>
-          <a:noFill/>
+          <a:xfrm rot="16200000">
+            <a:off x="4689990" y="2263703"/>
+            <a:ext cx="1624121" cy="414072"/>
+          </a:xfrm>
+          <a:prstGeom prst="rect">
+            <a:avLst/>
+          </a:prstGeom>
+          <a:solidFill>
+            <a:schemeClr val="accent6">
+              <a:lumMod val="20000"/>
+              <a:lumOff val="80000"/>
+            </a:schemeClr>
+          </a:solidFill>
           <a:ln>
             <a:solidFill>
               <a:schemeClr val="accent6">
                 <a:lumMod val="75000"/>
               </a:schemeClr>
             </a:solidFill>
-            <a:prstDash val="sysDot"/>
           </a:ln>
         </p:spPr>
         <p:style>
@@ -5253,103 +9096,1246 @@
                 </a:solidFill>
                 <a:latin typeface="Ford Antenna Medium" panose="02000505000000020004" pitchFamily="2" charset="0"/>
               </a:rPr>
-              <a:t>Business Platform</a:t>
-            </a:r>
-          </a:p>
+              <a:t>DevOps</a:t>
+            </a:r>
+          </a:p>
+        </p:txBody>
+      </p:sp>
+      <p:sp>
+        <p:nvSpPr>
+          <p:cNvPr id="6" name="Rectangle 5">
+            <a:extLst>
+              <a:ext uri="{FF2B5EF4-FFF2-40B4-BE49-F238E27FC236}">
+                <a16:creationId xmlns:a16="http://schemas.microsoft.com/office/drawing/2014/main" id="{17A6366F-8087-6A2F-509A-263503BFE37A}"/>
+              </a:ext>
+            </a:extLst>
+          </p:cNvPr>
+          <p:cNvSpPr/>
+          <p:nvPr/>
+        </p:nvSpPr>
+        <p:spPr>
+          <a:xfrm rot="16200000">
+            <a:off x="5264149" y="2263703"/>
+            <a:ext cx="1624121" cy="414072"/>
+          </a:xfrm>
+          <a:prstGeom prst="rect">
+            <a:avLst/>
+          </a:prstGeom>
+          <a:solidFill>
+            <a:schemeClr val="accent6">
+              <a:lumMod val="20000"/>
+              <a:lumOff val="80000"/>
+            </a:schemeClr>
+          </a:solidFill>
+          <a:ln>
+            <a:solidFill>
+              <a:schemeClr val="accent6">
+                <a:lumMod val="75000"/>
+              </a:schemeClr>
+            </a:solidFill>
+          </a:ln>
+        </p:spPr>
+        <p:style>
+          <a:lnRef idx="2">
+            <a:schemeClr val="accent1">
+              <a:shade val="15000"/>
+            </a:schemeClr>
+          </a:lnRef>
+          <a:fillRef idx="1">
+            <a:schemeClr val="accent1"/>
+          </a:fillRef>
+          <a:effectRef idx="0">
+            <a:schemeClr val="accent1"/>
+          </a:effectRef>
+          <a:fontRef idx="minor">
+            <a:schemeClr val="lt1"/>
+          </a:fontRef>
+        </p:style>
+        <p:txBody>
+          <a:bodyPr rtlCol="0" anchor="ctr"/>
+          <a:lstStyle/>
           <a:p>
             <a:pPr algn="ctr"/>
-            <a:endParaRPr lang="en-CH" sz="2800" dirty="0">
-              <a:solidFill>
-                <a:schemeClr val="accent6">
-                  <a:lumMod val="50000"/>
-                </a:schemeClr>
-              </a:solidFill>
-              <a:latin typeface="Ford Antenna Medium" panose="02000505000000020004" pitchFamily="2" charset="0"/>
-            </a:endParaRPr>
-          </a:p>
+            <a:r>
+              <a:rPr lang="en-CH" sz="1600" dirty="0">
+                <a:solidFill>
+                  <a:schemeClr val="accent6">
+                    <a:lumMod val="50000"/>
+                  </a:schemeClr>
+                </a:solidFill>
+                <a:latin typeface="Ford Antenna Medium" panose="02000505000000020004" pitchFamily="2" charset="0"/>
+              </a:rPr>
+              <a:t>DevOps</a:t>
+            </a:r>
+          </a:p>
+        </p:txBody>
+      </p:sp>
+      <p:sp>
+        <p:nvSpPr>
+          <p:cNvPr id="15" name="Rectangle 14">
+            <a:extLst>
+              <a:ext uri="{FF2B5EF4-FFF2-40B4-BE49-F238E27FC236}">
+                <a16:creationId xmlns:a16="http://schemas.microsoft.com/office/drawing/2014/main" id="{10FB0091-9DDA-563A-F8ED-A0453228018A}"/>
+              </a:ext>
+            </a:extLst>
+          </p:cNvPr>
+          <p:cNvSpPr/>
+          <p:nvPr/>
+        </p:nvSpPr>
+        <p:spPr>
+          <a:xfrm>
+            <a:off x="4164416" y="1658678"/>
+            <a:ext cx="414071" cy="212652"/>
+          </a:xfrm>
+          <a:prstGeom prst="rect">
+            <a:avLst/>
+          </a:prstGeom>
+          <a:solidFill>
+            <a:schemeClr val="accent6">
+              <a:lumMod val="75000"/>
+            </a:schemeClr>
+          </a:solidFill>
+          <a:ln w="12700">
+            <a:solidFill>
+              <a:schemeClr val="accent6">
+                <a:lumMod val="40000"/>
+                <a:lumOff val="60000"/>
+                <a:alpha val="50196"/>
+              </a:schemeClr>
+            </a:solidFill>
+            <a:prstDash val="sysDot"/>
+          </a:ln>
+        </p:spPr>
+        <p:style>
+          <a:lnRef idx="2">
+            <a:schemeClr val="accent1">
+              <a:shade val="15000"/>
+            </a:schemeClr>
+          </a:lnRef>
+          <a:fillRef idx="1">
+            <a:schemeClr val="accent1"/>
+          </a:fillRef>
+          <a:effectRef idx="0">
+            <a:schemeClr val="accent1"/>
+          </a:effectRef>
+          <a:fontRef idx="minor">
+            <a:schemeClr val="lt1"/>
+          </a:fontRef>
+        </p:style>
+        <p:txBody>
+          <a:bodyPr rtlCol="0" anchor="ctr"/>
+          <a:lstStyle/>
           <a:p>
             <a:pPr algn="ctr"/>
-            <a:endParaRPr lang="en-CH" sz="1600" dirty="0">
-              <a:solidFill>
-                <a:schemeClr val="accent6">
-                  <a:lumMod val="50000"/>
-                </a:schemeClr>
-              </a:solidFill>
-              <a:latin typeface="Ford Antenna Medium" panose="02000505000000020004" pitchFamily="2" charset="0"/>
-            </a:endParaRPr>
-          </a:p>
+            <a:r>
+              <a:rPr lang="en-CH" sz="1000" dirty="0">
+                <a:solidFill>
+                  <a:schemeClr val="accent6">
+                    <a:lumMod val="40000"/>
+                    <a:lumOff val="60000"/>
+                  </a:schemeClr>
+                </a:solidFill>
+                <a:latin typeface="Ford Antenna Medium" panose="02000505000000020004" pitchFamily="2" charset="0"/>
+              </a:rPr>
+              <a:t>API</a:t>
+            </a:r>
+          </a:p>
+        </p:txBody>
+      </p:sp>
+      <p:sp>
+        <p:nvSpPr>
+          <p:cNvPr id="16" name="Rectangle 15">
+            <a:extLst>
+              <a:ext uri="{FF2B5EF4-FFF2-40B4-BE49-F238E27FC236}">
+                <a16:creationId xmlns:a16="http://schemas.microsoft.com/office/drawing/2014/main" id="{5A2BCBDA-6B72-C410-2876-90207EB8394F}"/>
+              </a:ext>
+            </a:extLst>
+          </p:cNvPr>
+          <p:cNvSpPr/>
+          <p:nvPr/>
+        </p:nvSpPr>
+        <p:spPr>
+          <a:xfrm>
+            <a:off x="4720857" y="1658678"/>
+            <a:ext cx="414071" cy="212652"/>
+          </a:xfrm>
+          <a:prstGeom prst="rect">
+            <a:avLst/>
+          </a:prstGeom>
+          <a:solidFill>
+            <a:schemeClr val="accent6">
+              <a:lumMod val="75000"/>
+            </a:schemeClr>
+          </a:solidFill>
+          <a:ln w="12700">
+            <a:solidFill>
+              <a:schemeClr val="accent6">
+                <a:lumMod val="40000"/>
+                <a:lumOff val="60000"/>
+                <a:alpha val="50196"/>
+              </a:schemeClr>
+            </a:solidFill>
+            <a:prstDash val="sysDot"/>
+          </a:ln>
+        </p:spPr>
+        <p:style>
+          <a:lnRef idx="2">
+            <a:schemeClr val="accent1">
+              <a:shade val="15000"/>
+            </a:schemeClr>
+          </a:lnRef>
+          <a:fillRef idx="1">
+            <a:schemeClr val="accent1"/>
+          </a:fillRef>
+          <a:effectRef idx="0">
+            <a:schemeClr val="accent1"/>
+          </a:effectRef>
+          <a:fontRef idx="minor">
+            <a:schemeClr val="lt1"/>
+          </a:fontRef>
+        </p:style>
+        <p:txBody>
+          <a:bodyPr rtlCol="0" anchor="ctr"/>
+          <a:lstStyle/>
           <a:p>
             <a:pPr algn="ctr"/>
-            <a:endParaRPr lang="en-CH" sz="1600" dirty="0">
-              <a:solidFill>
-                <a:schemeClr val="accent6">
-                  <a:lumMod val="50000"/>
-                </a:schemeClr>
-              </a:solidFill>
-              <a:latin typeface="Ford Antenna Medium" panose="02000505000000020004" pitchFamily="2" charset="0"/>
-            </a:endParaRPr>
-          </a:p>
+            <a:r>
+              <a:rPr lang="en-CH" sz="1000" dirty="0">
+                <a:solidFill>
+                  <a:schemeClr val="accent6">
+                    <a:lumMod val="40000"/>
+                    <a:lumOff val="60000"/>
+                  </a:schemeClr>
+                </a:solidFill>
+                <a:latin typeface="Ford Antenna Medium" panose="02000505000000020004" pitchFamily="2" charset="0"/>
+              </a:rPr>
+              <a:t>API</a:t>
+            </a:r>
+          </a:p>
+        </p:txBody>
+      </p:sp>
+      <p:sp>
+        <p:nvSpPr>
+          <p:cNvPr id="17" name="Rectangle 16">
+            <a:extLst>
+              <a:ext uri="{FF2B5EF4-FFF2-40B4-BE49-F238E27FC236}">
+                <a16:creationId xmlns:a16="http://schemas.microsoft.com/office/drawing/2014/main" id="{79993EFF-C174-C6B9-A2FD-67F6900A0E59}"/>
+              </a:ext>
+            </a:extLst>
+          </p:cNvPr>
+          <p:cNvSpPr/>
+          <p:nvPr/>
+        </p:nvSpPr>
+        <p:spPr>
+          <a:xfrm>
+            <a:off x="5295014" y="1655812"/>
+            <a:ext cx="414071" cy="212652"/>
+          </a:xfrm>
+          <a:prstGeom prst="rect">
+            <a:avLst/>
+          </a:prstGeom>
+          <a:solidFill>
+            <a:schemeClr val="accent6">
+              <a:lumMod val="75000"/>
+            </a:schemeClr>
+          </a:solidFill>
+          <a:ln w="12700">
+            <a:solidFill>
+              <a:schemeClr val="accent6">
+                <a:lumMod val="40000"/>
+                <a:lumOff val="60000"/>
+                <a:alpha val="50196"/>
+              </a:schemeClr>
+            </a:solidFill>
+            <a:prstDash val="sysDot"/>
+          </a:ln>
+        </p:spPr>
+        <p:style>
+          <a:lnRef idx="2">
+            <a:schemeClr val="accent1">
+              <a:shade val="15000"/>
+            </a:schemeClr>
+          </a:lnRef>
+          <a:fillRef idx="1">
+            <a:schemeClr val="accent1"/>
+          </a:fillRef>
+          <a:effectRef idx="0">
+            <a:schemeClr val="accent1"/>
+          </a:effectRef>
+          <a:fontRef idx="minor">
+            <a:schemeClr val="lt1"/>
+          </a:fontRef>
+        </p:style>
+        <p:txBody>
+          <a:bodyPr rtlCol="0" anchor="ctr"/>
+          <a:lstStyle/>
           <a:p>
             <a:pPr algn="ctr"/>
-            <a:endParaRPr lang="en-CH" sz="1600" dirty="0">
-              <a:solidFill>
-                <a:schemeClr val="accent6">
-                  <a:lumMod val="50000"/>
-                </a:schemeClr>
-              </a:solidFill>
-              <a:latin typeface="Ford Antenna Medium" panose="02000505000000020004" pitchFamily="2" charset="0"/>
-            </a:endParaRPr>
-          </a:p>
+            <a:r>
+              <a:rPr lang="en-CH" sz="1000" dirty="0">
+                <a:solidFill>
+                  <a:schemeClr val="accent6">
+                    <a:lumMod val="40000"/>
+                    <a:lumOff val="60000"/>
+                  </a:schemeClr>
+                </a:solidFill>
+                <a:latin typeface="Ford Antenna Medium" panose="02000505000000020004" pitchFamily="2" charset="0"/>
+              </a:rPr>
+              <a:t>API</a:t>
+            </a:r>
+          </a:p>
+        </p:txBody>
+      </p:sp>
+      <p:sp>
+        <p:nvSpPr>
+          <p:cNvPr id="18" name="Rectangle 17">
+            <a:extLst>
+              <a:ext uri="{FF2B5EF4-FFF2-40B4-BE49-F238E27FC236}">
+                <a16:creationId xmlns:a16="http://schemas.microsoft.com/office/drawing/2014/main" id="{10CF378B-46CC-2171-6195-8A3FBE702A81}"/>
+              </a:ext>
+            </a:extLst>
+          </p:cNvPr>
+          <p:cNvSpPr/>
+          <p:nvPr/>
+        </p:nvSpPr>
+        <p:spPr>
+          <a:xfrm>
+            <a:off x="5869175" y="1655812"/>
+            <a:ext cx="414071" cy="212652"/>
+          </a:xfrm>
+          <a:prstGeom prst="rect">
+            <a:avLst/>
+          </a:prstGeom>
+          <a:solidFill>
+            <a:schemeClr val="accent6">
+              <a:lumMod val="75000"/>
+            </a:schemeClr>
+          </a:solidFill>
+          <a:ln w="12700">
+            <a:solidFill>
+              <a:schemeClr val="accent6">
+                <a:lumMod val="40000"/>
+                <a:lumOff val="60000"/>
+                <a:alpha val="50196"/>
+              </a:schemeClr>
+            </a:solidFill>
+            <a:prstDash val="sysDot"/>
+          </a:ln>
+        </p:spPr>
+        <p:style>
+          <a:lnRef idx="2">
+            <a:schemeClr val="accent1">
+              <a:shade val="15000"/>
+            </a:schemeClr>
+          </a:lnRef>
+          <a:fillRef idx="1">
+            <a:schemeClr val="accent1"/>
+          </a:fillRef>
+          <a:effectRef idx="0">
+            <a:schemeClr val="accent1"/>
+          </a:effectRef>
+          <a:fontRef idx="minor">
+            <a:schemeClr val="lt1"/>
+          </a:fontRef>
+        </p:style>
+        <p:txBody>
+          <a:bodyPr rtlCol="0" anchor="ctr"/>
+          <a:lstStyle/>
           <a:p>
             <a:pPr algn="ctr"/>
-            <a:endParaRPr lang="en-CH" sz="1600" dirty="0">
-              <a:solidFill>
-                <a:schemeClr val="accent6">
-                  <a:lumMod val="50000"/>
-                </a:schemeClr>
-              </a:solidFill>
-              <a:latin typeface="Ford Antenna Medium" panose="02000505000000020004" pitchFamily="2" charset="0"/>
-            </a:endParaRPr>
-          </a:p>
+            <a:r>
+              <a:rPr lang="en-CH" sz="1000" dirty="0">
+                <a:solidFill>
+                  <a:schemeClr val="accent6">
+                    <a:lumMod val="40000"/>
+                    <a:lumOff val="60000"/>
+                  </a:schemeClr>
+                </a:solidFill>
+                <a:latin typeface="Ford Antenna Medium" panose="02000505000000020004" pitchFamily="2" charset="0"/>
+              </a:rPr>
+              <a:t>API</a:t>
+            </a:r>
+          </a:p>
+        </p:txBody>
+      </p:sp>
+      <p:sp>
+        <p:nvSpPr>
+          <p:cNvPr id="20" name="Rectangle 19">
+            <a:extLst>
+              <a:ext uri="{FF2B5EF4-FFF2-40B4-BE49-F238E27FC236}">
+                <a16:creationId xmlns:a16="http://schemas.microsoft.com/office/drawing/2014/main" id="{59548482-7FF4-AC73-D2D8-FF8EAF8124B3}"/>
+              </a:ext>
+            </a:extLst>
+          </p:cNvPr>
+          <p:cNvSpPr/>
+          <p:nvPr/>
+        </p:nvSpPr>
+        <p:spPr>
+          <a:xfrm rot="16200000">
+            <a:off x="6174847" y="2260838"/>
+            <a:ext cx="1624121" cy="414070"/>
+          </a:xfrm>
+          <a:prstGeom prst="rect">
+            <a:avLst/>
+          </a:prstGeom>
+          <a:solidFill>
+            <a:schemeClr val="accent6">
+              <a:lumMod val="20000"/>
+              <a:lumOff val="80000"/>
+            </a:schemeClr>
+          </a:solidFill>
+          <a:ln>
+            <a:solidFill>
+              <a:schemeClr val="accent6">
+                <a:lumMod val="75000"/>
+              </a:schemeClr>
+            </a:solidFill>
+          </a:ln>
+        </p:spPr>
+        <p:style>
+          <a:lnRef idx="2">
+            <a:schemeClr val="accent1">
+              <a:shade val="15000"/>
+            </a:schemeClr>
+          </a:lnRef>
+          <a:fillRef idx="1">
+            <a:schemeClr val="accent1"/>
+          </a:fillRef>
+          <a:effectRef idx="0">
+            <a:schemeClr val="accent1"/>
+          </a:effectRef>
+          <a:fontRef idx="minor">
+            <a:schemeClr val="lt1"/>
+          </a:fontRef>
+        </p:style>
+        <p:txBody>
+          <a:bodyPr rtlCol="0" anchor="ctr"/>
+          <a:lstStyle/>
           <a:p>
             <a:pPr algn="ctr"/>
-            <a:endParaRPr lang="en-CH" sz="1600" dirty="0">
-              <a:solidFill>
-                <a:schemeClr val="accent6">
-                  <a:lumMod val="50000"/>
-                </a:schemeClr>
-              </a:solidFill>
-              <a:latin typeface="Ford Antenna Medium" panose="02000505000000020004" pitchFamily="2" charset="0"/>
-            </a:endParaRPr>
-          </a:p>
+            <a:r>
+              <a:rPr lang="en-CH" sz="1600" dirty="0">
+                <a:solidFill>
+                  <a:schemeClr val="accent6">
+                    <a:lumMod val="50000"/>
+                  </a:schemeClr>
+                </a:solidFill>
+                <a:latin typeface="Ford Antenna Medium" panose="02000505000000020004" pitchFamily="2" charset="0"/>
+              </a:rPr>
+              <a:t>DevOps</a:t>
+            </a:r>
+          </a:p>
+        </p:txBody>
+      </p:sp>
+      <p:sp>
+        <p:nvSpPr>
+          <p:cNvPr id="21" name="Rectangle 20">
+            <a:extLst>
+              <a:ext uri="{FF2B5EF4-FFF2-40B4-BE49-F238E27FC236}">
+                <a16:creationId xmlns:a16="http://schemas.microsoft.com/office/drawing/2014/main" id="{7ED314C2-7335-5537-74C0-56AC67AC7700}"/>
+              </a:ext>
+            </a:extLst>
+          </p:cNvPr>
+          <p:cNvSpPr/>
+          <p:nvPr/>
+        </p:nvSpPr>
+        <p:spPr>
+          <a:xfrm rot="16200000">
+            <a:off x="6731286" y="2260837"/>
+            <a:ext cx="1624121" cy="414072"/>
+          </a:xfrm>
+          <a:prstGeom prst="rect">
+            <a:avLst/>
+          </a:prstGeom>
+          <a:solidFill>
+            <a:schemeClr val="accent6">
+              <a:lumMod val="20000"/>
+              <a:lumOff val="80000"/>
+            </a:schemeClr>
+          </a:solidFill>
+          <a:ln>
+            <a:solidFill>
+              <a:schemeClr val="accent6">
+                <a:lumMod val="75000"/>
+              </a:schemeClr>
+            </a:solidFill>
+          </a:ln>
+        </p:spPr>
+        <p:style>
+          <a:lnRef idx="2">
+            <a:schemeClr val="accent1">
+              <a:shade val="15000"/>
+            </a:schemeClr>
+          </a:lnRef>
+          <a:fillRef idx="1">
+            <a:schemeClr val="accent1"/>
+          </a:fillRef>
+          <a:effectRef idx="0">
+            <a:schemeClr val="accent1"/>
+          </a:effectRef>
+          <a:fontRef idx="minor">
+            <a:schemeClr val="lt1"/>
+          </a:fontRef>
+        </p:style>
+        <p:txBody>
+          <a:bodyPr rtlCol="0" anchor="ctr"/>
+          <a:lstStyle/>
           <a:p>
             <a:pPr algn="ctr"/>
-            <a:endParaRPr lang="en-CH" sz="1600" dirty="0">
-              <a:solidFill>
-                <a:schemeClr val="accent6">
-                  <a:lumMod val="50000"/>
-                </a:schemeClr>
-              </a:solidFill>
-              <a:latin typeface="Ford Antenna Medium" panose="02000505000000020004" pitchFamily="2" charset="0"/>
-            </a:endParaRPr>
-          </a:p>
+            <a:r>
+              <a:rPr lang="en-CH" sz="1600" dirty="0">
+                <a:solidFill>
+                  <a:schemeClr val="accent6">
+                    <a:lumMod val="50000"/>
+                  </a:schemeClr>
+                </a:solidFill>
+                <a:latin typeface="Ford Antenna Medium" panose="02000505000000020004" pitchFamily="2" charset="0"/>
+              </a:rPr>
+              <a:t>DevOps</a:t>
+            </a:r>
+          </a:p>
+        </p:txBody>
+      </p:sp>
+      <p:sp>
+        <p:nvSpPr>
+          <p:cNvPr id="22" name="Rectangle 21">
+            <a:extLst>
+              <a:ext uri="{FF2B5EF4-FFF2-40B4-BE49-F238E27FC236}">
+                <a16:creationId xmlns:a16="http://schemas.microsoft.com/office/drawing/2014/main" id="{788E428E-824F-E825-3A67-E9FB80D3F598}"/>
+              </a:ext>
+            </a:extLst>
+          </p:cNvPr>
+          <p:cNvSpPr/>
+          <p:nvPr/>
+        </p:nvSpPr>
+        <p:spPr>
+          <a:xfrm rot="16200000">
+            <a:off x="7305445" y="2260837"/>
+            <a:ext cx="1624121" cy="414072"/>
+          </a:xfrm>
+          <a:prstGeom prst="rect">
+            <a:avLst/>
+          </a:prstGeom>
+          <a:solidFill>
+            <a:schemeClr val="accent6">
+              <a:lumMod val="20000"/>
+              <a:lumOff val="80000"/>
+            </a:schemeClr>
+          </a:solidFill>
+          <a:ln>
+            <a:solidFill>
+              <a:schemeClr val="accent6">
+                <a:lumMod val="75000"/>
+              </a:schemeClr>
+            </a:solidFill>
+          </a:ln>
+        </p:spPr>
+        <p:style>
+          <a:lnRef idx="2">
+            <a:schemeClr val="accent1">
+              <a:shade val="15000"/>
+            </a:schemeClr>
+          </a:lnRef>
+          <a:fillRef idx="1">
+            <a:schemeClr val="accent1"/>
+          </a:fillRef>
+          <a:effectRef idx="0">
+            <a:schemeClr val="accent1"/>
+          </a:effectRef>
+          <a:fontRef idx="minor">
+            <a:schemeClr val="lt1"/>
+          </a:fontRef>
+        </p:style>
+        <p:txBody>
+          <a:bodyPr rtlCol="0" anchor="ctr"/>
+          <a:lstStyle/>
           <a:p>
             <a:pPr algn="ctr"/>
-            <a:endParaRPr lang="en-CH" sz="1600" dirty="0">
-              <a:solidFill>
-                <a:schemeClr val="accent6">
-                  <a:lumMod val="50000"/>
-                </a:schemeClr>
-              </a:solidFill>
-              <a:latin typeface="Ford Antenna Medium" panose="02000505000000020004" pitchFamily="2" charset="0"/>
-            </a:endParaRPr>
+            <a:r>
+              <a:rPr lang="en-CH" sz="1600" dirty="0">
+                <a:solidFill>
+                  <a:schemeClr val="accent6">
+                    <a:lumMod val="50000"/>
+                  </a:schemeClr>
+                </a:solidFill>
+                <a:latin typeface="Ford Antenna Medium" panose="02000505000000020004" pitchFamily="2" charset="0"/>
+              </a:rPr>
+              <a:t>DevOps</a:t>
+            </a:r>
+          </a:p>
+        </p:txBody>
+      </p:sp>
+      <p:sp>
+        <p:nvSpPr>
+          <p:cNvPr id="23" name="Rectangle 22">
+            <a:extLst>
+              <a:ext uri="{FF2B5EF4-FFF2-40B4-BE49-F238E27FC236}">
+                <a16:creationId xmlns:a16="http://schemas.microsoft.com/office/drawing/2014/main" id="{2333BC31-B5CC-DB2D-7E2B-09B0C038A2BD}"/>
+              </a:ext>
+            </a:extLst>
+          </p:cNvPr>
+          <p:cNvSpPr/>
+          <p:nvPr/>
+        </p:nvSpPr>
+        <p:spPr>
+          <a:xfrm rot="16200000">
+            <a:off x="7879604" y="2260837"/>
+            <a:ext cx="1624121" cy="414072"/>
+          </a:xfrm>
+          <a:prstGeom prst="rect">
+            <a:avLst/>
+          </a:prstGeom>
+          <a:solidFill>
+            <a:schemeClr val="accent6">
+              <a:lumMod val="20000"/>
+              <a:lumOff val="80000"/>
+            </a:schemeClr>
+          </a:solidFill>
+          <a:ln>
+            <a:solidFill>
+              <a:schemeClr val="accent6">
+                <a:lumMod val="75000"/>
+              </a:schemeClr>
+            </a:solidFill>
+          </a:ln>
+        </p:spPr>
+        <p:style>
+          <a:lnRef idx="2">
+            <a:schemeClr val="accent1">
+              <a:shade val="15000"/>
+            </a:schemeClr>
+          </a:lnRef>
+          <a:fillRef idx="1">
+            <a:schemeClr val="accent1"/>
+          </a:fillRef>
+          <a:effectRef idx="0">
+            <a:schemeClr val="accent1"/>
+          </a:effectRef>
+          <a:fontRef idx="minor">
+            <a:schemeClr val="lt1"/>
+          </a:fontRef>
+        </p:style>
+        <p:txBody>
+          <a:bodyPr rtlCol="0" anchor="ctr"/>
+          <a:lstStyle/>
+          <a:p>
+            <a:pPr algn="ctr"/>
+            <a:r>
+              <a:rPr lang="en-CH" sz="1600" dirty="0">
+                <a:solidFill>
+                  <a:schemeClr val="accent6">
+                    <a:lumMod val="50000"/>
+                  </a:schemeClr>
+                </a:solidFill>
+                <a:latin typeface="Ford Antenna Medium" panose="02000505000000020004" pitchFamily="2" charset="0"/>
+              </a:rPr>
+              <a:t>DevOps</a:t>
+            </a:r>
+          </a:p>
+        </p:txBody>
+      </p:sp>
+      <p:sp>
+        <p:nvSpPr>
+          <p:cNvPr id="24" name="Rectangle 23">
+            <a:extLst>
+              <a:ext uri="{FF2B5EF4-FFF2-40B4-BE49-F238E27FC236}">
+                <a16:creationId xmlns:a16="http://schemas.microsoft.com/office/drawing/2014/main" id="{500D3E62-290C-D550-6140-C7DA05429C47}"/>
+              </a:ext>
+            </a:extLst>
+          </p:cNvPr>
+          <p:cNvSpPr/>
+          <p:nvPr/>
+        </p:nvSpPr>
+        <p:spPr>
+          <a:xfrm>
+            <a:off x="6779871" y="1655812"/>
+            <a:ext cx="414071" cy="212652"/>
+          </a:xfrm>
+          <a:prstGeom prst="rect">
+            <a:avLst/>
+          </a:prstGeom>
+          <a:solidFill>
+            <a:schemeClr val="accent6">
+              <a:lumMod val="75000"/>
+            </a:schemeClr>
+          </a:solidFill>
+          <a:ln w="12700">
+            <a:solidFill>
+              <a:schemeClr val="accent6">
+                <a:lumMod val="40000"/>
+                <a:lumOff val="60000"/>
+                <a:alpha val="50196"/>
+              </a:schemeClr>
+            </a:solidFill>
+            <a:prstDash val="sysDot"/>
+          </a:ln>
+        </p:spPr>
+        <p:style>
+          <a:lnRef idx="2">
+            <a:schemeClr val="accent1">
+              <a:shade val="15000"/>
+            </a:schemeClr>
+          </a:lnRef>
+          <a:fillRef idx="1">
+            <a:schemeClr val="accent1"/>
+          </a:fillRef>
+          <a:effectRef idx="0">
+            <a:schemeClr val="accent1"/>
+          </a:effectRef>
+          <a:fontRef idx="minor">
+            <a:schemeClr val="lt1"/>
+          </a:fontRef>
+        </p:style>
+        <p:txBody>
+          <a:bodyPr rtlCol="0" anchor="ctr"/>
+          <a:lstStyle/>
+          <a:p>
+            <a:pPr algn="ctr"/>
+            <a:r>
+              <a:rPr lang="en-CH" sz="1000" dirty="0">
+                <a:solidFill>
+                  <a:schemeClr val="accent6">
+                    <a:lumMod val="40000"/>
+                    <a:lumOff val="60000"/>
+                  </a:schemeClr>
+                </a:solidFill>
+                <a:latin typeface="Ford Antenna Medium" panose="02000505000000020004" pitchFamily="2" charset="0"/>
+              </a:rPr>
+              <a:t>API</a:t>
+            </a:r>
+          </a:p>
+        </p:txBody>
+      </p:sp>
+      <p:sp>
+        <p:nvSpPr>
+          <p:cNvPr id="25" name="Rectangle 24">
+            <a:extLst>
+              <a:ext uri="{FF2B5EF4-FFF2-40B4-BE49-F238E27FC236}">
+                <a16:creationId xmlns:a16="http://schemas.microsoft.com/office/drawing/2014/main" id="{40A4CAC5-33B4-D4C4-BEA3-30B605636B46}"/>
+              </a:ext>
+            </a:extLst>
+          </p:cNvPr>
+          <p:cNvSpPr/>
+          <p:nvPr/>
+        </p:nvSpPr>
+        <p:spPr>
+          <a:xfrm>
+            <a:off x="7336312" y="1655812"/>
+            <a:ext cx="414071" cy="212652"/>
+          </a:xfrm>
+          <a:prstGeom prst="rect">
+            <a:avLst/>
+          </a:prstGeom>
+          <a:solidFill>
+            <a:schemeClr val="accent6">
+              <a:lumMod val="75000"/>
+            </a:schemeClr>
+          </a:solidFill>
+          <a:ln w="12700">
+            <a:solidFill>
+              <a:schemeClr val="accent6">
+                <a:lumMod val="40000"/>
+                <a:lumOff val="60000"/>
+                <a:alpha val="50196"/>
+              </a:schemeClr>
+            </a:solidFill>
+            <a:prstDash val="sysDot"/>
+          </a:ln>
+        </p:spPr>
+        <p:style>
+          <a:lnRef idx="2">
+            <a:schemeClr val="accent1">
+              <a:shade val="15000"/>
+            </a:schemeClr>
+          </a:lnRef>
+          <a:fillRef idx="1">
+            <a:schemeClr val="accent1"/>
+          </a:fillRef>
+          <a:effectRef idx="0">
+            <a:schemeClr val="accent1"/>
+          </a:effectRef>
+          <a:fontRef idx="minor">
+            <a:schemeClr val="lt1"/>
+          </a:fontRef>
+        </p:style>
+        <p:txBody>
+          <a:bodyPr rtlCol="0" anchor="ctr"/>
+          <a:lstStyle/>
+          <a:p>
+            <a:pPr algn="ctr"/>
+            <a:r>
+              <a:rPr lang="en-CH" sz="1000" dirty="0">
+                <a:solidFill>
+                  <a:schemeClr val="accent6">
+                    <a:lumMod val="40000"/>
+                    <a:lumOff val="60000"/>
+                  </a:schemeClr>
+                </a:solidFill>
+                <a:latin typeface="Ford Antenna Medium" panose="02000505000000020004" pitchFamily="2" charset="0"/>
+              </a:rPr>
+              <a:t>API</a:t>
+            </a:r>
+          </a:p>
+        </p:txBody>
+      </p:sp>
+      <p:sp>
+        <p:nvSpPr>
+          <p:cNvPr id="26" name="Rectangle 25">
+            <a:extLst>
+              <a:ext uri="{FF2B5EF4-FFF2-40B4-BE49-F238E27FC236}">
+                <a16:creationId xmlns:a16="http://schemas.microsoft.com/office/drawing/2014/main" id="{3910F38F-6A2D-5BE1-B30E-8B745CF59F60}"/>
+              </a:ext>
+            </a:extLst>
+          </p:cNvPr>
+          <p:cNvSpPr/>
+          <p:nvPr/>
+        </p:nvSpPr>
+        <p:spPr>
+          <a:xfrm>
+            <a:off x="7910469" y="1652946"/>
+            <a:ext cx="414071" cy="212652"/>
+          </a:xfrm>
+          <a:prstGeom prst="rect">
+            <a:avLst/>
+          </a:prstGeom>
+          <a:solidFill>
+            <a:schemeClr val="accent6">
+              <a:lumMod val="75000"/>
+            </a:schemeClr>
+          </a:solidFill>
+          <a:ln w="12700">
+            <a:solidFill>
+              <a:schemeClr val="accent6">
+                <a:lumMod val="40000"/>
+                <a:lumOff val="60000"/>
+                <a:alpha val="50196"/>
+              </a:schemeClr>
+            </a:solidFill>
+            <a:prstDash val="sysDot"/>
+          </a:ln>
+        </p:spPr>
+        <p:style>
+          <a:lnRef idx="2">
+            <a:schemeClr val="accent1">
+              <a:shade val="15000"/>
+            </a:schemeClr>
+          </a:lnRef>
+          <a:fillRef idx="1">
+            <a:schemeClr val="accent1"/>
+          </a:fillRef>
+          <a:effectRef idx="0">
+            <a:schemeClr val="accent1"/>
+          </a:effectRef>
+          <a:fontRef idx="minor">
+            <a:schemeClr val="lt1"/>
+          </a:fontRef>
+        </p:style>
+        <p:txBody>
+          <a:bodyPr rtlCol="0" anchor="ctr"/>
+          <a:lstStyle/>
+          <a:p>
+            <a:pPr algn="ctr"/>
+            <a:r>
+              <a:rPr lang="en-CH" sz="1000" dirty="0">
+                <a:solidFill>
+                  <a:schemeClr val="accent6">
+                    <a:lumMod val="40000"/>
+                    <a:lumOff val="60000"/>
+                  </a:schemeClr>
+                </a:solidFill>
+                <a:latin typeface="Ford Antenna Medium" panose="02000505000000020004" pitchFamily="2" charset="0"/>
+              </a:rPr>
+              <a:t>API</a:t>
+            </a:r>
+          </a:p>
+        </p:txBody>
+      </p:sp>
+      <p:sp>
+        <p:nvSpPr>
+          <p:cNvPr id="27" name="Rectangle 26">
+            <a:extLst>
+              <a:ext uri="{FF2B5EF4-FFF2-40B4-BE49-F238E27FC236}">
+                <a16:creationId xmlns:a16="http://schemas.microsoft.com/office/drawing/2014/main" id="{2DF37D68-A9AC-82D9-61BA-E2DFB0EBDC2E}"/>
+              </a:ext>
+            </a:extLst>
+          </p:cNvPr>
+          <p:cNvSpPr/>
+          <p:nvPr/>
+        </p:nvSpPr>
+        <p:spPr>
+          <a:xfrm>
+            <a:off x="8484630" y="1652946"/>
+            <a:ext cx="414071" cy="212652"/>
+          </a:xfrm>
+          <a:prstGeom prst="rect">
+            <a:avLst/>
+          </a:prstGeom>
+          <a:solidFill>
+            <a:schemeClr val="accent6">
+              <a:lumMod val="75000"/>
+            </a:schemeClr>
+          </a:solidFill>
+          <a:ln w="12700">
+            <a:solidFill>
+              <a:schemeClr val="accent6">
+                <a:lumMod val="40000"/>
+                <a:lumOff val="60000"/>
+                <a:alpha val="50196"/>
+              </a:schemeClr>
+            </a:solidFill>
+            <a:prstDash val="sysDot"/>
+          </a:ln>
+        </p:spPr>
+        <p:style>
+          <a:lnRef idx="2">
+            <a:schemeClr val="accent1">
+              <a:shade val="15000"/>
+            </a:schemeClr>
+          </a:lnRef>
+          <a:fillRef idx="1">
+            <a:schemeClr val="accent1"/>
+          </a:fillRef>
+          <a:effectRef idx="0">
+            <a:schemeClr val="accent1"/>
+          </a:effectRef>
+          <a:fontRef idx="minor">
+            <a:schemeClr val="lt1"/>
+          </a:fontRef>
+        </p:style>
+        <p:txBody>
+          <a:bodyPr rtlCol="0" anchor="ctr"/>
+          <a:lstStyle/>
+          <a:p>
+            <a:pPr algn="ctr"/>
+            <a:r>
+              <a:rPr lang="en-CH" sz="1000" dirty="0">
+                <a:solidFill>
+                  <a:schemeClr val="accent6">
+                    <a:lumMod val="40000"/>
+                    <a:lumOff val="60000"/>
+                  </a:schemeClr>
+                </a:solidFill>
+                <a:latin typeface="Ford Antenna Medium" panose="02000505000000020004" pitchFamily="2" charset="0"/>
+              </a:rPr>
+              <a:t>API</a:t>
+            </a:r>
+          </a:p>
+        </p:txBody>
+      </p:sp>
+      <p:sp>
+        <p:nvSpPr>
+          <p:cNvPr id="50" name="Down Arrow 49">
+            <a:extLst>
+              <a:ext uri="{FF2B5EF4-FFF2-40B4-BE49-F238E27FC236}">
+                <a16:creationId xmlns:a16="http://schemas.microsoft.com/office/drawing/2014/main" id="{BC52423D-5EE5-6DCE-50F3-413CD683AAFC}"/>
+              </a:ext>
+            </a:extLst>
+          </p:cNvPr>
+          <p:cNvSpPr/>
+          <p:nvPr/>
+        </p:nvSpPr>
+        <p:spPr>
+          <a:xfrm rot="10800000">
+            <a:off x="6077413" y="573093"/>
+            <a:ext cx="283278" cy="684000"/>
+          </a:xfrm>
+          <a:prstGeom prst="downArrow">
+            <a:avLst>
+              <a:gd name="adj1" fmla="val 55380"/>
+              <a:gd name="adj2" fmla="val 50000"/>
+            </a:avLst>
+          </a:prstGeom>
+          <a:solidFill>
+            <a:schemeClr val="accent6">
+              <a:lumMod val="60000"/>
+              <a:lumOff val="40000"/>
+            </a:schemeClr>
+          </a:solidFill>
+          <a:ln w="12700">
+            <a:solidFill>
+              <a:schemeClr val="accent6">
+                <a:lumMod val="75000"/>
+              </a:schemeClr>
+            </a:solidFill>
+            <a:prstDash val="sysDot"/>
+          </a:ln>
+        </p:spPr>
+        <p:style>
+          <a:lnRef idx="2">
+            <a:schemeClr val="accent1">
+              <a:shade val="15000"/>
+            </a:schemeClr>
+          </a:lnRef>
+          <a:fillRef idx="1">
+            <a:schemeClr val="accent1"/>
+          </a:fillRef>
+          <a:effectRef idx="0">
+            <a:schemeClr val="accent1"/>
+          </a:effectRef>
+          <a:fontRef idx="minor">
+            <a:schemeClr val="lt1"/>
+          </a:fontRef>
+        </p:style>
+        <p:txBody>
+          <a:bodyPr rtlCol="0" anchor="ctr"/>
+          <a:lstStyle/>
+          <a:p>
+            <a:pPr algn="ctr"/>
+            <a:endParaRPr lang="en-CH"/>
+          </a:p>
+        </p:txBody>
+      </p:sp>
+      <p:sp>
+        <p:nvSpPr>
+          <p:cNvPr id="51" name="Rectangle 50">
+            <a:extLst>
+              <a:ext uri="{FF2B5EF4-FFF2-40B4-BE49-F238E27FC236}">
+                <a16:creationId xmlns:a16="http://schemas.microsoft.com/office/drawing/2014/main" id="{5179FE98-E827-74F0-2966-445C076818C9}"/>
+              </a:ext>
+            </a:extLst>
+          </p:cNvPr>
+          <p:cNvSpPr/>
+          <p:nvPr/>
+        </p:nvSpPr>
+        <p:spPr>
+          <a:xfrm>
+            <a:off x="6149777" y="1213553"/>
+            <a:ext cx="127279" cy="89561"/>
+          </a:xfrm>
+          <a:prstGeom prst="rect">
+            <a:avLst/>
+          </a:prstGeom>
+          <a:solidFill>
+            <a:schemeClr val="accent6">
+              <a:lumMod val="60000"/>
+              <a:lumOff val="40000"/>
+            </a:schemeClr>
+          </a:solidFill>
+          <a:ln>
+            <a:noFill/>
+          </a:ln>
+        </p:spPr>
+        <p:style>
+          <a:lnRef idx="2">
+            <a:schemeClr val="accent1">
+              <a:shade val="15000"/>
+            </a:schemeClr>
+          </a:lnRef>
+          <a:fillRef idx="1">
+            <a:schemeClr val="accent1"/>
+          </a:fillRef>
+          <a:effectRef idx="0">
+            <a:schemeClr val="accent1"/>
+          </a:effectRef>
+          <a:fontRef idx="minor">
+            <a:schemeClr val="lt1"/>
+          </a:fontRef>
+        </p:style>
+        <p:txBody>
+          <a:bodyPr rtlCol="0" anchor="ctr"/>
+          <a:lstStyle/>
+          <a:p>
+            <a:pPr algn="ctr"/>
+            <a:endParaRPr lang="en-CH"/>
+          </a:p>
+        </p:txBody>
+      </p:sp>
+      <p:sp>
+        <p:nvSpPr>
+          <p:cNvPr id="52" name="Down Arrow 51">
+            <a:extLst>
+              <a:ext uri="{FF2B5EF4-FFF2-40B4-BE49-F238E27FC236}">
+                <a16:creationId xmlns:a16="http://schemas.microsoft.com/office/drawing/2014/main" id="{7C959E51-2EF3-71BC-8D3E-D4180067718C}"/>
+              </a:ext>
+            </a:extLst>
+          </p:cNvPr>
+          <p:cNvSpPr/>
+          <p:nvPr/>
+        </p:nvSpPr>
+        <p:spPr>
+          <a:xfrm rot="10800000">
+            <a:off x="8733142" y="573093"/>
+            <a:ext cx="283278" cy="684000"/>
+          </a:xfrm>
+          <a:prstGeom prst="downArrow">
+            <a:avLst>
+              <a:gd name="adj1" fmla="val 55380"/>
+              <a:gd name="adj2" fmla="val 50000"/>
+            </a:avLst>
+          </a:prstGeom>
+          <a:solidFill>
+            <a:schemeClr val="accent6">
+              <a:lumMod val="60000"/>
+              <a:lumOff val="40000"/>
+            </a:schemeClr>
+          </a:solidFill>
+          <a:ln w="12700">
+            <a:solidFill>
+              <a:schemeClr val="accent6">
+                <a:lumMod val="75000"/>
+              </a:schemeClr>
+            </a:solidFill>
+            <a:prstDash val="sysDot"/>
+          </a:ln>
+        </p:spPr>
+        <p:style>
+          <a:lnRef idx="2">
+            <a:schemeClr val="accent1">
+              <a:shade val="15000"/>
+            </a:schemeClr>
+          </a:lnRef>
+          <a:fillRef idx="1">
+            <a:schemeClr val="accent1"/>
+          </a:fillRef>
+          <a:effectRef idx="0">
+            <a:schemeClr val="accent1"/>
+          </a:effectRef>
+          <a:fontRef idx="minor">
+            <a:schemeClr val="lt1"/>
+          </a:fontRef>
+        </p:style>
+        <p:txBody>
+          <a:bodyPr rtlCol="0" anchor="ctr"/>
+          <a:lstStyle/>
+          <a:p>
+            <a:pPr algn="ctr"/>
+            <a:endParaRPr lang="en-CH"/>
+          </a:p>
+        </p:txBody>
+      </p:sp>
+      <p:sp>
+        <p:nvSpPr>
+          <p:cNvPr id="53" name="Rectangle 52">
+            <a:extLst>
+              <a:ext uri="{FF2B5EF4-FFF2-40B4-BE49-F238E27FC236}">
+                <a16:creationId xmlns:a16="http://schemas.microsoft.com/office/drawing/2014/main" id="{BE59BE4A-BFAD-BB03-16E2-13C804D05F68}"/>
+              </a:ext>
+            </a:extLst>
+          </p:cNvPr>
+          <p:cNvSpPr/>
+          <p:nvPr/>
+        </p:nvSpPr>
+        <p:spPr>
+          <a:xfrm>
+            <a:off x="8805506" y="1213553"/>
+            <a:ext cx="127279" cy="89561"/>
+          </a:xfrm>
+          <a:prstGeom prst="rect">
+            <a:avLst/>
+          </a:prstGeom>
+          <a:solidFill>
+            <a:schemeClr val="accent6">
+              <a:lumMod val="60000"/>
+              <a:lumOff val="40000"/>
+            </a:schemeClr>
+          </a:solidFill>
+          <a:ln>
+            <a:noFill/>
+          </a:ln>
+        </p:spPr>
+        <p:style>
+          <a:lnRef idx="2">
+            <a:schemeClr val="accent1">
+              <a:shade val="15000"/>
+            </a:schemeClr>
+          </a:lnRef>
+          <a:fillRef idx="1">
+            <a:schemeClr val="accent1"/>
+          </a:fillRef>
+          <a:effectRef idx="0">
+            <a:schemeClr val="accent1"/>
+          </a:effectRef>
+          <a:fontRef idx="minor">
+            <a:schemeClr val="lt1"/>
+          </a:fontRef>
+        </p:style>
+        <p:txBody>
+          <a:bodyPr rtlCol="0" anchor="ctr"/>
+          <a:lstStyle/>
+          <a:p>
+            <a:pPr algn="ctr"/>
+            <a:endParaRPr lang="en-CH"/>
+          </a:p>
+        </p:txBody>
+      </p:sp>
+      <p:sp>
+        <p:nvSpPr>
+          <p:cNvPr id="54" name="TextBox 53">
+            <a:extLst>
+              <a:ext uri="{FF2B5EF4-FFF2-40B4-BE49-F238E27FC236}">
+                <a16:creationId xmlns:a16="http://schemas.microsoft.com/office/drawing/2014/main" id="{5A651139-75DC-E9C5-9FC2-3A41870BA43E}"/>
+              </a:ext>
+            </a:extLst>
+          </p:cNvPr>
+          <p:cNvSpPr txBox="1"/>
+          <p:nvPr/>
+        </p:nvSpPr>
+        <p:spPr>
+          <a:xfrm>
+            <a:off x="4589648" y="434712"/>
+            <a:ext cx="1486561" cy="338554"/>
+          </a:xfrm>
+          <a:prstGeom prst="rect">
+            <a:avLst/>
+          </a:prstGeom>
+          <a:noFill/>
+        </p:spPr>
+        <p:txBody>
+          <a:bodyPr wrap="none" rtlCol="0">
+            <a:spAutoFit/>
+          </a:bodyPr>
+          <a:lstStyle/>
+          <a:p>
+            <a:r>
+              <a:rPr lang="en-CH" sz="1600" dirty="0">
+                <a:latin typeface="Ford Antenna Medium" panose="02000505000000020004" pitchFamily="2" charset="0"/>
+              </a:rPr>
+              <a:t>Partner APIs</a:t>
+            </a:r>
+          </a:p>
+        </p:txBody>
+      </p:sp>
+      <p:sp>
+        <p:nvSpPr>
+          <p:cNvPr id="55" name="TextBox 54">
+            <a:extLst>
+              <a:ext uri="{FF2B5EF4-FFF2-40B4-BE49-F238E27FC236}">
+                <a16:creationId xmlns:a16="http://schemas.microsoft.com/office/drawing/2014/main" id="{6C4545AA-74D2-FAE3-F938-848EDE3A3737}"/>
+              </a:ext>
+            </a:extLst>
+          </p:cNvPr>
+          <p:cNvSpPr txBox="1"/>
+          <p:nvPr/>
+        </p:nvSpPr>
+        <p:spPr>
+          <a:xfrm>
+            <a:off x="7329962" y="434712"/>
+            <a:ext cx="1363194" cy="338554"/>
+          </a:xfrm>
+          <a:prstGeom prst="rect">
+            <a:avLst/>
+          </a:prstGeom>
+          <a:noFill/>
+        </p:spPr>
+        <p:txBody>
+          <a:bodyPr wrap="none" rtlCol="0">
+            <a:spAutoFit/>
+          </a:bodyPr>
+          <a:lstStyle/>
+          <a:p>
+            <a:r>
+              <a:rPr lang="en-CH" sz="1600" dirty="0">
+                <a:latin typeface="Ford Antenna Medium" panose="02000505000000020004" pitchFamily="2" charset="0"/>
+              </a:rPr>
+              <a:t>Public APIs</a:t>
+            </a:r>
           </a:p>
         </p:txBody>
       </p:sp>
     </p:spTree>
     <p:extLst>
       <p:ext uri="{BB962C8B-B14F-4D97-AF65-F5344CB8AC3E}">
-        <p14:creationId xmlns:p14="http://schemas.microsoft.com/office/powerpoint/2010/main" val="2395627753"/>
+        <p14:creationId xmlns:p14="http://schemas.microsoft.com/office/powerpoint/2010/main" val="632848421"/>
       </p:ext>
     </p:extLst>
   </p:cSld>

--- a/api-days-australia-2024/img/platform-engineering.pptx
+++ b/api-days-australia-2024/img/platform-engineering.pptx
@@ -265,7 +265,7 @@
           <a:p>
             <a:fld id="{D256F4D8-ABCF-4D43-98D5-A7F42FF447A9}" type="datetimeFigureOut">
               <a:rPr lang="en-CH" smtClean="0"/>
-              <a:t>13.10.2024</a:t>
+              <a:t>14.10.2024</a:t>
             </a:fld>
             <a:endParaRPr lang="en-CH"/>
           </a:p>
@@ -465,7 +465,7 @@
           <a:p>
             <a:fld id="{D256F4D8-ABCF-4D43-98D5-A7F42FF447A9}" type="datetimeFigureOut">
               <a:rPr lang="en-CH" smtClean="0"/>
-              <a:t>13.10.2024</a:t>
+              <a:t>14.10.2024</a:t>
             </a:fld>
             <a:endParaRPr lang="en-CH"/>
           </a:p>
@@ -675,7 +675,7 @@
           <a:p>
             <a:fld id="{D256F4D8-ABCF-4D43-98D5-A7F42FF447A9}" type="datetimeFigureOut">
               <a:rPr lang="en-CH" smtClean="0"/>
-              <a:t>13.10.2024</a:t>
+              <a:t>14.10.2024</a:t>
             </a:fld>
             <a:endParaRPr lang="en-CH"/>
           </a:p>
@@ -875,7 +875,7 @@
           <a:p>
             <a:fld id="{D256F4D8-ABCF-4D43-98D5-A7F42FF447A9}" type="datetimeFigureOut">
               <a:rPr lang="en-CH" smtClean="0"/>
-              <a:t>13.10.2024</a:t>
+              <a:t>14.10.2024</a:t>
             </a:fld>
             <a:endParaRPr lang="en-CH"/>
           </a:p>
@@ -1151,7 +1151,7 @@
           <a:p>
             <a:fld id="{D256F4D8-ABCF-4D43-98D5-A7F42FF447A9}" type="datetimeFigureOut">
               <a:rPr lang="en-CH" smtClean="0"/>
-              <a:t>13.10.2024</a:t>
+              <a:t>14.10.2024</a:t>
             </a:fld>
             <a:endParaRPr lang="en-CH"/>
           </a:p>
@@ -1419,7 +1419,7 @@
           <a:p>
             <a:fld id="{D256F4D8-ABCF-4D43-98D5-A7F42FF447A9}" type="datetimeFigureOut">
               <a:rPr lang="en-CH" smtClean="0"/>
-              <a:t>13.10.2024</a:t>
+              <a:t>14.10.2024</a:t>
             </a:fld>
             <a:endParaRPr lang="en-CH"/>
           </a:p>
@@ -1834,7 +1834,7 @@
           <a:p>
             <a:fld id="{D256F4D8-ABCF-4D43-98D5-A7F42FF447A9}" type="datetimeFigureOut">
               <a:rPr lang="en-CH" smtClean="0"/>
-              <a:t>13.10.2024</a:t>
+              <a:t>14.10.2024</a:t>
             </a:fld>
             <a:endParaRPr lang="en-CH"/>
           </a:p>
@@ -1976,7 +1976,7 @@
           <a:p>
             <a:fld id="{D256F4D8-ABCF-4D43-98D5-A7F42FF447A9}" type="datetimeFigureOut">
               <a:rPr lang="en-CH" smtClean="0"/>
-              <a:t>13.10.2024</a:t>
+              <a:t>14.10.2024</a:t>
             </a:fld>
             <a:endParaRPr lang="en-CH"/>
           </a:p>
@@ -2089,7 +2089,7 @@
           <a:p>
             <a:fld id="{D256F4D8-ABCF-4D43-98D5-A7F42FF447A9}" type="datetimeFigureOut">
               <a:rPr lang="en-CH" smtClean="0"/>
-              <a:t>13.10.2024</a:t>
+              <a:t>14.10.2024</a:t>
             </a:fld>
             <a:endParaRPr lang="en-CH"/>
           </a:p>
@@ -2402,7 +2402,7 @@
           <a:p>
             <a:fld id="{D256F4D8-ABCF-4D43-98D5-A7F42FF447A9}" type="datetimeFigureOut">
               <a:rPr lang="en-CH" smtClean="0"/>
-              <a:t>13.10.2024</a:t>
+              <a:t>14.10.2024</a:t>
             </a:fld>
             <a:endParaRPr lang="en-CH"/>
           </a:p>
@@ -2691,7 +2691,7 @@
           <a:p>
             <a:fld id="{D256F4D8-ABCF-4D43-98D5-A7F42FF447A9}" type="datetimeFigureOut">
               <a:rPr lang="en-CH" smtClean="0"/>
-              <a:t>13.10.2024</a:t>
+              <a:t>14.10.2024</a:t>
             </a:fld>
             <a:endParaRPr lang="en-CH"/>
           </a:p>
@@ -2934,7 +2934,7 @@
           <a:p>
             <a:fld id="{D256F4D8-ABCF-4D43-98D5-A7F42FF447A9}" type="datetimeFigureOut">
               <a:rPr lang="en-CH" smtClean="0"/>
-              <a:t>13.10.2024</a:t>
+              <a:t>14.10.2024</a:t>
             </a:fld>
             <a:endParaRPr lang="en-CH"/>
           </a:p>
@@ -5627,8 +5627,8 @@
           </a:prstGeom>
           <a:solidFill>
             <a:schemeClr val="accent6">
-              <a:lumMod val="60000"/>
-              <a:lumOff val="40000"/>
+              <a:lumMod val="40000"/>
+              <a:lumOff val="60000"/>
             </a:schemeClr>
           </a:solidFill>
           <a:ln w="12700">
@@ -7361,8 +7361,8 @@
           </a:prstGeom>
           <a:solidFill>
             <a:schemeClr val="accent6">
-              <a:lumMod val="60000"/>
-              <a:lumOff val="40000"/>
+              <a:lumMod val="40000"/>
+              <a:lumOff val="60000"/>
             </a:schemeClr>
           </a:solidFill>
           <a:ln w="12700">
@@ -7421,8 +7421,8 @@
           </a:prstGeom>
           <a:solidFill>
             <a:schemeClr val="accent6">
-              <a:lumMod val="60000"/>
-              <a:lumOff val="40000"/>
+              <a:lumMod val="40000"/>
+              <a:lumOff val="60000"/>
             </a:schemeClr>
           </a:solidFill>
           <a:ln>
@@ -7456,10 +7456,10 @@
       </p:sp>
       <p:pic>
         <p:nvPicPr>
-          <p:cNvPr id="47" name="Picture 46">
-            <a:extLst>
-              <a:ext uri="{FF2B5EF4-FFF2-40B4-BE49-F238E27FC236}">
-                <a16:creationId xmlns:a16="http://schemas.microsoft.com/office/drawing/2014/main" id="{B29C5455-47D9-3D76-1633-E132CC337C11}"/>
+          <p:cNvPr id="9" name="Picture 8">
+            <a:extLst>
+              <a:ext uri="{FF2B5EF4-FFF2-40B4-BE49-F238E27FC236}">
+                <a16:creationId xmlns:a16="http://schemas.microsoft.com/office/drawing/2014/main" id="{2C03BE8B-120A-8100-20FC-AF1D5AD7649A}"/>
               </a:ext>
             </a:extLst>
           </p:cNvPr>
@@ -7476,8 +7476,38 @@
         </p:blipFill>
         <p:spPr>
           <a:xfrm>
-            <a:off x="9017783" y="3589848"/>
-            <a:ext cx="462608" cy="444369"/>
+            <a:off x="9016420" y="1361514"/>
+            <a:ext cx="496592" cy="461743"/>
+          </a:xfrm>
+          <a:prstGeom prst="rect">
+            <a:avLst/>
+          </a:prstGeom>
+        </p:spPr>
+      </p:pic>
+      <p:pic>
+        <p:nvPicPr>
+          <p:cNvPr id="10" name="Picture 9">
+            <a:extLst>
+              <a:ext uri="{FF2B5EF4-FFF2-40B4-BE49-F238E27FC236}">
+                <a16:creationId xmlns:a16="http://schemas.microsoft.com/office/drawing/2014/main" id="{8C3CFE87-0E14-0371-15B0-5165C7E4C6A4}"/>
+              </a:ext>
+            </a:extLst>
+          </p:cNvPr>
+          <p:cNvPicPr>
+            <a:picLocks noChangeAspect="1"/>
+          </p:cNvPicPr>
+          <p:nvPr/>
+        </p:nvPicPr>
+        <p:blipFill>
+          <a:blip r:embed="rId13"/>
+          <a:stretch>
+            <a:fillRect/>
+          </a:stretch>
+        </p:blipFill>
+        <p:spPr>
+          <a:xfrm>
+            <a:off x="8995645" y="3596894"/>
+            <a:ext cx="453758" cy="406491"/>
           </a:xfrm>
           <a:prstGeom prst="rect">
             <a:avLst/>
@@ -7859,8 +7889,8 @@
           </a:prstGeom>
           <a:solidFill>
             <a:schemeClr val="accent6">
-              <a:lumMod val="40000"/>
-              <a:lumOff val="60000"/>
+              <a:lumMod val="60000"/>
+              <a:lumOff val="40000"/>
             </a:schemeClr>
           </a:solidFill>
           <a:ln w="12700">
@@ -8016,8 +8046,8 @@
           </a:prstGeom>
           <a:solidFill>
             <a:schemeClr val="accent6">
-              <a:lumMod val="40000"/>
-              <a:lumOff val="60000"/>
+              <a:lumMod val="60000"/>
+              <a:lumOff val="40000"/>
             </a:schemeClr>
           </a:solidFill>
           <a:ln w="12700">
@@ -8665,36 +8695,6 @@
           </a:prstGeom>
         </p:spPr>
       </p:pic>
-      <p:pic>
-        <p:nvPicPr>
-          <p:cNvPr id="46" name="Picture 45">
-            <a:extLst>
-              <a:ext uri="{FF2B5EF4-FFF2-40B4-BE49-F238E27FC236}">
-                <a16:creationId xmlns:a16="http://schemas.microsoft.com/office/drawing/2014/main" id="{1321C1E9-BDF6-CFAF-86C7-148A53DE4DF5}"/>
-              </a:ext>
-            </a:extLst>
-          </p:cNvPr>
-          <p:cNvPicPr>
-            <a:picLocks noChangeAspect="1"/>
-          </p:cNvPicPr>
-          <p:nvPr/>
-        </p:nvPicPr>
-        <p:blipFill>
-          <a:blip r:embed="rId12"/>
-          <a:stretch>
-            <a:fillRect/>
-          </a:stretch>
-        </p:blipFill>
-        <p:spPr>
-          <a:xfrm>
-            <a:off x="9017783" y="3589848"/>
-            <a:ext cx="462608" cy="444369"/>
-          </a:xfrm>
-          <a:prstGeom prst="rect">
-            <a:avLst/>
-          </a:prstGeom>
-        </p:spPr>
-      </p:pic>
       <p:sp>
         <p:nvSpPr>
           <p:cNvPr id="47" name="Rectangle 46">
@@ -8717,8 +8717,8 @@
           </a:prstGeom>
           <a:solidFill>
             <a:schemeClr val="accent6">
-              <a:lumMod val="60000"/>
-              <a:lumOff val="40000"/>
+              <a:lumMod val="40000"/>
+              <a:lumOff val="60000"/>
             </a:schemeClr>
           </a:solidFill>
           <a:ln w="12700">
@@ -8801,8 +8801,8 @@
           </a:prstGeom>
           <a:solidFill>
             <a:schemeClr val="accent6">
-              <a:lumMod val="60000"/>
-              <a:lumOff val="40000"/>
+              <a:lumMod val="40000"/>
+              <a:lumOff val="60000"/>
             </a:schemeClr>
           </a:solidFill>
           <a:ln w="12700">
@@ -8861,8 +8861,8 @@
           </a:prstGeom>
           <a:solidFill>
             <a:schemeClr val="accent6">
-              <a:lumMod val="60000"/>
-              <a:lumOff val="40000"/>
+              <a:lumMod val="40000"/>
+              <a:lumOff val="60000"/>
             </a:schemeClr>
           </a:solidFill>
           <a:ln>
@@ -10047,8 +10047,8 @@
           </a:prstGeom>
           <a:solidFill>
             <a:schemeClr val="accent6">
-              <a:lumMod val="60000"/>
-              <a:lumOff val="40000"/>
+              <a:lumMod val="40000"/>
+              <a:lumOff val="60000"/>
             </a:schemeClr>
           </a:solidFill>
           <a:ln w="12700">
@@ -10107,8 +10107,8 @@
           </a:prstGeom>
           <a:solidFill>
             <a:schemeClr val="accent6">
-              <a:lumMod val="60000"/>
-              <a:lumOff val="40000"/>
+              <a:lumMod val="40000"/>
+              <a:lumOff val="60000"/>
             </a:schemeClr>
           </a:solidFill>
           <a:ln>
@@ -10165,8 +10165,8 @@
           </a:prstGeom>
           <a:solidFill>
             <a:schemeClr val="accent6">
-              <a:lumMod val="60000"/>
-              <a:lumOff val="40000"/>
+              <a:lumMod val="40000"/>
+              <a:lumOff val="60000"/>
             </a:schemeClr>
           </a:solidFill>
           <a:ln w="12700">
@@ -10225,8 +10225,8 @@
           </a:prstGeom>
           <a:solidFill>
             <a:schemeClr val="accent6">
-              <a:lumMod val="60000"/>
-              <a:lumOff val="40000"/>
+              <a:lumMod val="40000"/>
+              <a:lumOff val="60000"/>
             </a:schemeClr>
           </a:solidFill>
           <a:ln>
@@ -10332,6 +10332,66 @@
           </a:p>
         </p:txBody>
       </p:sp>
+      <p:pic>
+        <p:nvPicPr>
+          <p:cNvPr id="2" name="Picture 1">
+            <a:extLst>
+              <a:ext uri="{FF2B5EF4-FFF2-40B4-BE49-F238E27FC236}">
+                <a16:creationId xmlns:a16="http://schemas.microsoft.com/office/drawing/2014/main" id="{76A45990-4428-1675-01CF-7F6BA7ED93CB}"/>
+              </a:ext>
+            </a:extLst>
+          </p:cNvPr>
+          <p:cNvPicPr>
+            <a:picLocks noChangeAspect="1"/>
+          </p:cNvPicPr>
+          <p:nvPr/>
+        </p:nvPicPr>
+        <p:blipFill>
+          <a:blip r:embed="rId12"/>
+          <a:stretch>
+            <a:fillRect/>
+          </a:stretch>
+        </p:blipFill>
+        <p:spPr>
+          <a:xfrm>
+            <a:off x="9016420" y="1361514"/>
+            <a:ext cx="496592" cy="461743"/>
+          </a:xfrm>
+          <a:prstGeom prst="rect">
+            <a:avLst/>
+          </a:prstGeom>
+        </p:spPr>
+      </p:pic>
+      <p:pic>
+        <p:nvPicPr>
+          <p:cNvPr id="4" name="Picture 3">
+            <a:extLst>
+              <a:ext uri="{FF2B5EF4-FFF2-40B4-BE49-F238E27FC236}">
+                <a16:creationId xmlns:a16="http://schemas.microsoft.com/office/drawing/2014/main" id="{AECC88B0-1DC7-46E4-76A0-8F6B94331A9C}"/>
+              </a:ext>
+            </a:extLst>
+          </p:cNvPr>
+          <p:cNvPicPr>
+            <a:picLocks noChangeAspect="1"/>
+          </p:cNvPicPr>
+          <p:nvPr/>
+        </p:nvPicPr>
+        <p:blipFill>
+          <a:blip r:embed="rId13"/>
+          <a:stretch>
+            <a:fillRect/>
+          </a:stretch>
+        </p:blipFill>
+        <p:spPr>
+          <a:xfrm>
+            <a:off x="8995645" y="3596894"/>
+            <a:ext cx="453758" cy="406491"/>
+          </a:xfrm>
+          <a:prstGeom prst="rect">
+            <a:avLst/>
+          </a:prstGeom>
+        </p:spPr>
+      </p:pic>
     </p:spTree>
     <p:extLst>
       <p:ext uri="{BB962C8B-B14F-4D97-AF65-F5344CB8AC3E}">

--- a/api-days-australia-2024/img/platform-engineering.pptx
+++ b/api-days-australia-2024/img/platform-engineering.pptx
@@ -265,7 +265,7 @@
           <a:p>
             <a:fld id="{D256F4D8-ABCF-4D43-98D5-A7F42FF447A9}" type="datetimeFigureOut">
               <a:rPr lang="en-CH" smtClean="0"/>
-              <a:t>14.10.2024</a:t>
+              <a:t>15.10.2024</a:t>
             </a:fld>
             <a:endParaRPr lang="en-CH"/>
           </a:p>
@@ -465,7 +465,7 @@
           <a:p>
             <a:fld id="{D256F4D8-ABCF-4D43-98D5-A7F42FF447A9}" type="datetimeFigureOut">
               <a:rPr lang="en-CH" smtClean="0"/>
-              <a:t>14.10.2024</a:t>
+              <a:t>15.10.2024</a:t>
             </a:fld>
             <a:endParaRPr lang="en-CH"/>
           </a:p>
@@ -675,7 +675,7 @@
           <a:p>
             <a:fld id="{D256F4D8-ABCF-4D43-98D5-A7F42FF447A9}" type="datetimeFigureOut">
               <a:rPr lang="en-CH" smtClean="0"/>
-              <a:t>14.10.2024</a:t>
+              <a:t>15.10.2024</a:t>
             </a:fld>
             <a:endParaRPr lang="en-CH"/>
           </a:p>
@@ -875,7 +875,7 @@
           <a:p>
             <a:fld id="{D256F4D8-ABCF-4D43-98D5-A7F42FF447A9}" type="datetimeFigureOut">
               <a:rPr lang="en-CH" smtClean="0"/>
-              <a:t>14.10.2024</a:t>
+              <a:t>15.10.2024</a:t>
             </a:fld>
             <a:endParaRPr lang="en-CH"/>
           </a:p>
@@ -1151,7 +1151,7 @@
           <a:p>
             <a:fld id="{D256F4D8-ABCF-4D43-98D5-A7F42FF447A9}" type="datetimeFigureOut">
               <a:rPr lang="en-CH" smtClean="0"/>
-              <a:t>14.10.2024</a:t>
+              <a:t>15.10.2024</a:t>
             </a:fld>
             <a:endParaRPr lang="en-CH"/>
           </a:p>
@@ -1419,7 +1419,7 @@
           <a:p>
             <a:fld id="{D256F4D8-ABCF-4D43-98D5-A7F42FF447A9}" type="datetimeFigureOut">
               <a:rPr lang="en-CH" smtClean="0"/>
-              <a:t>14.10.2024</a:t>
+              <a:t>15.10.2024</a:t>
             </a:fld>
             <a:endParaRPr lang="en-CH"/>
           </a:p>
@@ -1834,7 +1834,7 @@
           <a:p>
             <a:fld id="{D256F4D8-ABCF-4D43-98D5-A7F42FF447A9}" type="datetimeFigureOut">
               <a:rPr lang="en-CH" smtClean="0"/>
-              <a:t>14.10.2024</a:t>
+              <a:t>15.10.2024</a:t>
             </a:fld>
             <a:endParaRPr lang="en-CH"/>
           </a:p>
@@ -1976,7 +1976,7 @@
           <a:p>
             <a:fld id="{D256F4D8-ABCF-4D43-98D5-A7F42FF447A9}" type="datetimeFigureOut">
               <a:rPr lang="en-CH" smtClean="0"/>
-              <a:t>14.10.2024</a:t>
+              <a:t>15.10.2024</a:t>
             </a:fld>
             <a:endParaRPr lang="en-CH"/>
           </a:p>
@@ -2089,7 +2089,7 @@
           <a:p>
             <a:fld id="{D256F4D8-ABCF-4D43-98D5-A7F42FF447A9}" type="datetimeFigureOut">
               <a:rPr lang="en-CH" smtClean="0"/>
-              <a:t>14.10.2024</a:t>
+              <a:t>15.10.2024</a:t>
             </a:fld>
             <a:endParaRPr lang="en-CH"/>
           </a:p>
@@ -2402,7 +2402,7 @@
           <a:p>
             <a:fld id="{D256F4D8-ABCF-4D43-98D5-A7F42FF447A9}" type="datetimeFigureOut">
               <a:rPr lang="en-CH" smtClean="0"/>
-              <a:t>14.10.2024</a:t>
+              <a:t>15.10.2024</a:t>
             </a:fld>
             <a:endParaRPr lang="en-CH"/>
           </a:p>
@@ -2691,7 +2691,7 @@
           <a:p>
             <a:fld id="{D256F4D8-ABCF-4D43-98D5-A7F42FF447A9}" type="datetimeFigureOut">
               <a:rPr lang="en-CH" smtClean="0"/>
-              <a:t>14.10.2024</a:t>
+              <a:t>15.10.2024</a:t>
             </a:fld>
             <a:endParaRPr lang="en-CH"/>
           </a:p>
@@ -2934,7 +2934,7 @@
           <a:p>
             <a:fld id="{D256F4D8-ABCF-4D43-98D5-A7F42FF447A9}" type="datetimeFigureOut">
               <a:rPr lang="en-CH" smtClean="0"/>
-              <a:t>14.10.2024</a:t>
+              <a:t>15.10.2024</a:t>
             </a:fld>
             <a:endParaRPr lang="en-CH"/>
           </a:p>
@@ -3415,6 +3415,19 @@
                 <a:latin typeface="Ford Antenna Medium" panose="02000505000000020004" pitchFamily="2" charset="0"/>
               </a:rPr>
               <a:t>                 Infrastructure</a:t>
+            </a:r>
+          </a:p>
+          <a:p>
+            <a:r>
+              <a:rPr lang="en-CH" sz="1600" dirty="0">
+                <a:solidFill>
+                  <a:schemeClr val="accent6">
+                    <a:lumMod val="50000"/>
+                  </a:schemeClr>
+                </a:solidFill>
+                <a:latin typeface="Ford Antenna Medium" panose="02000505000000020004" pitchFamily="2" charset="0"/>
+              </a:rPr>
+              <a:t>                      Platform</a:t>
             </a:r>
           </a:p>
         </p:txBody>
